--- a/Projet_2048/Support_Projet_2048.pptx
+++ b/Projet_2048/Support_Projet_2048.pptx
@@ -9,12 +9,13 @@
     <p:sldId id="257" r:id="rId3"/>
     <p:sldId id="258" r:id="rId4"/>
     <p:sldId id="259" r:id="rId5"/>
-    <p:sldId id="260" r:id="rId6"/>
-    <p:sldId id="261" r:id="rId7"/>
-    <p:sldId id="262" r:id="rId8"/>
-    <p:sldId id="263" r:id="rId9"/>
-    <p:sldId id="264" r:id="rId10"/>
-    <p:sldId id="265" r:id="rId11"/>
+    <p:sldId id="266" r:id="rId6"/>
+    <p:sldId id="260" r:id="rId7"/>
+    <p:sldId id="261" r:id="rId8"/>
+    <p:sldId id="262" r:id="rId9"/>
+    <p:sldId id="263" r:id="rId10"/>
+    <p:sldId id="264" r:id="rId11"/>
+    <p:sldId id="265" r:id="rId12"/>
   </p:sldIdLst>
   <p:sldSz cx="12192000" cy="6858000"/>
   <p:notesSz cx="6858000" cy="9144000"/>
@@ -113,6 +114,11 @@
       </a:defRPr>
     </a:lvl9pPr>
   </p:defaultTextStyle>
+  <p:extLst>
+    <p:ext uri="{EFAFB233-063F-42B5-8137-9DF3F51BA10A}">
+      <p15:sldGuideLst xmlns:p15="http://schemas.microsoft.com/office/powerpoint/2012/main"/>
+    </p:ext>
+  </p:extLst>
 </p:presentation>
 </file>
 
@@ -1315,6 +1321,13 @@
         </dgm:presLayoutVars>
       </dgm:prSet>
       <dgm:spPr/>
+      <dgm:t>
+        <a:bodyPr/>
+        <a:lstStyle/>
+        <a:p>
+          <a:endParaRPr lang="fr-FR"/>
+        </a:p>
+      </dgm:t>
     </dgm:pt>
     <dgm:pt modelId="{931E7F13-21EC-4012-B5E1-6FDEA2ED6185}" type="pres">
       <dgm:prSet presAssocID="{7AAAFD5B-886C-47FE-B8DB-9190592F2490}" presName="compNode" presStyleCnt="0"/>
@@ -1328,13 +1341,13 @@
       <dgm:prSet presAssocID="{7AAAFD5B-886C-47FE-B8DB-9190592F2490}" presName="iconRect" presStyleLbl="node1" presStyleIdx="0" presStyleCnt="6"/>
       <dgm:spPr>
         <a:blipFill>
-          <a:blip xmlns:r="http://schemas.openxmlformats.org/officeDocument/2006/relationships" r:embed="rId1">
+          <a:blip xmlns:r="http://schemas.openxmlformats.org/officeDocument/2006/relationships" r:embed="rId1" cstate="hqprint">
             <a:extLst>
               <a:ext uri="{28A0092B-C50C-407E-A947-70E740481C1C}">
                 <a14:useLocalDpi xmlns:a14="http://schemas.microsoft.com/office/drawing/2010/main" val="0"/>
               </a:ext>
               <a:ext uri="{96DAC541-7B7A-43D3-8B79-37D633B846F1}">
-                <asvg:svgBlip xmlns:asvg="http://schemas.microsoft.com/office/drawing/2016/SVG/main" r:embed="rId2"/>
+                <asvg:svgBlip xmlns="" xmlns:asvg="http://schemas.microsoft.com/office/drawing/2016/SVG/main" r:embed="rId2"/>
               </a:ext>
             </a:extLst>
           </a:blip>
@@ -1346,6 +1359,13 @@
           <a:noFill/>
         </a:ln>
       </dgm:spPr>
+      <dgm:t>
+        <a:bodyPr/>
+        <a:lstStyle/>
+        <a:p>
+          <a:endParaRPr lang="fr-FR"/>
+        </a:p>
+      </dgm:t>
       <dgm:extLst>
         <a:ext uri="{E40237B7-FDA0-4F09-8148-C483321AD2D9}">
           <dgm14:cNvPr xmlns:dgm14="http://schemas.microsoft.com/office/drawing/2010/diagram" id="0" name="" descr="Game controller"/>
@@ -1364,6 +1384,13 @@
         </dgm:presLayoutVars>
       </dgm:prSet>
       <dgm:spPr/>
+      <dgm:t>
+        <a:bodyPr/>
+        <a:lstStyle/>
+        <a:p>
+          <a:endParaRPr lang="fr-FR"/>
+        </a:p>
+      </dgm:t>
     </dgm:pt>
     <dgm:pt modelId="{EFBDCD23-E790-4413-9D0C-C3A45A1762F6}" type="pres">
       <dgm:prSet presAssocID="{70449210-E0CE-4B17-AABB-FFE98E010549}" presName="sibTrans" presStyleCnt="0"/>
@@ -1381,13 +1408,13 @@
       <dgm:prSet presAssocID="{CE07CA6A-EE4D-4305-91CB-0D31BF5D772F}" presName="iconRect" presStyleLbl="node1" presStyleIdx="1" presStyleCnt="6"/>
       <dgm:spPr>
         <a:blipFill>
-          <a:blip xmlns:r="http://schemas.openxmlformats.org/officeDocument/2006/relationships" r:embed="rId3">
+          <a:blip xmlns:r="http://schemas.openxmlformats.org/officeDocument/2006/relationships" r:embed="rId3" cstate="hqprint">
             <a:extLst>
               <a:ext uri="{28A0092B-C50C-407E-A947-70E740481C1C}">
                 <a14:useLocalDpi xmlns:a14="http://schemas.microsoft.com/office/drawing/2010/main" val="0"/>
               </a:ext>
               <a:ext uri="{96DAC541-7B7A-43D3-8B79-37D633B846F1}">
-                <asvg:svgBlip xmlns:asvg="http://schemas.microsoft.com/office/drawing/2016/SVG/main" r:embed="rId4"/>
+                <asvg:svgBlip xmlns="" xmlns:asvg="http://schemas.microsoft.com/office/drawing/2016/SVG/main" r:embed="rId4"/>
               </a:ext>
             </a:extLst>
           </a:blip>
@@ -1400,6 +1427,13 @@
           <a:noFill/>
         </a:ln>
       </dgm:spPr>
+      <dgm:t>
+        <a:bodyPr/>
+        <a:lstStyle/>
+        <a:p>
+          <a:endParaRPr lang="fr-FR"/>
+        </a:p>
+      </dgm:t>
       <dgm:extLst>
         <a:ext uri="{E40237B7-FDA0-4F09-8148-C483321AD2D9}">
           <dgm14:cNvPr xmlns:dgm14="http://schemas.microsoft.com/office/drawing/2010/diagram" id="0" name="" descr="Télévision"/>
@@ -1418,6 +1452,13 @@
         </dgm:presLayoutVars>
       </dgm:prSet>
       <dgm:spPr/>
+      <dgm:t>
+        <a:bodyPr/>
+        <a:lstStyle/>
+        <a:p>
+          <a:endParaRPr lang="fr-FR"/>
+        </a:p>
+      </dgm:t>
     </dgm:pt>
     <dgm:pt modelId="{C859033F-AED4-4C21-A9CC-85FD2C6BC9EC}" type="pres">
       <dgm:prSet presAssocID="{C2DC9A2A-FB6F-43AD-8A02-CAA3F7A79400}" presName="sibTrans" presStyleCnt="0"/>
@@ -1435,13 +1476,13 @@
       <dgm:prSet presAssocID="{1ED36BD3-F334-446A-A8F2-37689B9903AF}" presName="iconRect" presStyleLbl="node1" presStyleIdx="2" presStyleCnt="6"/>
       <dgm:spPr>
         <a:blipFill>
-          <a:blip xmlns:r="http://schemas.openxmlformats.org/officeDocument/2006/relationships" r:embed="rId5">
+          <a:blip xmlns:r="http://schemas.openxmlformats.org/officeDocument/2006/relationships" r:embed="rId5" cstate="hqprint">
             <a:extLst>
               <a:ext uri="{28A0092B-C50C-407E-A947-70E740481C1C}">
                 <a14:useLocalDpi xmlns:a14="http://schemas.microsoft.com/office/drawing/2010/main" val="0"/>
               </a:ext>
               <a:ext uri="{96DAC541-7B7A-43D3-8B79-37D633B846F1}">
-                <asvg:svgBlip xmlns:asvg="http://schemas.microsoft.com/office/drawing/2016/SVG/main" r:embed="rId6"/>
+                <asvg:svgBlip xmlns="" xmlns:asvg="http://schemas.microsoft.com/office/drawing/2016/SVG/main" r:embed="rId6"/>
               </a:ext>
             </a:extLst>
           </a:blip>
@@ -1453,6 +1494,13 @@
           <a:noFill/>
         </a:ln>
       </dgm:spPr>
+      <dgm:t>
+        <a:bodyPr/>
+        <a:lstStyle/>
+        <a:p>
+          <a:endParaRPr lang="fr-FR"/>
+        </a:p>
+      </dgm:t>
       <dgm:extLst>
         <a:ext uri="{E40237B7-FDA0-4F09-8148-C483321AD2D9}">
           <dgm14:cNvPr xmlns:dgm14="http://schemas.microsoft.com/office/drawing/2010/diagram" id="0" name="" descr="Database"/>
@@ -1471,6 +1519,13 @@
         </dgm:presLayoutVars>
       </dgm:prSet>
       <dgm:spPr/>
+      <dgm:t>
+        <a:bodyPr/>
+        <a:lstStyle/>
+        <a:p>
+          <a:endParaRPr lang="fr-FR"/>
+        </a:p>
+      </dgm:t>
     </dgm:pt>
     <dgm:pt modelId="{DDBA86B9-53B1-43E1-88B4-1895993622AE}" type="pres">
       <dgm:prSet presAssocID="{25D20A2A-D651-43CC-BB6F-307BC4D87E5F}" presName="sibTrans" presStyleCnt="0"/>
@@ -1491,7 +1546,7 @@
           <a:blip xmlns:r="http://schemas.openxmlformats.org/officeDocument/2006/relationships" r:embed="rId7">
             <a:extLst>
               <a:ext uri="{96DAC541-7B7A-43D3-8B79-37D633B846F1}">
-                <asvg:svgBlip xmlns:asvg="http://schemas.microsoft.com/office/drawing/2016/SVG/main" r:embed="rId8"/>
+                <asvg:svgBlip xmlns="" xmlns:asvg="http://schemas.microsoft.com/office/drawing/2016/SVG/main" r:embed="rId8"/>
               </a:ext>
             </a:extLst>
           </a:blip>
@@ -1522,6 +1577,13 @@
         </dgm:presLayoutVars>
       </dgm:prSet>
       <dgm:spPr/>
+      <dgm:t>
+        <a:bodyPr/>
+        <a:lstStyle/>
+        <a:p>
+          <a:endParaRPr lang="fr-FR"/>
+        </a:p>
+      </dgm:t>
     </dgm:pt>
     <dgm:pt modelId="{D1415608-2603-4C61-B0C0-B5EAA7758FC6}" type="pres">
       <dgm:prSet presAssocID="{FBF945C7-77CF-4B58-820D-2702CB85D44B}" presName="sibTrans" presStyleCnt="0"/>
@@ -1539,13 +1601,13 @@
       <dgm:prSet presAssocID="{E6E2EAC4-F7EB-45D9-8F53-43EBCEA312C4}" presName="iconRect" presStyleLbl="node1" presStyleIdx="4" presStyleCnt="6"/>
       <dgm:spPr>
         <a:blipFill>
-          <a:blip xmlns:r="http://schemas.openxmlformats.org/officeDocument/2006/relationships" r:embed="rId9">
+          <a:blip xmlns:r="http://schemas.openxmlformats.org/officeDocument/2006/relationships" r:embed="rId9" cstate="hqprint">
             <a:extLst>
               <a:ext uri="{28A0092B-C50C-407E-A947-70E740481C1C}">
                 <a14:useLocalDpi xmlns:a14="http://schemas.microsoft.com/office/drawing/2010/main" val="0"/>
               </a:ext>
               <a:ext uri="{96DAC541-7B7A-43D3-8B79-37D633B846F1}">
-                <asvg:svgBlip xmlns:asvg="http://schemas.microsoft.com/office/drawing/2016/SVG/main" r:embed="rId10"/>
+                <asvg:svgBlip xmlns="" xmlns:asvg="http://schemas.microsoft.com/office/drawing/2016/SVG/main" r:embed="rId10"/>
               </a:ext>
             </a:extLst>
           </a:blip>
@@ -1557,6 +1619,13 @@
           <a:noFill/>
         </a:ln>
       </dgm:spPr>
+      <dgm:t>
+        <a:bodyPr/>
+        <a:lstStyle/>
+        <a:p>
+          <a:endParaRPr lang="fr-FR"/>
+        </a:p>
+      </dgm:t>
       <dgm:extLst>
         <a:ext uri="{E40237B7-FDA0-4F09-8148-C483321AD2D9}">
           <dgm14:cNvPr xmlns:dgm14="http://schemas.microsoft.com/office/drawing/2010/diagram" id="0" name="" descr="Trophy"/>
@@ -1575,6 +1644,13 @@
         </dgm:presLayoutVars>
       </dgm:prSet>
       <dgm:spPr/>
+      <dgm:t>
+        <a:bodyPr/>
+        <a:lstStyle/>
+        <a:p>
+          <a:endParaRPr lang="fr-FR"/>
+        </a:p>
+      </dgm:t>
     </dgm:pt>
     <dgm:pt modelId="{101F5258-DFD1-4AAF-A823-2B0F1CE56E20}" type="pres">
       <dgm:prSet presAssocID="{317F3CDB-6ABB-474E-B257-CD30DD170003}" presName="sibTrans" presStyleCnt="0"/>
@@ -1608,22 +1684,29 @@
         </dgm:presLayoutVars>
       </dgm:prSet>
       <dgm:spPr/>
+      <dgm:t>
+        <a:bodyPr/>
+        <a:lstStyle/>
+        <a:p>
+          <a:endParaRPr lang="fr-FR"/>
+        </a:p>
+      </dgm:t>
     </dgm:pt>
   </dgm:ptLst>
   <dgm:cxnLst>
-    <dgm:cxn modelId="{1E62A31B-41A2-4043-821B-9E2942CFF918}" type="presOf" srcId="{E6E2EAC4-F7EB-45D9-8F53-43EBCEA312C4}" destId="{952BF7C5-FB18-4382-A74C-656DBAC3DF08}" srcOrd="0" destOrd="0" presId="urn:microsoft.com/office/officeart/2018/2/layout/IconVerticalSolidList"/>
+    <dgm:cxn modelId="{6415DAB7-F698-44EA-98DD-8CB5AE7920E0}" srcId="{73AB2882-757F-41D4-A4E3-EEBAA3D9323D}" destId="{7AAAFD5B-886C-47FE-B8DB-9190592F2490}" srcOrd="0" destOrd="0" parTransId="{F91C36EF-6928-4DAE-B09D-D5A75CF7AB5A}" sibTransId="{70449210-E0CE-4B17-AABB-FFE98E010549}"/>
+    <dgm:cxn modelId="{648A52D5-4F65-4732-B699-F23A71F65CEA}" type="presOf" srcId="{73AB2882-757F-41D4-A4E3-EEBAA3D9323D}" destId="{66DF668F-EE17-45A0-948A-0C1BDA885D49}" srcOrd="0" destOrd="0" presId="urn:microsoft.com/office/officeart/2018/2/layout/IconVerticalSolidList"/>
+    <dgm:cxn modelId="{AC88C192-9276-4CE9-8A52-7322B7AA6C13}" type="presOf" srcId="{511FDC30-C898-42CF-AC5F-FE412C80D4DD}" destId="{BCD132B2-0794-4292-845C-7E0B1C654555}" srcOrd="0" destOrd="0" presId="urn:microsoft.com/office/officeart/2018/2/layout/IconVerticalSolidList"/>
+    <dgm:cxn modelId="{9CE7C7B4-155D-4D4A-B0B9-F711035D73C2}" srcId="{73AB2882-757F-41D4-A4E3-EEBAA3D9323D}" destId="{511FDC30-C898-42CF-AC5F-FE412C80D4DD}" srcOrd="5" destOrd="0" parTransId="{F204DBE7-37BE-4387-92D8-F18A0418AAD1}" sibTransId="{16FC1784-B383-4429-956B-913BACEB2FCA}"/>
+    <dgm:cxn modelId="{D1ACC1AA-6862-4842-9DF0-10CBA58C1BF6}" type="presOf" srcId="{7AAAFD5B-886C-47FE-B8DB-9190592F2490}" destId="{28D9E7EA-7B49-43E0-A489-CEB12046FD08}" srcOrd="0" destOrd="0" presId="urn:microsoft.com/office/officeart/2018/2/layout/IconVerticalSolidList"/>
     <dgm:cxn modelId="{90C8471E-7353-4BA8-B20A-39C7700C493C}" srcId="{73AB2882-757F-41D4-A4E3-EEBAA3D9323D}" destId="{C2458267-C1EB-433E-B969-09462CEF9DE6}" srcOrd="3" destOrd="0" parTransId="{A04CAD9B-CAF3-4EA7-BA61-1F18FDD9718A}" sibTransId="{FBF945C7-77CF-4B58-820D-2702CB85D44B}"/>
     <dgm:cxn modelId="{D674D347-7329-40DE-A327-3F57C2FE1532}" srcId="{73AB2882-757F-41D4-A4E3-EEBAA3D9323D}" destId="{CE07CA6A-EE4D-4305-91CB-0D31BF5D772F}" srcOrd="1" destOrd="0" parTransId="{5A6546AF-87CA-4CCA-A1FB-1209D863F621}" sibTransId="{C2DC9A2A-FB6F-43AD-8A02-CAA3F7A79400}"/>
+    <dgm:cxn modelId="{8E841981-9576-401F-9DDC-4152A01E15D4}" srcId="{73AB2882-757F-41D4-A4E3-EEBAA3D9323D}" destId="{E6E2EAC4-F7EB-45D9-8F53-43EBCEA312C4}" srcOrd="4" destOrd="0" parTransId="{3F36A1E2-96CA-4DCB-8C1A-99E2D5AF4D39}" sibTransId="{317F3CDB-6ABB-474E-B257-CD30DD170003}"/>
+    <dgm:cxn modelId="{A24AFEA1-EB16-4F94-852A-AD3417C762FF}" type="presOf" srcId="{C2458267-C1EB-433E-B969-09462CEF9DE6}" destId="{2E7099CF-CD01-4EB5-9B8A-6514003D582F}" srcOrd="0" destOrd="0" presId="urn:microsoft.com/office/officeart/2018/2/layout/IconVerticalSolidList"/>
+    <dgm:cxn modelId="{BADE35E4-18D0-428F-9EED-9A2D1319C68E}" srcId="{73AB2882-757F-41D4-A4E3-EEBAA3D9323D}" destId="{1ED36BD3-F334-446A-A8F2-37689B9903AF}" srcOrd="2" destOrd="0" parTransId="{9A919B0F-3EAD-4338-B490-AA1B7A5776E9}" sibTransId="{25D20A2A-D651-43CC-BB6F-307BC4D87E5F}"/>
+    <dgm:cxn modelId="{1E62A31B-41A2-4043-821B-9E2942CFF918}" type="presOf" srcId="{E6E2EAC4-F7EB-45D9-8F53-43EBCEA312C4}" destId="{952BF7C5-FB18-4382-A74C-656DBAC3DF08}" srcOrd="0" destOrd="0" presId="urn:microsoft.com/office/officeart/2018/2/layout/IconVerticalSolidList"/>
+    <dgm:cxn modelId="{6B9C13A5-3C0F-404E-86CC-9C7DFFC14402}" type="presOf" srcId="{1ED36BD3-F334-446A-A8F2-37689B9903AF}" destId="{6F430924-AEC5-472F-8E4C-60BBC5453184}" srcOrd="0" destOrd="0" presId="urn:microsoft.com/office/officeart/2018/2/layout/IconVerticalSolidList"/>
     <dgm:cxn modelId="{2E1E0A4B-B884-4737-8600-BA53C3303202}" type="presOf" srcId="{CE07CA6A-EE4D-4305-91CB-0D31BF5D772F}" destId="{A7CCEF40-C33F-4902-8A81-046310B934A0}" srcOrd="0" destOrd="0" presId="urn:microsoft.com/office/officeart/2018/2/layout/IconVerticalSolidList"/>
-    <dgm:cxn modelId="{8E841981-9576-401F-9DDC-4152A01E15D4}" srcId="{73AB2882-757F-41D4-A4E3-EEBAA3D9323D}" destId="{E6E2EAC4-F7EB-45D9-8F53-43EBCEA312C4}" srcOrd="4" destOrd="0" parTransId="{3F36A1E2-96CA-4DCB-8C1A-99E2D5AF4D39}" sibTransId="{317F3CDB-6ABB-474E-B257-CD30DD170003}"/>
-    <dgm:cxn modelId="{AC88C192-9276-4CE9-8A52-7322B7AA6C13}" type="presOf" srcId="{511FDC30-C898-42CF-AC5F-FE412C80D4DD}" destId="{BCD132B2-0794-4292-845C-7E0B1C654555}" srcOrd="0" destOrd="0" presId="urn:microsoft.com/office/officeart/2018/2/layout/IconVerticalSolidList"/>
-    <dgm:cxn modelId="{A24AFEA1-EB16-4F94-852A-AD3417C762FF}" type="presOf" srcId="{C2458267-C1EB-433E-B969-09462CEF9DE6}" destId="{2E7099CF-CD01-4EB5-9B8A-6514003D582F}" srcOrd="0" destOrd="0" presId="urn:microsoft.com/office/officeart/2018/2/layout/IconVerticalSolidList"/>
-    <dgm:cxn modelId="{6B9C13A5-3C0F-404E-86CC-9C7DFFC14402}" type="presOf" srcId="{1ED36BD3-F334-446A-A8F2-37689B9903AF}" destId="{6F430924-AEC5-472F-8E4C-60BBC5453184}" srcOrd="0" destOrd="0" presId="urn:microsoft.com/office/officeart/2018/2/layout/IconVerticalSolidList"/>
-    <dgm:cxn modelId="{D1ACC1AA-6862-4842-9DF0-10CBA58C1BF6}" type="presOf" srcId="{7AAAFD5B-886C-47FE-B8DB-9190592F2490}" destId="{28D9E7EA-7B49-43E0-A489-CEB12046FD08}" srcOrd="0" destOrd="0" presId="urn:microsoft.com/office/officeart/2018/2/layout/IconVerticalSolidList"/>
-    <dgm:cxn modelId="{9CE7C7B4-155D-4D4A-B0B9-F711035D73C2}" srcId="{73AB2882-757F-41D4-A4E3-EEBAA3D9323D}" destId="{511FDC30-C898-42CF-AC5F-FE412C80D4DD}" srcOrd="5" destOrd="0" parTransId="{F204DBE7-37BE-4387-92D8-F18A0418AAD1}" sibTransId="{16FC1784-B383-4429-956B-913BACEB2FCA}"/>
-    <dgm:cxn modelId="{6415DAB7-F698-44EA-98DD-8CB5AE7920E0}" srcId="{73AB2882-757F-41D4-A4E3-EEBAA3D9323D}" destId="{7AAAFD5B-886C-47FE-B8DB-9190592F2490}" srcOrd="0" destOrd="0" parTransId="{F91C36EF-6928-4DAE-B09D-D5A75CF7AB5A}" sibTransId="{70449210-E0CE-4B17-AABB-FFE98E010549}"/>
-    <dgm:cxn modelId="{648A52D5-4F65-4732-B699-F23A71F65CEA}" type="presOf" srcId="{73AB2882-757F-41D4-A4E3-EEBAA3D9323D}" destId="{66DF668F-EE17-45A0-948A-0C1BDA885D49}" srcOrd="0" destOrd="0" presId="urn:microsoft.com/office/officeart/2018/2/layout/IconVerticalSolidList"/>
-    <dgm:cxn modelId="{BADE35E4-18D0-428F-9EED-9A2D1319C68E}" srcId="{73AB2882-757F-41D4-A4E3-EEBAA3D9323D}" destId="{1ED36BD3-F334-446A-A8F2-37689B9903AF}" srcOrd="2" destOrd="0" parTransId="{9A919B0F-3EAD-4338-B490-AA1B7A5776E9}" sibTransId="{25D20A2A-D651-43CC-BB6F-307BC4D87E5F}"/>
     <dgm:cxn modelId="{6EF7A47D-7C5D-4915-967F-E73833F66B3A}" type="presParOf" srcId="{66DF668F-EE17-45A0-948A-0C1BDA885D49}" destId="{931E7F13-21EC-4012-B5E1-6FDEA2ED6185}" srcOrd="0" destOrd="0" presId="urn:microsoft.com/office/officeart/2018/2/layout/IconVerticalSolidList"/>
     <dgm:cxn modelId="{31A5F74C-EB05-46D3-9541-F2EA431475B7}" type="presParOf" srcId="{931E7F13-21EC-4012-B5E1-6FDEA2ED6185}" destId="{1C127CA3-A6CB-498B-86BD-DC9EC50CA686}" srcOrd="0" destOrd="0" presId="urn:microsoft.com/office/officeart/2018/2/layout/IconVerticalSolidList"/>
     <dgm:cxn modelId="{95580BB2-F455-45D5-8DFF-7D2F834FA460}" type="presParOf" srcId="{931E7F13-21EC-4012-B5E1-6FDEA2ED6185}" destId="{138FE1C0-5F39-427C-A72A-076077273BF1}" srcOrd="1" destOrd="0" presId="urn:microsoft.com/office/officeart/2018/2/layout/IconVerticalSolidList"/>
@@ -1734,13 +1817,13 @@
           <a:avLst/>
         </a:prstGeom>
         <a:blipFill>
-          <a:blip xmlns:r="http://schemas.openxmlformats.org/officeDocument/2006/relationships" r:embed="rId1">
+          <a:blip xmlns:r="http://schemas.openxmlformats.org/officeDocument/2006/relationships" r:embed="rId1" cstate="hqprint">
             <a:extLst>
               <a:ext uri="{28A0092B-C50C-407E-A947-70E740481C1C}">
                 <a14:useLocalDpi xmlns:a14="http://schemas.microsoft.com/office/drawing/2010/main" val="0"/>
               </a:ext>
               <a:ext uri="{96DAC541-7B7A-43D3-8B79-37D633B846F1}">
-                <asvg:svgBlip xmlns:asvg="http://schemas.microsoft.com/office/drawing/2016/SVG/main" r:embed="rId2"/>
+                <asvg:svgBlip xmlns="" xmlns:asvg="http://schemas.microsoft.com/office/drawing/2016/SVG/main" r:embed="rId2"/>
               </a:ext>
             </a:extLst>
           </a:blip>
@@ -1806,7 +1889,7 @@
         </a:bodyPr>
         <a:lstStyle/>
         <a:p>
-          <a:pPr marL="0" lvl="0" indent="0" algn="l" defTabSz="844550">
+          <a:pPr lvl="0" algn="l" defTabSz="844550">
             <a:lnSpc>
               <a:spcPct val="100000"/>
             </a:lnSpc>
@@ -1816,7 +1899,6 @@
             <a:spcAft>
               <a:spcPct val="35000"/>
             </a:spcAft>
-            <a:buNone/>
           </a:pPr>
           <a:r>
             <a:rPr lang="fr-FR" sz="1900" kern="1200" baseline="0" dirty="0"/>
@@ -1886,13 +1968,13 @@
           <a:avLst/>
         </a:prstGeom>
         <a:blipFill>
-          <a:blip xmlns:r="http://schemas.openxmlformats.org/officeDocument/2006/relationships" r:embed="rId3">
+          <a:blip xmlns:r="http://schemas.openxmlformats.org/officeDocument/2006/relationships" r:embed="rId3" cstate="hqprint">
             <a:extLst>
               <a:ext uri="{28A0092B-C50C-407E-A947-70E740481C1C}">
                 <a14:useLocalDpi xmlns:a14="http://schemas.microsoft.com/office/drawing/2010/main" val="0"/>
               </a:ext>
               <a:ext uri="{96DAC541-7B7A-43D3-8B79-37D633B846F1}">
-                <asvg:svgBlip xmlns:asvg="http://schemas.microsoft.com/office/drawing/2016/SVG/main" r:embed="rId4"/>
+                <asvg:svgBlip xmlns="" xmlns:asvg="http://schemas.microsoft.com/office/drawing/2016/SVG/main" r:embed="rId4"/>
               </a:ext>
             </a:extLst>
           </a:blip>
@@ -1959,7 +2041,7 @@
         </a:bodyPr>
         <a:lstStyle/>
         <a:p>
-          <a:pPr marL="0" lvl="0" indent="0" algn="l" defTabSz="844550">
+          <a:pPr lvl="0" algn="l" defTabSz="844550">
             <a:lnSpc>
               <a:spcPct val="100000"/>
             </a:lnSpc>
@@ -1969,7 +2051,6 @@
             <a:spcAft>
               <a:spcPct val="35000"/>
             </a:spcAft>
-            <a:buNone/>
           </a:pPr>
           <a:r>
             <a:rPr lang="fr-FR" sz="1900" kern="1200" baseline="0"/>
@@ -2039,13 +2120,13 @@
           <a:avLst/>
         </a:prstGeom>
         <a:blipFill>
-          <a:blip xmlns:r="http://schemas.openxmlformats.org/officeDocument/2006/relationships" r:embed="rId5">
+          <a:blip xmlns:r="http://schemas.openxmlformats.org/officeDocument/2006/relationships" r:embed="rId5" cstate="hqprint">
             <a:extLst>
               <a:ext uri="{28A0092B-C50C-407E-A947-70E740481C1C}">
                 <a14:useLocalDpi xmlns:a14="http://schemas.microsoft.com/office/drawing/2010/main" val="0"/>
               </a:ext>
               <a:ext uri="{96DAC541-7B7A-43D3-8B79-37D633B846F1}">
-                <asvg:svgBlip xmlns:asvg="http://schemas.microsoft.com/office/drawing/2016/SVG/main" r:embed="rId6"/>
+                <asvg:svgBlip xmlns="" xmlns:asvg="http://schemas.microsoft.com/office/drawing/2016/SVG/main" r:embed="rId6"/>
               </a:ext>
             </a:extLst>
           </a:blip>
@@ -2111,7 +2192,7 @@
         </a:bodyPr>
         <a:lstStyle/>
         <a:p>
-          <a:pPr marL="0" lvl="0" indent="0" algn="l" defTabSz="844550">
+          <a:pPr lvl="0" algn="l" defTabSz="844550">
             <a:lnSpc>
               <a:spcPct val="100000"/>
             </a:lnSpc>
@@ -2121,7 +2202,6 @@
             <a:spcAft>
               <a:spcPct val="35000"/>
             </a:spcAft>
-            <a:buNone/>
           </a:pPr>
           <a:r>
             <a:rPr lang="fr-FR" sz="1900" kern="1200" baseline="0"/>
@@ -2194,7 +2274,7 @@
           <a:blip xmlns:r="http://schemas.openxmlformats.org/officeDocument/2006/relationships" r:embed="rId7">
             <a:extLst>
               <a:ext uri="{96DAC541-7B7A-43D3-8B79-37D633B846F1}">
-                <asvg:svgBlip xmlns:asvg="http://schemas.microsoft.com/office/drawing/2016/SVG/main" r:embed="rId8"/>
+                <asvg:svgBlip xmlns="" xmlns:asvg="http://schemas.microsoft.com/office/drawing/2016/SVG/main" r:embed="rId8"/>
               </a:ext>
             </a:extLst>
           </a:blip>
@@ -2261,7 +2341,7 @@
         </a:bodyPr>
         <a:lstStyle/>
         <a:p>
-          <a:pPr marL="0" lvl="0" indent="0" algn="l" defTabSz="844550">
+          <a:pPr lvl="0" algn="l" defTabSz="844550">
             <a:lnSpc>
               <a:spcPct val="100000"/>
             </a:lnSpc>
@@ -2271,7 +2351,6 @@
             <a:spcAft>
               <a:spcPct val="35000"/>
             </a:spcAft>
-            <a:buNone/>
           </a:pPr>
           <a:r>
             <a:rPr lang="fr-FR" sz="1900" kern="1200" baseline="0"/>
@@ -2341,13 +2420,13 @@
           <a:avLst/>
         </a:prstGeom>
         <a:blipFill>
-          <a:blip xmlns:r="http://schemas.openxmlformats.org/officeDocument/2006/relationships" r:embed="rId9">
+          <a:blip xmlns:r="http://schemas.openxmlformats.org/officeDocument/2006/relationships" r:embed="rId9" cstate="hqprint">
             <a:extLst>
               <a:ext uri="{28A0092B-C50C-407E-A947-70E740481C1C}">
                 <a14:useLocalDpi xmlns:a14="http://schemas.microsoft.com/office/drawing/2010/main" val="0"/>
               </a:ext>
               <a:ext uri="{96DAC541-7B7A-43D3-8B79-37D633B846F1}">
-                <asvg:svgBlip xmlns:asvg="http://schemas.microsoft.com/office/drawing/2016/SVG/main" r:embed="rId10"/>
+                <asvg:svgBlip xmlns="" xmlns:asvg="http://schemas.microsoft.com/office/drawing/2016/SVG/main" r:embed="rId10"/>
               </a:ext>
             </a:extLst>
           </a:blip>
@@ -2413,7 +2492,7 @@
         </a:bodyPr>
         <a:lstStyle/>
         <a:p>
-          <a:pPr marL="0" lvl="0" indent="0" algn="l" defTabSz="844550">
+          <a:pPr lvl="0" algn="l" defTabSz="844550">
             <a:lnSpc>
               <a:spcPct val="100000"/>
             </a:lnSpc>
@@ -2423,7 +2502,6 @@
             <a:spcAft>
               <a:spcPct val="35000"/>
             </a:spcAft>
-            <a:buNone/>
           </a:pPr>
           <a:r>
             <a:rPr lang="fr-FR" sz="1900" kern="1200" baseline="0" dirty="0"/>
@@ -2558,7 +2636,7 @@
         </a:bodyPr>
         <a:lstStyle/>
         <a:p>
-          <a:pPr marL="0" lvl="0" indent="0" algn="l" defTabSz="844550">
+          <a:pPr lvl="0" algn="l" defTabSz="844550">
             <a:lnSpc>
               <a:spcPct val="100000"/>
             </a:lnSpc>
@@ -2568,7 +2646,6 @@
             <a:spcAft>
               <a:spcPct val="35000"/>
             </a:spcAft>
-            <a:buNone/>
           </a:pPr>
           <a:r>
             <a:rPr lang="fr-FR" sz="1900" kern="1200" baseline="0" dirty="0">
@@ -2867,7 +2944,7 @@
   </dgm:layoutNode>
   <dgm:extLst>
     <a:ext uri="{68A01E43-0DF5-4B5B-8FA6-DAF915123BFB}">
-      <dgm1612:lstStyle xmlns:dgm1612="http://schemas.microsoft.com/office/drawing/2016/12/diagram">
+      <dgm1612:lstStyle xmlns="" xmlns:dgm1612="http://schemas.microsoft.com/office/drawing/2016/12/diagram">
         <a:lvl1pPr>
           <a:lnSpc>
             <a:spcPct val="100000"/>
@@ -3919,16 +3996,8 @@
 </file>
 
 <file path=ppt/slideLayouts/slideLayout1.xml><?xml version="1.0" encoding="utf-8"?>
-<p:sldLayout xmlns:a="http://schemas.openxmlformats.org/drawingml/2006/main" xmlns:r="http://schemas.openxmlformats.org/officeDocument/2006/relationships" xmlns:p="http://schemas.openxmlformats.org/presentationml/2006/main" showMasterSp="0" type="title" preserve="1">
+<p:sldLayout xmlns:a="http://schemas.openxmlformats.org/drawingml/2006/main" xmlns:r="http://schemas.openxmlformats.org/officeDocument/2006/relationships" xmlns:p="http://schemas.openxmlformats.org/presentationml/2006/main" type="title" preserve="1">
   <p:cSld name="Diapositive de titre">
-    <p:bg>
-      <p:bgPr>
-        <a:solidFill>
-          <a:schemeClr val="bg2"/>
-        </a:solidFill>
-        <a:effectLst/>
-      </p:bgPr>
-    </p:bg>
     <p:spTree>
       <p:nvGrpSpPr>
         <p:cNvPr id="1" name=""/>
@@ -4087,7 +4156,7 @@
           <a:p>
             <a:fld id="{62D6E202-B606-4609-B914-27C9371A1F6D}" type="datetime1">
               <a:rPr lang="en-US" smtClean="0"/>
-              <a:t>12/17/2019</a:t>
+              <a:t>12/18/2019</a:t>
             </a:fld>
             <a:endParaRPr lang="en-US" dirty="0"/>
           </a:p>
@@ -4418,7 +4487,7 @@
           <a:p>
             <a:fld id="{62D6E202-B606-4609-B914-27C9371A1F6D}" type="datetime1">
               <a:rPr lang="en-US" smtClean="0"/>
-              <a:t>12/17/2019</a:t>
+              <a:t>12/18/2019</a:t>
             </a:fld>
             <a:endParaRPr lang="en-US" dirty="0"/>
           </a:p>
@@ -4599,7 +4668,7 @@
           <a:p>
             <a:fld id="{62D6E202-B606-4609-B914-27C9371A1F6D}" type="datetime1">
               <a:rPr lang="en-US" smtClean="0"/>
-              <a:t>12/17/2019</a:t>
+              <a:t>12/18/2019</a:t>
             </a:fld>
             <a:endParaRPr lang="en-US" dirty="0"/>
           </a:p>
@@ -4770,7 +4839,7 @@
           <a:p>
             <a:fld id="{62D6E202-B606-4609-B914-27C9371A1F6D}" type="datetime1">
               <a:rPr lang="en-US" smtClean="0"/>
-              <a:t>12/17/2019</a:t>
+              <a:t>12/18/2019</a:t>
             </a:fld>
             <a:endParaRPr lang="en-US" dirty="0"/>
           </a:p>
@@ -4833,13 +4902,8 @@
 </file>
 
 <file path=ppt/slideLayouts/slideLayout3.xml><?xml version="1.0" encoding="utf-8"?>
-<p:sldLayout xmlns:a="http://schemas.openxmlformats.org/drawingml/2006/main" xmlns:r="http://schemas.openxmlformats.org/officeDocument/2006/relationships" xmlns:p="http://schemas.openxmlformats.org/presentationml/2006/main" showMasterSp="0" type="secHead" preserve="1">
+<p:sldLayout xmlns:a="http://schemas.openxmlformats.org/drawingml/2006/main" xmlns:r="http://schemas.openxmlformats.org/officeDocument/2006/relationships" xmlns:p="http://schemas.openxmlformats.org/presentationml/2006/main" type="secHead" preserve="1">
   <p:cSld name="Titre de section">
-    <p:bg>
-      <p:bgRef idx="1001">
-        <a:schemeClr val="bg2"/>
-      </p:bgRef>
-    </p:bg>
     <p:spTree>
       <p:nvGrpSpPr>
         <p:cNvPr id="1" name=""/>
@@ -5048,7 +5112,7 @@
           <a:p>
             <a:fld id="{62D6E202-B606-4609-B914-27C9371A1F6D}" type="datetime1">
               <a:rPr lang="en-US" smtClean="0"/>
-              <a:t>12/17/2019</a:t>
+              <a:t>12/18/2019</a:t>
             </a:fld>
             <a:endParaRPr lang="en-US" dirty="0"/>
           </a:p>
@@ -5443,7 +5507,7 @@
           <a:p>
             <a:fld id="{62D6E202-B606-4609-B914-27C9371A1F6D}" type="datetime1">
               <a:rPr lang="en-US" smtClean="0"/>
-              <a:t>12/17/2019</a:t>
+              <a:t>12/18/2019</a:t>
             </a:fld>
             <a:endParaRPr lang="en-US" dirty="0"/>
           </a:p>
@@ -5921,7 +5985,7 @@
           <a:p>
             <a:fld id="{62D6E202-B606-4609-B914-27C9371A1F6D}" type="datetime1">
               <a:rPr lang="en-US" smtClean="0"/>
-              <a:t>12/17/2019</a:t>
+              <a:t>12/18/2019</a:t>
             </a:fld>
             <a:endParaRPr lang="en-US" dirty="0"/>
           </a:p>
@@ -6040,7 +6104,7 @@
           <a:p>
             <a:fld id="{62D6E202-B606-4609-B914-27C9371A1F6D}" type="datetime1">
               <a:rPr lang="en-US" smtClean="0"/>
-              <a:t>12/17/2019</a:t>
+              <a:t>12/18/2019</a:t>
             </a:fld>
             <a:endParaRPr lang="en-US" dirty="0"/>
           </a:p>
@@ -6136,7 +6200,7 @@
           <a:p>
             <a:fld id="{62D6E202-B606-4609-B914-27C9371A1F6D}" type="datetime1">
               <a:rPr lang="en-US" smtClean="0"/>
-              <a:t>12/17/2019</a:t>
+              <a:t>12/18/2019</a:t>
             </a:fld>
             <a:endParaRPr lang="en-US" dirty="0"/>
           </a:p>
@@ -6199,7 +6263,7 @@
 </file>
 
 <file path=ppt/slideLayouts/slideLayout8.xml><?xml version="1.0" encoding="utf-8"?>
-<p:sldLayout xmlns:a="http://schemas.openxmlformats.org/drawingml/2006/main" xmlns:r="http://schemas.openxmlformats.org/officeDocument/2006/relationships" xmlns:p="http://schemas.openxmlformats.org/presentationml/2006/main" showMasterSp="0" type="objTx" preserve="1">
+<p:sldLayout xmlns:a="http://schemas.openxmlformats.org/drawingml/2006/main" xmlns:r="http://schemas.openxmlformats.org/officeDocument/2006/relationships" xmlns:p="http://schemas.openxmlformats.org/presentationml/2006/main" type="objTx" preserve="1">
   <p:cSld name="Contenu avec légende">
     <p:spTree>
       <p:nvGrpSpPr>
@@ -6483,7 +6547,7 @@
           <a:p>
             <a:fld id="{62D6E202-B606-4609-B914-27C9371A1F6D}" type="datetime1">
               <a:rPr lang="en-US" smtClean="0"/>
-              <a:t>12/17/2019</a:t>
+              <a:t>12/18/2019</a:t>
             </a:fld>
             <a:endParaRPr lang="en-US" dirty="0"/>
           </a:p>
@@ -6610,7 +6674,7 @@
 </file>
 
 <file path=ppt/slideLayouts/slideLayout9.xml><?xml version="1.0" encoding="utf-8"?>
-<p:sldLayout xmlns:a="http://schemas.openxmlformats.org/drawingml/2006/main" xmlns:r="http://schemas.openxmlformats.org/officeDocument/2006/relationships" xmlns:p="http://schemas.openxmlformats.org/presentationml/2006/main" showMasterSp="0" type="picTx" preserve="1">
+<p:sldLayout xmlns:a="http://schemas.openxmlformats.org/drawingml/2006/main" xmlns:r="http://schemas.openxmlformats.org/officeDocument/2006/relationships" xmlns:p="http://schemas.openxmlformats.org/presentationml/2006/main" type="picTx" preserve="1">
   <p:cSld name="Image avec légende">
     <p:spTree>
       <p:nvGrpSpPr>
@@ -6872,7 +6936,7 @@
           <a:p>
             <a:fld id="{62D6E202-B606-4609-B914-27C9371A1F6D}" type="datetime1">
               <a:rPr lang="en-US" smtClean="0"/>
-              <a:t>12/17/2019</a:t>
+              <a:t>12/18/2019</a:t>
             </a:fld>
             <a:endParaRPr lang="en-US" dirty="0"/>
           </a:p>
@@ -7003,9 +7067,14 @@
   <p:cSld>
     <p:bg>
       <p:bgPr>
-        <a:solidFill>
-          <a:schemeClr val="bg2"/>
-        </a:solidFill>
+        <a:pattFill prst="dkHorz">
+          <a:fgClr>
+            <a:schemeClr val="bg2"/>
+          </a:fgClr>
+          <a:bgClr>
+            <a:schemeClr val="bg1"/>
+          </a:bgClr>
+        </a:pattFill>
         <a:effectLst/>
       </p:bgPr>
     </p:bg>
@@ -7151,7 +7220,7 @@
           <a:p>
             <a:fld id="{62D6E202-B606-4609-B914-27C9371A1F6D}" type="datetime1">
               <a:rPr lang="en-US" smtClean="0"/>
-              <a:t>12/17/2019</a:t>
+              <a:t>12/18/2019</a:t>
             </a:fld>
             <a:endParaRPr lang="en-US" dirty="0"/>
           </a:p>
@@ -7598,7 +7667,7 @@
       </a:lvl9pPr>
     </p:otherStyle>
   </p:txStyles>
-  <p:extLst>
+  <p:extLst mod="1">
     <p:ext uri="{27BBF7A9-308A-43DC-89C8-2F10F3537804}">
       <p15:sldGuideLst xmlns:p15="http://schemas.microsoft.com/office/powerpoint/2012/main">
         <p15:guide id="3" orient="horz" pos="1368">
@@ -7650,14 +7719,6 @@
 <file path=ppt/slides/slide1.xml><?xml version="1.0" encoding="utf-8"?>
 <p:sld xmlns:a="http://schemas.openxmlformats.org/drawingml/2006/main" xmlns:r="http://schemas.openxmlformats.org/officeDocument/2006/relationships" xmlns:p="http://schemas.openxmlformats.org/presentationml/2006/main">
   <p:cSld>
-    <p:bg>
-      <p:bgPr>
-        <a:solidFill>
-          <a:schemeClr val="bg2"/>
-        </a:solidFill>
-        <a:effectLst/>
-      </p:bgPr>
-    </p:bg>
     <p:spTree>
       <p:nvGrpSpPr>
         <p:cNvPr id="1" name=""/>
@@ -7680,7 +7741,7 @@
                 <a16:creationId xmlns:a16="http://schemas.microsoft.com/office/drawing/2014/main" id="{CB73C468-D875-4A8E-A540-E43BF8232DD4}"/>
               </a:ext>
               <a:ext uri="{C183D7F6-B498-43B3-948B-1728B52AA6E4}">
-                <adec:decorative xmlns:adec="http://schemas.microsoft.com/office/drawing/2017/decorative" val="1"/>
+                <adec:decorative xmlns="" xmlns:adec="http://schemas.microsoft.com/office/drawing/2017/decorative" val="1"/>
               </a:ext>
             </a:extLst>
           </p:cNvPr>
@@ -7761,7 +7822,9 @@
           <a:lstStyle/>
           <a:p>
             <a:r>
-              <a:rPr lang="fr-FR" dirty="0"/>
+              <a:rPr lang="fr-FR" dirty="0">
+                <a:latin typeface="Bahnschrift SemiBold" panose="020B0502040204020203" pitchFamily="34" charset="0"/>
+              </a:rPr>
               <a:t>Projet 2048</a:t>
             </a:r>
           </a:p>
@@ -7785,7 +7848,7 @@
         </p:nvSpPr>
         <p:spPr>
           <a:xfrm>
-            <a:off x="6848324" y="3080239"/>
+            <a:off x="6848324" y="3745254"/>
             <a:ext cx="4798243" cy="1794656"/>
           </a:xfrm>
         </p:spPr>
@@ -7860,7 +7923,7 @@
                 <a16:creationId xmlns:a16="http://schemas.microsoft.com/office/drawing/2014/main" id="{B4734F2F-19FC-4D35-9BDE-5CEAD57D9B55}"/>
               </a:ext>
               <a:ext uri="{C183D7F6-B498-43B3-948B-1728B52AA6E4}">
-                <adec:decorative xmlns:adec="http://schemas.microsoft.com/office/drawing/2017/decorative" val="1"/>
+                <adec:decorative xmlns="" xmlns:adec="http://schemas.microsoft.com/office/drawing/2017/decorative" val="1"/>
               </a:ext>
             </a:extLst>
           </p:cNvPr>
@@ -7933,7 +7996,7 @@
                 <a16:creationId xmlns:a16="http://schemas.microsoft.com/office/drawing/2014/main" id="{D97A8A26-FD96-4968-A34A-727382AC7E46}"/>
               </a:ext>
               <a:ext uri="{C183D7F6-B498-43B3-948B-1728B52AA6E4}">
-                <adec:decorative xmlns:adec="http://schemas.microsoft.com/office/drawing/2017/decorative" val="1"/>
+                <adec:decorative xmlns="" xmlns:adec="http://schemas.microsoft.com/office/drawing/2017/decorative" val="1"/>
               </a:ext>
             </a:extLst>
           </p:cNvPr>
@@ -8264,10 +8327,10 @@
               </a:spcAft>
             </a:pPr>
             <a:r>
-              <a:rPr lang="fr-FR" sz="1600" i="1" dirty="0"/>
+              <a:rPr lang="fr-FR" sz="1600" dirty="0"/>
               <a:t>2019-2020</a:t>
             </a:r>
-            <a:endParaRPr lang="fr-FR" sz="1800" i="1" dirty="0"/>
+            <a:endParaRPr lang="fr-FR" sz="1800" dirty="0"/>
           </a:p>
         </p:txBody>
       </p:sp>
@@ -8293,7 +8356,7 @@
         </p:blipFill>
         <p:spPr>
           <a:xfrm>
-            <a:off x="6511120" y="6012923"/>
+            <a:off x="7438520" y="5984787"/>
             <a:ext cx="1999200" cy="694725"/>
           </a:xfrm>
           <a:prstGeom prst="rect">
@@ -8327,7 +8390,7 @@
         </p:blipFill>
         <p:spPr>
           <a:xfrm>
-            <a:off x="9768987" y="6107236"/>
+            <a:off x="9712715" y="6079100"/>
             <a:ext cx="2103262" cy="506100"/>
           </a:xfrm>
           <a:prstGeom prst="rect">
@@ -8349,13 +8412,13 @@
   <p:clrMapOvr>
     <a:masterClrMapping/>
   </p:clrMapOvr>
-  <mc:AlternateContent xmlns:mc="http://schemas.openxmlformats.org/markup-compatibility/2006">
-    <mc:Choice xmlns:p159="http://schemas.microsoft.com/office/powerpoint/2015/09/main" Requires="p159">
+  <mc:AlternateContent xmlns:mc="http://schemas.openxmlformats.org/markup-compatibility/2006" xmlns:p159="http://schemas.microsoft.com/office/powerpoint/2015/09/main">
+    <mc:Choice Requires="p159">
       <p:transition xmlns:p14="http://schemas.microsoft.com/office/powerpoint/2010/main" spd="slow" p14:dur="2750">
         <p159:morph option="byObject"/>
       </p:transition>
     </mc:Choice>
-    <mc:Fallback>
+    <mc:Fallback xmlns="">
       <p:transition spd="slow">
         <p:fade/>
       </p:transition>
@@ -8365,3381 +8428,6 @@
 </file>
 
 <file path=ppt/slides/slide10.xml><?xml version="1.0" encoding="utf-8"?>
-<p:sld xmlns:a="http://schemas.openxmlformats.org/drawingml/2006/main" xmlns:r="http://schemas.openxmlformats.org/officeDocument/2006/relationships" xmlns:p="http://schemas.openxmlformats.org/presentationml/2006/main">
-  <p:cSld>
-    <p:bg>
-      <p:bgPr>
-        <a:solidFill>
-          <a:schemeClr val="bg2"/>
-        </a:solidFill>
-        <a:effectLst/>
-      </p:bgPr>
-    </p:bg>
-    <p:spTree>
-      <p:nvGrpSpPr>
-        <p:cNvPr id="1" name=""/>
-        <p:cNvGrpSpPr/>
-        <p:nvPr/>
-      </p:nvGrpSpPr>
-      <p:grpSpPr>
-        <a:xfrm>
-          <a:off x="0" y="0"/>
-          <a:ext cx="0" cy="0"/>
-          <a:chOff x="0" y="0"/>
-          <a:chExt cx="0" cy="0"/>
-        </a:xfrm>
-      </p:grpSpPr>
-      <p:grpSp>
-        <p:nvGrpSpPr>
-          <p:cNvPr id="135" name="Group 134">
-            <a:extLst>
-              <a:ext uri="{FF2B5EF4-FFF2-40B4-BE49-F238E27FC236}">
-                <a16:creationId xmlns:a16="http://schemas.microsoft.com/office/drawing/2014/main" id="{449BC34D-9C23-4D6D-8213-1F471AF85B3F}"/>
-              </a:ext>
-              <a:ext uri="{C183D7F6-B498-43B3-948B-1728B52AA6E4}">
-                <adec:decorative xmlns:adec="http://schemas.microsoft.com/office/drawing/2017/decorative" val="1"/>
-              </a:ext>
-            </a:extLst>
-          </p:cNvPr>
-          <p:cNvGrpSpPr>
-            <a:grpSpLocks noGrp="1" noUngrp="1" noRot="1" noChangeAspect="1" noMove="1" noResize="1"/>
-          </p:cNvGrpSpPr>
-          <p:nvPr>
-            <p:extLst>
-              <p:ext uri="{386F3935-93C4-4BCD-93E2-E3B085C9AB24}">
-                <p16:designElem xmlns:p16="http://schemas.microsoft.com/office/powerpoint/2015/main" val="1"/>
-              </p:ext>
-            </p:extLst>
-          </p:nvPr>
-        </p:nvGrpSpPr>
-        <p:grpSpPr>
-          <a:xfrm>
-            <a:off x="752858" y="744469"/>
-            <a:ext cx="10674117" cy="5349671"/>
-            <a:chOff x="752858" y="744469"/>
-            <a:chExt cx="10674117" cy="5349671"/>
-          </a:xfrm>
-        </p:grpSpPr>
-        <p:sp>
-          <p:nvSpPr>
-            <p:cNvPr id="136" name="Freeform 6">
-              <a:extLst>
-                <a:ext uri="{FF2B5EF4-FFF2-40B4-BE49-F238E27FC236}">
-                  <a16:creationId xmlns:a16="http://schemas.microsoft.com/office/drawing/2014/main" id="{FA0F5D6C-5025-4D7E-82DD-C2C6FDA1E759}"/>
-                </a:ext>
-                <a:ext uri="{C183D7F6-B498-43B3-948B-1728B52AA6E4}">
-                  <adec:decorative xmlns:adec="http://schemas.microsoft.com/office/drawing/2017/decorative" val="1"/>
-                </a:ext>
-              </a:extLst>
-            </p:cNvPr>
-            <p:cNvSpPr/>
-            <p:nvPr>
-              <p:extLst>
-                <p:ext uri="{386F3935-93C4-4BCD-93E2-E3B085C9AB24}">
-                  <p16:designElem xmlns:p16="http://schemas.microsoft.com/office/powerpoint/2015/main" val="1"/>
-                </p:ext>
-              </p:extLst>
-            </p:nvPr>
-          </p:nvSpPr>
-          <p:spPr bwMode="auto">
-            <a:xfrm>
-              <a:off x="8151962" y="1685652"/>
-              <a:ext cx="3275013" cy="4408488"/>
-            </a:xfrm>
-            <a:custGeom>
-              <a:avLst/>
-              <a:gdLst/>
-              <a:ahLst/>
-              <a:cxnLst/>
-              <a:rect l="l" t="t" r="r" b="b"/>
-              <a:pathLst>
-                <a:path w="10000" h="10000">
-                  <a:moveTo>
-                    <a:pt x="8761" y="0"/>
-                  </a:moveTo>
-                  <a:lnTo>
-                    <a:pt x="10000" y="0"/>
-                  </a:lnTo>
-                  <a:lnTo>
-                    <a:pt x="10000" y="10000"/>
-                  </a:lnTo>
-                  <a:lnTo>
-                    <a:pt x="0" y="10000"/>
-                  </a:lnTo>
-                  <a:lnTo>
-                    <a:pt x="0" y="9126"/>
-                  </a:lnTo>
-                  <a:lnTo>
-                    <a:pt x="8761" y="9127"/>
-                  </a:lnTo>
-                  <a:lnTo>
-                    <a:pt x="8761" y="0"/>
-                  </a:lnTo>
-                  <a:close/>
-                </a:path>
-              </a:pathLst>
-            </a:custGeom>
-            <a:solidFill>
-              <a:schemeClr val="tx2"/>
-            </a:solidFill>
-            <a:ln w="0">
-              <a:noFill/>
-              <a:prstDash val="solid"/>
-              <a:round/>
-              <a:headEnd/>
-              <a:tailEnd/>
-            </a:ln>
-          </p:spPr>
-        </p:sp>
-        <p:sp>
-          <p:nvSpPr>
-            <p:cNvPr id="137" name="Freeform 6">
-              <a:extLst>
-                <a:ext uri="{FF2B5EF4-FFF2-40B4-BE49-F238E27FC236}">
-                  <a16:creationId xmlns:a16="http://schemas.microsoft.com/office/drawing/2014/main" id="{E2AF2C17-4AB4-4402-B84B-129EF95D161C}"/>
-                </a:ext>
-                <a:ext uri="{C183D7F6-B498-43B3-948B-1728B52AA6E4}">
-                  <adec:decorative xmlns:adec="http://schemas.microsoft.com/office/drawing/2017/decorative" val="1"/>
-                </a:ext>
-              </a:extLst>
-            </p:cNvPr>
-            <p:cNvSpPr/>
-            <p:nvPr>
-              <p:extLst>
-                <p:ext uri="{386F3935-93C4-4BCD-93E2-E3B085C9AB24}">
-                  <p16:designElem xmlns:p16="http://schemas.microsoft.com/office/powerpoint/2015/main" val="1"/>
-                </p:ext>
-              </p:extLst>
-            </p:nvPr>
-          </p:nvSpPr>
-          <p:spPr bwMode="auto">
-            <a:xfrm flipH="1" flipV="1">
-              <a:off x="752858" y="744469"/>
-              <a:ext cx="3275668" cy="4408488"/>
-            </a:xfrm>
-            <a:custGeom>
-              <a:avLst/>
-              <a:gdLst/>
-              <a:ahLst/>
-              <a:cxnLst/>
-              <a:rect l="l" t="t" r="r" b="b"/>
-              <a:pathLst>
-                <a:path w="10002" h="10000">
-                  <a:moveTo>
-                    <a:pt x="8763" y="0"/>
-                  </a:moveTo>
-                  <a:lnTo>
-                    <a:pt x="10002" y="0"/>
-                  </a:lnTo>
-                  <a:lnTo>
-                    <a:pt x="10002" y="10000"/>
-                  </a:lnTo>
-                  <a:lnTo>
-                    <a:pt x="2" y="10000"/>
-                  </a:lnTo>
-                  <a:cubicBezTo>
-                    <a:pt x="-2" y="9698"/>
-                    <a:pt x="4" y="9427"/>
-                    <a:pt x="0" y="9125"/>
-                  </a:cubicBezTo>
-                  <a:lnTo>
-                    <a:pt x="8763" y="9128"/>
-                  </a:lnTo>
-                  <a:lnTo>
-                    <a:pt x="8763" y="0"/>
-                  </a:lnTo>
-                  <a:close/>
-                </a:path>
-              </a:pathLst>
-            </a:custGeom>
-            <a:solidFill>
-              <a:schemeClr val="tx2"/>
-            </a:solidFill>
-            <a:ln w="0">
-              <a:noFill/>
-              <a:prstDash val="solid"/>
-              <a:round/>
-              <a:headEnd/>
-              <a:tailEnd/>
-            </a:ln>
-          </p:spPr>
-        </p:sp>
-      </p:grpSp>
-      <p:sp useBgFill="1">
-        <p:nvSpPr>
-          <p:cNvPr id="139" name="Rectangle 138">
-            <a:extLst>
-              <a:ext uri="{FF2B5EF4-FFF2-40B4-BE49-F238E27FC236}">
-                <a16:creationId xmlns:a16="http://schemas.microsoft.com/office/drawing/2014/main" id="{5D213B41-AC9B-4E61-BEED-FF4C168A8942}"/>
-              </a:ext>
-              <a:ext uri="{C183D7F6-B498-43B3-948B-1728B52AA6E4}">
-                <adec:decorative xmlns:adec="http://schemas.microsoft.com/office/drawing/2017/decorative" val="1"/>
-              </a:ext>
-            </a:extLst>
-          </p:cNvPr>
-          <p:cNvSpPr>
-            <a:spLocks noGrp="1" noRot="1" noChangeAspect="1" noMove="1" noResize="1" noEditPoints="1" noAdjustHandles="1" noChangeArrowheads="1" noChangeShapeType="1" noTextEdit="1"/>
-          </p:cNvSpPr>
-          <p:nvPr>
-            <p:extLst>
-              <p:ext uri="{386F3935-93C4-4BCD-93E2-E3B085C9AB24}">
-                <p16:designElem xmlns:p16="http://schemas.microsoft.com/office/powerpoint/2015/main" val="1"/>
-              </p:ext>
-            </p:extLst>
-          </p:nvPr>
-        </p:nvSpPr>
-        <p:spPr>
-          <a:xfrm>
-            <a:off x="0" y="0"/>
-            <a:ext cx="12192000" cy="6858000"/>
-          </a:xfrm>
-          <a:prstGeom prst="rect">
-            <a:avLst/>
-          </a:prstGeom>
-          <a:ln>
-            <a:noFill/>
-          </a:ln>
-        </p:spPr>
-        <p:style>
-          <a:lnRef idx="2">
-            <a:schemeClr val="accent1">
-              <a:shade val="50000"/>
-            </a:schemeClr>
-          </a:lnRef>
-          <a:fillRef idx="1001">
-            <a:schemeClr val="lt2"/>
-          </a:fillRef>
-          <a:effectRef idx="0">
-            <a:schemeClr val="accent1"/>
-          </a:effectRef>
-          <a:fontRef idx="minor">
-            <a:schemeClr val="lt1"/>
-          </a:fontRef>
-        </p:style>
-        <p:txBody>
-          <a:bodyPr rtlCol="0" anchor="ctr"/>
-          <a:lstStyle/>
-          <a:p>
-            <a:pPr algn="ctr"/>
-            <a:endParaRPr lang="en-US"/>
-          </a:p>
-        </p:txBody>
-      </p:sp>
-      <p:sp>
-        <p:nvSpPr>
-          <p:cNvPr id="2" name="Titre 1">
-            <a:extLst>
-              <a:ext uri="{FF2B5EF4-FFF2-40B4-BE49-F238E27FC236}">
-                <a16:creationId xmlns:a16="http://schemas.microsoft.com/office/drawing/2014/main" id="{4327ED72-BF1F-4270-AF75-027B4AE52640}"/>
-              </a:ext>
-            </a:extLst>
-          </p:cNvPr>
-          <p:cNvSpPr>
-            <a:spLocks noGrp="1"/>
-          </p:cNvSpPr>
-          <p:nvPr>
-            <p:ph type="title"/>
-          </p:nvPr>
-        </p:nvSpPr>
-        <p:spPr>
-          <a:xfrm>
-            <a:off x="659230" y="1013722"/>
-            <a:ext cx="10869750" cy="1237298"/>
-          </a:xfrm>
-        </p:spPr>
-        <p:txBody>
-          <a:bodyPr vert="horz" lIns="91440" tIns="45720" rIns="91440" bIns="45720" rtlCol="0" anchor="b">
-            <a:normAutofit/>
-          </a:bodyPr>
-          <a:lstStyle/>
-          <a:p>
-            <a:pPr algn="ctr"/>
-            <a:r>
-              <a:rPr lang="en-US" sz="6600" cap="all"/>
-              <a:t>6- Démonstration</a:t>
-            </a:r>
-          </a:p>
-        </p:txBody>
-      </p:sp>
-      <p:sp>
-        <p:nvSpPr>
-          <p:cNvPr id="141" name="Freeform 6">
-            <a:extLst>
-              <a:ext uri="{FF2B5EF4-FFF2-40B4-BE49-F238E27FC236}">
-                <a16:creationId xmlns:a16="http://schemas.microsoft.com/office/drawing/2014/main" id="{628FBD9F-3B86-4C98-8F77-383320737739}"/>
-              </a:ext>
-              <a:ext uri="{C183D7F6-B498-43B3-948B-1728B52AA6E4}">
-                <adec:decorative xmlns:adec="http://schemas.microsoft.com/office/drawing/2017/decorative" val="1"/>
-              </a:ext>
-            </a:extLst>
-          </p:cNvPr>
-          <p:cNvSpPr>
-            <a:spLocks noGrp="1" noRot="1" noChangeAspect="1" noMove="1" noResize="1" noEditPoints="1" noAdjustHandles="1" noChangeArrowheads="1" noChangeShapeType="1" noTextEdit="1"/>
-          </p:cNvSpPr>
-          <p:nvPr>
-            <p:extLst>
-              <p:ext uri="{386F3935-93C4-4BCD-93E2-E3B085C9AB24}">
-                <p16:designElem xmlns:p16="http://schemas.microsoft.com/office/powerpoint/2015/main" val="1"/>
-              </p:ext>
-            </p:extLst>
-          </p:nvPr>
-        </p:nvSpPr>
-        <p:spPr bwMode="auto">
-          <a:xfrm rot="5400000" flipV="1">
-            <a:off x="8154184" y="2884231"/>
-            <a:ext cx="3005889" cy="4046220"/>
-          </a:xfrm>
-          <a:custGeom>
-            <a:avLst/>
-            <a:gdLst/>
-            <a:ahLst/>
-            <a:cxnLst/>
-            <a:rect l="l" t="t" r="r" b="b"/>
-            <a:pathLst>
-              <a:path w="10000" h="10000">
-                <a:moveTo>
-                  <a:pt x="8761" y="0"/>
-                </a:moveTo>
-                <a:lnTo>
-                  <a:pt x="10000" y="0"/>
-                </a:lnTo>
-                <a:lnTo>
-                  <a:pt x="10000" y="10000"/>
-                </a:lnTo>
-                <a:lnTo>
-                  <a:pt x="0" y="10000"/>
-                </a:lnTo>
-                <a:lnTo>
-                  <a:pt x="0" y="9126"/>
-                </a:lnTo>
-                <a:lnTo>
-                  <a:pt x="8761" y="9127"/>
-                </a:lnTo>
-                <a:lnTo>
-                  <a:pt x="8761" y="0"/>
-                </a:lnTo>
-                <a:close/>
-              </a:path>
-            </a:pathLst>
-          </a:custGeom>
-          <a:solidFill>
-            <a:schemeClr val="tx2">
-              <a:alpha val="90000"/>
-            </a:schemeClr>
-          </a:solidFill>
-          <a:ln w="0">
-            <a:noFill/>
-            <a:prstDash val="solid"/>
-            <a:round/>
-            <a:headEnd/>
-            <a:tailEnd/>
-          </a:ln>
-        </p:spPr>
-        <p:txBody>
-          <a:bodyPr/>
-          <a:lstStyle/>
-          <a:p>
-            <a:endParaRPr lang="en-US" dirty="0"/>
-          </a:p>
-        </p:txBody>
-      </p:sp>
-      <p:pic>
-        <p:nvPicPr>
-          <p:cNvPr id="1026" name="Picture 2" descr="Image associée">
-            <a:extLst>
-              <a:ext uri="{FF2B5EF4-FFF2-40B4-BE49-F238E27FC236}">
-                <a16:creationId xmlns:a16="http://schemas.microsoft.com/office/drawing/2014/main" id="{756B6B09-BEAD-41BF-810D-758B73777CB2}"/>
-              </a:ext>
-            </a:extLst>
-          </p:cNvPr>
-          <p:cNvPicPr>
-            <a:picLocks noGrp="1" noChangeAspect="1" noChangeArrowheads="1" noCrop="1"/>
-          </p:cNvPicPr>
-          <p:nvPr>
-            <p:ph idx="1"/>
-          </p:nvPr>
-        </p:nvPicPr>
-        <p:blipFill>
-          <a:blip r:embed="rId2">
-            <a:extLst>
-              <a:ext uri="{28A0092B-C50C-407E-A947-70E740481C1C}">
-                <a14:useLocalDpi xmlns:a14="http://schemas.microsoft.com/office/drawing/2010/main" val="0"/>
-              </a:ext>
-            </a:extLst>
-          </a:blip>
-          <a:stretch>
-            <a:fillRect/>
-          </a:stretch>
-        </p:blipFill>
-        <p:spPr bwMode="auto">
-          <a:xfrm>
-            <a:off x="3645227" y="3056705"/>
-            <a:ext cx="4963731" cy="2812781"/>
-          </a:xfrm>
-          <a:prstGeom prst="rect">
-            <a:avLst/>
-          </a:prstGeom>
-          <a:noFill/>
-          <a:extLst>
-            <a:ext uri="{909E8E84-426E-40DD-AFC4-6F175D3DCCD1}">
-              <a14:hiddenFill xmlns:a14="http://schemas.microsoft.com/office/drawing/2010/main">
-                <a:solidFill>
-                  <a:srgbClr val="FFFFFF"/>
-                </a:solidFill>
-              </a14:hiddenFill>
-            </a:ext>
-          </a:extLst>
-        </p:spPr>
-      </p:pic>
-      <p:sp>
-        <p:nvSpPr>
-          <p:cNvPr id="143" name="Freeform 6">
-            <a:extLst>
-              <a:ext uri="{FF2B5EF4-FFF2-40B4-BE49-F238E27FC236}">
-                <a16:creationId xmlns:a16="http://schemas.microsoft.com/office/drawing/2014/main" id="{6283F864-E3D1-457B-865A-DDC32254D987}"/>
-              </a:ext>
-              <a:ext uri="{C183D7F6-B498-43B3-948B-1728B52AA6E4}">
-                <adec:decorative xmlns:adec="http://schemas.microsoft.com/office/drawing/2017/decorative" val="1"/>
-              </a:ext>
-            </a:extLst>
-          </p:cNvPr>
-          <p:cNvSpPr>
-            <a:spLocks noGrp="1" noRot="1" noChangeAspect="1" noMove="1" noResize="1" noEditPoints="1" noAdjustHandles="1" noChangeArrowheads="1" noChangeShapeType="1" noTextEdit="1"/>
-          </p:cNvSpPr>
-          <p:nvPr>
-            <p:extLst>
-              <p:ext uri="{386F3935-93C4-4BCD-93E2-E3B085C9AB24}">
-                <p16:designElem xmlns:p16="http://schemas.microsoft.com/office/powerpoint/2015/main" val="1"/>
-              </p:ext>
-            </p:extLst>
-          </p:nvPr>
-        </p:nvSpPr>
-        <p:spPr bwMode="auto">
-          <a:xfrm rot="5400000" flipH="1">
-            <a:off x="1080808" y="1936677"/>
-            <a:ext cx="3006491" cy="4046220"/>
-          </a:xfrm>
-          <a:custGeom>
-            <a:avLst/>
-            <a:gdLst/>
-            <a:ahLst/>
-            <a:cxnLst/>
-            <a:rect l="l" t="t" r="r" b="b"/>
-            <a:pathLst>
-              <a:path w="10002" h="10000">
-                <a:moveTo>
-                  <a:pt x="8763" y="0"/>
-                </a:moveTo>
-                <a:lnTo>
-                  <a:pt x="10002" y="0"/>
-                </a:lnTo>
-                <a:lnTo>
-                  <a:pt x="10002" y="10000"/>
-                </a:lnTo>
-                <a:lnTo>
-                  <a:pt x="2" y="10000"/>
-                </a:lnTo>
-                <a:cubicBezTo>
-                  <a:pt x="-2" y="9698"/>
-                  <a:pt x="4" y="9427"/>
-                  <a:pt x="0" y="9125"/>
-                </a:cubicBezTo>
-                <a:lnTo>
-                  <a:pt x="8763" y="9128"/>
-                </a:lnTo>
-                <a:lnTo>
-                  <a:pt x="8763" y="0"/>
-                </a:lnTo>
-                <a:close/>
-              </a:path>
-            </a:pathLst>
-          </a:custGeom>
-          <a:solidFill>
-            <a:schemeClr val="tx2">
-              <a:alpha val="90000"/>
-            </a:schemeClr>
-          </a:solidFill>
-          <a:ln w="0">
-            <a:noFill/>
-            <a:prstDash val="solid"/>
-            <a:round/>
-            <a:headEnd/>
-            <a:tailEnd/>
-          </a:ln>
-        </p:spPr>
-      </p:sp>
-    </p:spTree>
-    <p:extLst>
-      <p:ext uri="{BB962C8B-B14F-4D97-AF65-F5344CB8AC3E}">
-        <p14:creationId xmlns:p14="http://schemas.microsoft.com/office/powerpoint/2010/main" val="971346339"/>
-      </p:ext>
-    </p:extLst>
-  </p:cSld>
-  <p:clrMapOvr>
-    <a:overrideClrMapping bg1="dk1" tx1="lt1" bg2="dk2" tx2="lt2" accent1="accent1" accent2="accent2" accent3="accent3" accent4="accent4" accent5="accent5" accent6="accent6" hlink="hlink" folHlink="folHlink"/>
-  </p:clrMapOvr>
-  <mc:AlternateContent xmlns:mc="http://schemas.openxmlformats.org/markup-compatibility/2006">
-    <mc:Choice xmlns:p159="http://schemas.microsoft.com/office/powerpoint/2015/09/main" Requires="p159">
-      <p:transition xmlns:p14="http://schemas.microsoft.com/office/powerpoint/2010/main" spd="slow" p14:dur="2000">
-        <p159:morph option="byObject"/>
-      </p:transition>
-    </mc:Choice>
-    <mc:Fallback>
-      <p:transition spd="slow">
-        <p:fade/>
-      </p:transition>
-    </mc:Fallback>
-  </mc:AlternateContent>
-</p:sld>
-</file>
-
-<file path=ppt/slides/slide2.xml><?xml version="1.0" encoding="utf-8"?>
-<p:sld xmlns:a="http://schemas.openxmlformats.org/drawingml/2006/main" xmlns:r="http://schemas.openxmlformats.org/officeDocument/2006/relationships" xmlns:p="http://schemas.openxmlformats.org/presentationml/2006/main">
-  <p:cSld>
-    <p:bg>
-      <p:bgPr>
-        <a:solidFill>
-          <a:schemeClr val="bg1">
-            <a:tint val="95000"/>
-            <a:satMod val="170000"/>
-          </a:schemeClr>
-        </a:solidFill>
-        <a:effectLst/>
-      </p:bgPr>
-    </p:bg>
-    <p:spTree>
-      <p:nvGrpSpPr>
-        <p:cNvPr id="1" name=""/>
-        <p:cNvGrpSpPr/>
-        <p:nvPr/>
-      </p:nvGrpSpPr>
-      <p:grpSpPr>
-        <a:xfrm>
-          <a:off x="0" y="0"/>
-          <a:ext cx="0" cy="0"/>
-          <a:chOff x="0" y="0"/>
-          <a:chExt cx="0" cy="0"/>
-        </a:xfrm>
-      </p:grpSpPr>
-      <p:grpSp>
-        <p:nvGrpSpPr>
-          <p:cNvPr id="48" name="Group 47">
-            <a:extLst>
-              <a:ext uri="{FF2B5EF4-FFF2-40B4-BE49-F238E27FC236}">
-                <a16:creationId xmlns:a16="http://schemas.microsoft.com/office/drawing/2014/main" id="{8C89EA62-F38E-4285-A105-C5E1BD360093}"/>
-              </a:ext>
-              <a:ext uri="{C183D7F6-B498-43B3-948B-1728B52AA6E4}">
-                <adec:decorative xmlns:adec="http://schemas.microsoft.com/office/drawing/2017/decorative" val="1"/>
-              </a:ext>
-            </a:extLst>
-          </p:cNvPr>
-          <p:cNvGrpSpPr>
-            <a:grpSpLocks noGrp="1" noUngrp="1" noRot="1" noChangeAspect="1" noMove="1" noResize="1"/>
-          </p:cNvGrpSpPr>
-          <p:nvPr>
-            <p:extLst>
-              <p:ext uri="{386F3935-93C4-4BCD-93E2-E3B085C9AB24}">
-                <p16:designElem xmlns:p16="http://schemas.microsoft.com/office/powerpoint/2015/main" val="1"/>
-              </p:ext>
-            </p:extLst>
-          </p:nvPr>
-        </p:nvGrpSpPr>
-        <p:grpSpPr>
-          <a:xfrm>
-            <a:off x="752858" y="744469"/>
-            <a:ext cx="10674117" cy="5349671"/>
-            <a:chOff x="752858" y="744469"/>
-            <a:chExt cx="10674117" cy="5349671"/>
-          </a:xfrm>
-        </p:grpSpPr>
-        <p:sp>
-          <p:nvSpPr>
-            <p:cNvPr id="49" name="Freeform 6">
-              <a:extLst>
-                <a:ext uri="{FF2B5EF4-FFF2-40B4-BE49-F238E27FC236}">
-                  <a16:creationId xmlns:a16="http://schemas.microsoft.com/office/drawing/2014/main" id="{2CF6E46A-CCCD-4728-B011-E147B23629A3}"/>
-                </a:ext>
-                <a:ext uri="{C183D7F6-B498-43B3-948B-1728B52AA6E4}">
-                  <adec:decorative xmlns:adec="http://schemas.microsoft.com/office/drawing/2017/decorative" val="1"/>
-                </a:ext>
-              </a:extLst>
-            </p:cNvPr>
-            <p:cNvSpPr/>
-            <p:nvPr>
-              <p:extLst>
-                <p:ext uri="{386F3935-93C4-4BCD-93E2-E3B085C9AB24}">
-                  <p16:designElem xmlns:p16="http://schemas.microsoft.com/office/powerpoint/2015/main" val="1"/>
-                </p:ext>
-              </p:extLst>
-            </p:nvPr>
-          </p:nvSpPr>
-          <p:spPr bwMode="auto">
-            <a:xfrm>
-              <a:off x="8151962" y="1685652"/>
-              <a:ext cx="3275013" cy="4408488"/>
-            </a:xfrm>
-            <a:custGeom>
-              <a:avLst/>
-              <a:gdLst/>
-              <a:ahLst/>
-              <a:cxnLst/>
-              <a:rect l="l" t="t" r="r" b="b"/>
-              <a:pathLst>
-                <a:path w="10000" h="10000">
-                  <a:moveTo>
-                    <a:pt x="8761" y="0"/>
-                  </a:moveTo>
-                  <a:lnTo>
-                    <a:pt x="10000" y="0"/>
-                  </a:lnTo>
-                  <a:lnTo>
-                    <a:pt x="10000" y="10000"/>
-                  </a:lnTo>
-                  <a:lnTo>
-                    <a:pt x="0" y="10000"/>
-                  </a:lnTo>
-                  <a:lnTo>
-                    <a:pt x="0" y="9126"/>
-                  </a:lnTo>
-                  <a:lnTo>
-                    <a:pt x="8761" y="9127"/>
-                  </a:lnTo>
-                  <a:lnTo>
-                    <a:pt x="8761" y="0"/>
-                  </a:lnTo>
-                  <a:close/>
-                </a:path>
-              </a:pathLst>
-            </a:custGeom>
-            <a:solidFill>
-              <a:schemeClr val="tx2"/>
-            </a:solidFill>
-            <a:ln w="0">
-              <a:noFill/>
-              <a:prstDash val="solid"/>
-              <a:round/>
-              <a:headEnd/>
-              <a:tailEnd/>
-            </a:ln>
-          </p:spPr>
-        </p:sp>
-        <p:sp>
-          <p:nvSpPr>
-            <p:cNvPr id="50" name="Freeform 6">
-              <a:extLst>
-                <a:ext uri="{FF2B5EF4-FFF2-40B4-BE49-F238E27FC236}">
-                  <a16:creationId xmlns:a16="http://schemas.microsoft.com/office/drawing/2014/main" id="{2E2C684B-30C9-4689-A529-EBF1B8ADB215}"/>
-                </a:ext>
-                <a:ext uri="{C183D7F6-B498-43B3-948B-1728B52AA6E4}">
-                  <adec:decorative xmlns:adec="http://schemas.microsoft.com/office/drawing/2017/decorative" val="1"/>
-                </a:ext>
-              </a:extLst>
-            </p:cNvPr>
-            <p:cNvSpPr/>
-            <p:nvPr>
-              <p:extLst>
-                <p:ext uri="{386F3935-93C4-4BCD-93E2-E3B085C9AB24}">
-                  <p16:designElem xmlns:p16="http://schemas.microsoft.com/office/powerpoint/2015/main" val="1"/>
-                </p:ext>
-              </p:extLst>
-            </p:nvPr>
-          </p:nvSpPr>
-          <p:spPr bwMode="auto">
-            <a:xfrm flipH="1" flipV="1">
-              <a:off x="752858" y="744469"/>
-              <a:ext cx="3275668" cy="4408488"/>
-            </a:xfrm>
-            <a:custGeom>
-              <a:avLst/>
-              <a:gdLst/>
-              <a:ahLst/>
-              <a:cxnLst/>
-              <a:rect l="l" t="t" r="r" b="b"/>
-              <a:pathLst>
-                <a:path w="10002" h="10000">
-                  <a:moveTo>
-                    <a:pt x="8763" y="0"/>
-                  </a:moveTo>
-                  <a:lnTo>
-                    <a:pt x="10002" y="0"/>
-                  </a:lnTo>
-                  <a:lnTo>
-                    <a:pt x="10002" y="10000"/>
-                  </a:lnTo>
-                  <a:lnTo>
-                    <a:pt x="2" y="10000"/>
-                  </a:lnTo>
-                  <a:cubicBezTo>
-                    <a:pt x="-2" y="9698"/>
-                    <a:pt x="4" y="9427"/>
-                    <a:pt x="0" y="9125"/>
-                  </a:cubicBezTo>
-                  <a:lnTo>
-                    <a:pt x="8763" y="9128"/>
-                  </a:lnTo>
-                  <a:lnTo>
-                    <a:pt x="8763" y="0"/>
-                  </a:lnTo>
-                  <a:close/>
-                </a:path>
-              </a:pathLst>
-            </a:custGeom>
-            <a:solidFill>
-              <a:schemeClr val="tx2"/>
-            </a:solidFill>
-            <a:ln w="0">
-              <a:noFill/>
-              <a:prstDash val="solid"/>
-              <a:round/>
-              <a:headEnd/>
-              <a:tailEnd/>
-            </a:ln>
-          </p:spPr>
-        </p:sp>
-      </p:grpSp>
-      <p:sp useBgFill="1">
-        <p:nvSpPr>
-          <p:cNvPr id="52" name="Rectangle 51">
-            <a:extLst>
-              <a:ext uri="{FF2B5EF4-FFF2-40B4-BE49-F238E27FC236}">
-                <a16:creationId xmlns:a16="http://schemas.microsoft.com/office/drawing/2014/main" id="{5ABA7F3F-D56F-4C06-84AC-03FC83B0642E}"/>
-              </a:ext>
-              <a:ext uri="{C183D7F6-B498-43B3-948B-1728B52AA6E4}">
-                <adec:decorative xmlns:adec="http://schemas.microsoft.com/office/drawing/2017/decorative" val="1"/>
-              </a:ext>
-            </a:extLst>
-          </p:cNvPr>
-          <p:cNvSpPr>
-            <a:spLocks noGrp="1" noRot="1" noChangeAspect="1" noMove="1" noResize="1" noEditPoints="1" noAdjustHandles="1" noChangeArrowheads="1" noChangeShapeType="1" noTextEdit="1"/>
-          </p:cNvSpPr>
-          <p:nvPr>
-            <p:extLst>
-              <p:ext uri="{386F3935-93C4-4BCD-93E2-E3B085C9AB24}">
-                <p16:designElem xmlns:p16="http://schemas.microsoft.com/office/powerpoint/2015/main" val="1"/>
-              </p:ext>
-            </p:extLst>
-          </p:nvPr>
-        </p:nvSpPr>
-        <p:spPr bwMode="grayWhite">
-          <a:xfrm>
-            <a:off x="0" y="0"/>
-            <a:ext cx="12192000" cy="6858000"/>
-          </a:xfrm>
-          <a:prstGeom prst="rect">
-            <a:avLst/>
-          </a:prstGeom>
-          <a:ln>
-            <a:noFill/>
-          </a:ln>
-        </p:spPr>
-        <p:style>
-          <a:lnRef idx="2">
-            <a:schemeClr val="accent1">
-              <a:shade val="50000"/>
-            </a:schemeClr>
-          </a:lnRef>
-          <a:fillRef idx="1">
-            <a:schemeClr val="accent1"/>
-          </a:fillRef>
-          <a:effectRef idx="0">
-            <a:schemeClr val="accent1"/>
-          </a:effectRef>
-          <a:fontRef idx="minor">
-            <a:schemeClr val="lt1"/>
-          </a:fontRef>
-        </p:style>
-        <p:txBody>
-          <a:bodyPr rtlCol="0" anchor="ctr"/>
-          <a:lstStyle/>
-          <a:p>
-            <a:pPr algn="ctr"/>
-            <a:endParaRPr lang="en-US"/>
-          </a:p>
-        </p:txBody>
-      </p:sp>
-      <p:sp>
-        <p:nvSpPr>
-          <p:cNvPr id="54" name="Rectangle 53">
-            <a:extLst>
-              <a:ext uri="{FF2B5EF4-FFF2-40B4-BE49-F238E27FC236}">
-                <a16:creationId xmlns:a16="http://schemas.microsoft.com/office/drawing/2014/main" id="{0568FE6B-CB7A-42D9-9690-487E3B8F412C}"/>
-              </a:ext>
-              <a:ext uri="{C183D7F6-B498-43B3-948B-1728B52AA6E4}">
-                <adec:decorative xmlns:adec="http://schemas.microsoft.com/office/drawing/2017/decorative" val="1"/>
-              </a:ext>
-            </a:extLst>
-          </p:cNvPr>
-          <p:cNvSpPr>
-            <a:spLocks noGrp="1" noRot="1" noChangeAspect="1" noMove="1" noResize="1" noEditPoints="1" noAdjustHandles="1" noChangeArrowheads="1" noChangeShapeType="1" noTextEdit="1"/>
-          </p:cNvSpPr>
-          <p:nvPr>
-            <p:extLst>
-              <p:ext uri="{386F3935-93C4-4BCD-93E2-E3B085C9AB24}">
-                <p16:designElem xmlns:p16="http://schemas.microsoft.com/office/powerpoint/2015/main" val="1"/>
-              </p:ext>
-            </p:extLst>
-          </p:nvPr>
-        </p:nvSpPr>
-        <p:spPr>
-          <a:xfrm>
-            <a:off x="0" y="0"/>
-            <a:ext cx="7527851" cy="6858000"/>
-          </a:xfrm>
-          <a:prstGeom prst="rect">
-            <a:avLst/>
-          </a:prstGeom>
-          <a:solidFill>
-            <a:schemeClr val="tx2"/>
-          </a:solidFill>
-          <a:ln>
-            <a:noFill/>
-          </a:ln>
-        </p:spPr>
-        <p:style>
-          <a:lnRef idx="2">
-            <a:schemeClr val="accent1">
-              <a:shade val="50000"/>
-            </a:schemeClr>
-          </a:lnRef>
-          <a:fillRef idx="1">
-            <a:schemeClr val="accent1"/>
-          </a:fillRef>
-          <a:effectRef idx="0">
-            <a:schemeClr val="accent1"/>
-          </a:effectRef>
-          <a:fontRef idx="minor">
-            <a:schemeClr val="lt1"/>
-          </a:fontRef>
-        </p:style>
-        <p:txBody>
-          <a:bodyPr rtlCol="0" anchor="ctr"/>
-          <a:lstStyle/>
-          <a:p>
-            <a:pPr algn="ctr"/>
-            <a:endParaRPr lang="en-US"/>
-          </a:p>
-        </p:txBody>
-      </p:sp>
-      <p:sp>
-        <p:nvSpPr>
-          <p:cNvPr id="2" name="Titre 1">
-            <a:extLst>
-              <a:ext uri="{FF2B5EF4-FFF2-40B4-BE49-F238E27FC236}">
-                <a16:creationId xmlns:a16="http://schemas.microsoft.com/office/drawing/2014/main" id="{1F4612E9-FD70-40DD-9226-5C15AC71EF24}"/>
-              </a:ext>
-            </a:extLst>
-          </p:cNvPr>
-          <p:cNvSpPr>
-            <a:spLocks noGrp="1"/>
-          </p:cNvSpPr>
-          <p:nvPr>
-            <p:ph type="title"/>
-          </p:nvPr>
-        </p:nvSpPr>
-        <p:spPr>
-          <a:xfrm>
-            <a:off x="1116265" y="1613577"/>
-            <a:ext cx="5627717" cy="4480563"/>
-          </a:xfrm>
-        </p:spPr>
-        <p:txBody>
-          <a:bodyPr vert="horz" lIns="91440" tIns="45720" rIns="91440" bIns="45720" rtlCol="0" anchor="ctr">
-            <a:normAutofit/>
-          </a:bodyPr>
-          <a:lstStyle/>
-          <a:p>
-            <a:r>
-              <a:rPr lang="en-US" sz="2600" cap="all" dirty="0">
-                <a:solidFill>
-                  <a:schemeClr val="bg2"/>
-                </a:solidFill>
-                <a:effectLst>
-                  <a:outerShdw blurRad="38100" dist="38100" dir="2700000" algn="tl">
-                    <a:srgbClr val="000000">
-                      <a:alpha val="43137"/>
-                    </a:srgbClr>
-                  </a:outerShdw>
-                </a:effectLst>
-              </a:rPr>
-              <a:t>1- </a:t>
-            </a:r>
-            <a:r>
-              <a:rPr lang="fr-FR" sz="2600" cap="all" dirty="0">
-                <a:solidFill>
-                  <a:schemeClr val="bg2"/>
-                </a:solidFill>
-                <a:effectLst>
-                  <a:outerShdw blurRad="38100" dist="38100" dir="2700000" algn="tl">
-                    <a:srgbClr val="000000">
-                      <a:alpha val="43137"/>
-                    </a:srgbClr>
-                  </a:outerShdw>
-                </a:effectLst>
-              </a:rPr>
-              <a:t>Rétroplanning</a:t>
-            </a:r>
-            <a:br>
-              <a:rPr lang="en-US" sz="2600" cap="all" dirty="0">
-                <a:solidFill>
-                  <a:schemeClr val="bg2"/>
-                </a:solidFill>
-                <a:effectLst>
-                  <a:outerShdw blurRad="38100" dist="38100" dir="2700000" algn="tl">
-                    <a:srgbClr val="000000">
-                      <a:alpha val="43137"/>
-                    </a:srgbClr>
-                  </a:outerShdw>
-                </a:effectLst>
-              </a:rPr>
-            </a:br>
-            <a:br>
-              <a:rPr lang="en-US" sz="2600" cap="all" dirty="0">
-                <a:solidFill>
-                  <a:schemeClr val="bg2"/>
-                </a:solidFill>
-                <a:effectLst>
-                  <a:outerShdw blurRad="38100" dist="38100" dir="2700000" algn="tl">
-                    <a:srgbClr val="000000">
-                      <a:alpha val="43137"/>
-                    </a:srgbClr>
-                  </a:outerShdw>
-                </a:effectLst>
-              </a:rPr>
-            </a:br>
-            <a:r>
-              <a:rPr lang="en-US" sz="2600" cap="all" dirty="0">
-                <a:solidFill>
-                  <a:schemeClr val="bg2"/>
-                </a:solidFill>
-                <a:effectLst>
-                  <a:outerShdw blurRad="38100" dist="38100" dir="2700000" algn="tl">
-                    <a:srgbClr val="000000">
-                      <a:alpha val="43137"/>
-                    </a:srgbClr>
-                  </a:outerShdw>
-                </a:effectLst>
-              </a:rPr>
-              <a:t>2- </a:t>
-            </a:r>
-            <a:r>
-              <a:rPr lang="en-US" sz="2600" cap="all" dirty="0" err="1">
-                <a:solidFill>
-                  <a:schemeClr val="bg2"/>
-                </a:solidFill>
-                <a:effectLst>
-                  <a:outerShdw blurRad="38100" dist="38100" dir="2700000" algn="tl">
-                    <a:srgbClr val="000000">
-                      <a:alpha val="43137"/>
-                    </a:srgbClr>
-                  </a:outerShdw>
-                </a:effectLst>
-              </a:rPr>
-              <a:t>Diagramme</a:t>
-            </a:r>
-            <a:r>
-              <a:rPr lang="en-US" sz="2600" cap="all" dirty="0">
-                <a:solidFill>
-                  <a:schemeClr val="bg2"/>
-                </a:solidFill>
-                <a:effectLst>
-                  <a:outerShdw blurRad="38100" dist="38100" dir="2700000" algn="tl">
-                    <a:srgbClr val="000000">
-                      <a:alpha val="43137"/>
-                    </a:srgbClr>
-                  </a:outerShdw>
-                </a:effectLst>
-              </a:rPr>
-              <a:t> UML</a:t>
-            </a:r>
-            <a:br>
-              <a:rPr lang="en-US" sz="2600" cap="all" dirty="0">
-                <a:solidFill>
-                  <a:schemeClr val="bg2"/>
-                </a:solidFill>
-                <a:effectLst>
-                  <a:outerShdw blurRad="38100" dist="38100" dir="2700000" algn="tl">
-                    <a:srgbClr val="000000">
-                      <a:alpha val="43137"/>
-                    </a:srgbClr>
-                  </a:outerShdw>
-                </a:effectLst>
-              </a:rPr>
-            </a:br>
-            <a:br>
-              <a:rPr lang="en-US" sz="2600" cap="all" dirty="0">
-                <a:solidFill>
-                  <a:schemeClr val="bg2"/>
-                </a:solidFill>
-                <a:effectLst>
-                  <a:outerShdw blurRad="38100" dist="38100" dir="2700000" algn="tl">
-                    <a:srgbClr val="000000">
-                      <a:alpha val="43137"/>
-                    </a:srgbClr>
-                  </a:outerShdw>
-                </a:effectLst>
-              </a:rPr>
-            </a:br>
-            <a:r>
-              <a:rPr lang="en-US" sz="2600" cap="all" dirty="0">
-                <a:solidFill>
-                  <a:schemeClr val="bg2"/>
-                </a:solidFill>
-                <a:effectLst>
-                  <a:outerShdw blurRad="38100" dist="38100" dir="2700000" algn="tl">
-                    <a:srgbClr val="000000">
-                      <a:alpha val="43137"/>
-                    </a:srgbClr>
-                  </a:outerShdw>
-                </a:effectLst>
-              </a:rPr>
-              <a:t>3- Achievements</a:t>
-            </a:r>
-            <a:br>
-              <a:rPr lang="en-US" sz="2600" cap="all" dirty="0">
-                <a:solidFill>
-                  <a:schemeClr val="bg2"/>
-                </a:solidFill>
-                <a:effectLst>
-                  <a:outerShdw blurRad="38100" dist="38100" dir="2700000" algn="tl">
-                    <a:srgbClr val="000000">
-                      <a:alpha val="43137"/>
-                    </a:srgbClr>
-                  </a:outerShdw>
-                </a:effectLst>
-              </a:rPr>
-            </a:br>
-            <a:br>
-              <a:rPr lang="en-US" sz="2600" cap="all" dirty="0">
-                <a:solidFill>
-                  <a:schemeClr val="bg2"/>
-                </a:solidFill>
-                <a:effectLst>
-                  <a:outerShdw blurRad="38100" dist="38100" dir="2700000" algn="tl">
-                    <a:srgbClr val="000000">
-                      <a:alpha val="43137"/>
-                    </a:srgbClr>
-                  </a:outerShdw>
-                </a:effectLst>
-              </a:rPr>
-            </a:br>
-            <a:r>
-              <a:rPr lang="en-US" sz="2600" cap="all" dirty="0">
-                <a:solidFill>
-                  <a:schemeClr val="bg2"/>
-                </a:solidFill>
-                <a:effectLst>
-                  <a:outerShdw blurRad="38100" dist="38100" dir="2700000" algn="tl">
-                    <a:srgbClr val="000000">
-                      <a:alpha val="43137"/>
-                    </a:srgbClr>
-                  </a:outerShdw>
-                </a:effectLst>
-              </a:rPr>
-              <a:t>4- Interface du </a:t>
-            </a:r>
-            <a:r>
-              <a:rPr lang="fr-FR" sz="2600" cap="all" dirty="0">
-                <a:solidFill>
-                  <a:schemeClr val="bg2"/>
-                </a:solidFill>
-                <a:effectLst>
-                  <a:outerShdw blurRad="38100" dist="38100" dir="2700000" algn="tl">
-                    <a:srgbClr val="000000">
-                      <a:alpha val="43137"/>
-                    </a:srgbClr>
-                  </a:outerShdw>
-                </a:effectLst>
-              </a:rPr>
-              <a:t>jeu</a:t>
-            </a:r>
-            <a:br>
-              <a:rPr lang="en-US" sz="2600" cap="all" dirty="0">
-                <a:solidFill>
-                  <a:schemeClr val="bg2"/>
-                </a:solidFill>
-                <a:effectLst>
-                  <a:outerShdw blurRad="38100" dist="38100" dir="2700000" algn="tl">
-                    <a:srgbClr val="000000">
-                      <a:alpha val="43137"/>
-                    </a:srgbClr>
-                  </a:outerShdw>
-                </a:effectLst>
-              </a:rPr>
-            </a:br>
-            <a:br>
-              <a:rPr lang="en-US" sz="2600" cap="all" dirty="0">
-                <a:solidFill>
-                  <a:schemeClr val="bg2"/>
-                </a:solidFill>
-                <a:effectLst>
-                  <a:outerShdw blurRad="38100" dist="38100" dir="2700000" algn="tl">
-                    <a:srgbClr val="000000">
-                      <a:alpha val="43137"/>
-                    </a:srgbClr>
-                  </a:outerShdw>
-                </a:effectLst>
-              </a:rPr>
-            </a:br>
-            <a:r>
-              <a:rPr lang="en-US" sz="2600" cap="all" dirty="0">
-                <a:solidFill>
-                  <a:schemeClr val="bg2"/>
-                </a:solidFill>
-                <a:effectLst>
-                  <a:outerShdw blurRad="38100" dist="38100" dir="2700000" algn="tl">
-                    <a:srgbClr val="000000">
-                      <a:alpha val="43137"/>
-                    </a:srgbClr>
-                  </a:outerShdw>
-                </a:effectLst>
-              </a:rPr>
-              <a:t>5- </a:t>
-            </a:r>
-            <a:r>
-              <a:rPr lang="en-US" sz="2600" cap="all" dirty="0" err="1">
-                <a:solidFill>
-                  <a:schemeClr val="bg2"/>
-                </a:solidFill>
-                <a:effectLst>
-                  <a:outerShdw blurRad="38100" dist="38100" dir="2700000" algn="tl">
-                    <a:srgbClr val="000000">
-                      <a:alpha val="43137"/>
-                    </a:srgbClr>
-                  </a:outerShdw>
-                </a:effectLst>
-              </a:rPr>
-              <a:t>Rétrospective</a:t>
-            </a:r>
-            <a:br>
-              <a:rPr lang="en-US" sz="2600" cap="all" dirty="0">
-                <a:solidFill>
-                  <a:schemeClr val="bg2"/>
-                </a:solidFill>
-                <a:effectLst>
-                  <a:outerShdw blurRad="38100" dist="38100" dir="2700000" algn="tl">
-                    <a:srgbClr val="000000">
-                      <a:alpha val="43137"/>
-                    </a:srgbClr>
-                  </a:outerShdw>
-                </a:effectLst>
-              </a:rPr>
-            </a:br>
-            <a:br>
-              <a:rPr lang="en-US" sz="2600" cap="all" dirty="0">
-                <a:solidFill>
-                  <a:schemeClr val="bg2"/>
-                </a:solidFill>
-                <a:effectLst>
-                  <a:outerShdw blurRad="38100" dist="38100" dir="2700000" algn="tl">
-                    <a:srgbClr val="000000">
-                      <a:alpha val="43137"/>
-                    </a:srgbClr>
-                  </a:outerShdw>
-                </a:effectLst>
-              </a:rPr>
-            </a:br>
-            <a:r>
-              <a:rPr lang="en-US" sz="2600" cap="all" dirty="0">
-                <a:solidFill>
-                  <a:schemeClr val="bg2"/>
-                </a:solidFill>
-                <a:effectLst>
-                  <a:outerShdw blurRad="38100" dist="38100" dir="2700000" algn="tl">
-                    <a:srgbClr val="000000">
-                      <a:alpha val="43137"/>
-                    </a:srgbClr>
-                  </a:outerShdw>
-                </a:effectLst>
-              </a:rPr>
-              <a:t>6- </a:t>
-            </a:r>
-            <a:r>
-              <a:rPr lang="en-US" sz="2600" cap="all" dirty="0" err="1">
-                <a:solidFill>
-                  <a:schemeClr val="bg2"/>
-                </a:solidFill>
-                <a:effectLst>
-                  <a:outerShdw blurRad="38100" dist="38100" dir="2700000" algn="tl">
-                    <a:srgbClr val="000000">
-                      <a:alpha val="43137"/>
-                    </a:srgbClr>
-                  </a:outerShdw>
-                </a:effectLst>
-              </a:rPr>
-              <a:t>Démonstration</a:t>
-            </a:r>
-            <a:endParaRPr lang="en-US" sz="2600" cap="all" dirty="0">
-              <a:solidFill>
-                <a:schemeClr val="bg2"/>
-              </a:solidFill>
-              <a:effectLst>
-                <a:outerShdw blurRad="38100" dist="38100" dir="2700000" algn="tl">
-                  <a:srgbClr val="000000">
-                    <a:alpha val="43137"/>
-                  </a:srgbClr>
-                </a:outerShdw>
-              </a:effectLst>
-            </a:endParaRPr>
-          </a:p>
-        </p:txBody>
-      </p:sp>
-      <p:sp>
-        <p:nvSpPr>
-          <p:cNvPr id="56" name="Freeform 6">
-            <a:extLst>
-              <a:ext uri="{FF2B5EF4-FFF2-40B4-BE49-F238E27FC236}">
-                <a16:creationId xmlns:a16="http://schemas.microsoft.com/office/drawing/2014/main" id="{2BCE8A39-72D0-46ED-AB46-91B68881D2C2}"/>
-              </a:ext>
-              <a:ext uri="{C183D7F6-B498-43B3-948B-1728B52AA6E4}">
-                <adec:decorative xmlns:adec="http://schemas.microsoft.com/office/drawing/2017/decorative" val="1"/>
-              </a:ext>
-            </a:extLst>
-          </p:cNvPr>
-          <p:cNvSpPr>
-            <a:spLocks noGrp="1" noRot="1" noChangeAspect="1" noMove="1" noResize="1" noEditPoints="1" noAdjustHandles="1" noChangeArrowheads="1" noChangeShapeType="1" noTextEdit="1"/>
-          </p:cNvSpPr>
-          <p:nvPr>
-            <p:extLst>
-              <p:ext uri="{386F3935-93C4-4BCD-93E2-E3B085C9AB24}">
-                <p16:designElem xmlns:p16="http://schemas.microsoft.com/office/powerpoint/2015/main" val="1"/>
-              </p:ext>
-            </p:extLst>
-          </p:nvPr>
-        </p:nvSpPr>
-        <p:spPr bwMode="auto">
-          <a:xfrm flipH="1" flipV="1">
-            <a:off x="7983434" y="640080"/>
-            <a:ext cx="2296028" cy="3674981"/>
-          </a:xfrm>
-          <a:custGeom>
-            <a:avLst/>
-            <a:gdLst/>
-            <a:ahLst/>
-            <a:cxnLst/>
-            <a:rect l="l" t="t" r="r" b="b"/>
-            <a:pathLst>
-              <a:path w="10002" h="10000">
-                <a:moveTo>
-                  <a:pt x="8763" y="0"/>
-                </a:moveTo>
-                <a:lnTo>
-                  <a:pt x="10002" y="0"/>
-                </a:lnTo>
-                <a:lnTo>
-                  <a:pt x="10002" y="10000"/>
-                </a:lnTo>
-                <a:lnTo>
-                  <a:pt x="2" y="10000"/>
-                </a:lnTo>
-                <a:cubicBezTo>
-                  <a:pt x="-2" y="9698"/>
-                  <a:pt x="4" y="9427"/>
-                  <a:pt x="0" y="9125"/>
-                </a:cubicBezTo>
-                <a:lnTo>
-                  <a:pt x="8763" y="9128"/>
-                </a:lnTo>
-                <a:lnTo>
-                  <a:pt x="8763" y="0"/>
-                </a:lnTo>
-                <a:close/>
-              </a:path>
-            </a:pathLst>
-          </a:custGeom>
-          <a:solidFill>
-            <a:schemeClr val="tx2"/>
-          </a:solidFill>
-          <a:ln w="0">
-            <a:noFill/>
-            <a:prstDash val="solid"/>
-            <a:round/>
-            <a:headEnd/>
-            <a:tailEnd/>
-          </a:ln>
-        </p:spPr>
-      </p:sp>
-      <p:sp>
-        <p:nvSpPr>
-          <p:cNvPr id="58" name="Freeform: Shape 57">
-            <a:extLst>
-              <a:ext uri="{FF2B5EF4-FFF2-40B4-BE49-F238E27FC236}">
-                <a16:creationId xmlns:a16="http://schemas.microsoft.com/office/drawing/2014/main" id="{970E03B3-76EE-4C15-B250-1173359CDD3D}"/>
-              </a:ext>
-              <a:ext uri="{C183D7F6-B498-43B3-948B-1728B52AA6E4}">
-                <adec:decorative xmlns:adec="http://schemas.microsoft.com/office/drawing/2017/decorative" val="1"/>
-              </a:ext>
-            </a:extLst>
-          </p:cNvPr>
-          <p:cNvSpPr>
-            <a:spLocks noGrp="1" noRot="1" noChangeAspect="1" noMove="1" noResize="1" noEditPoints="1" noAdjustHandles="1" noChangeArrowheads="1" noChangeShapeType="1" noTextEdit="1"/>
-          </p:cNvSpPr>
-          <p:nvPr>
-            <p:extLst>
-              <p:ext uri="{386F3935-93C4-4BCD-93E2-E3B085C9AB24}">
-                <p16:designElem xmlns:p16="http://schemas.microsoft.com/office/powerpoint/2015/main" val="1"/>
-              </p:ext>
-            </p:extLst>
-          </p:nvPr>
-        </p:nvSpPr>
-        <p:spPr bwMode="auto">
-          <a:xfrm>
-            <a:off x="10147112" y="4501036"/>
-            <a:ext cx="1683805" cy="1723705"/>
-          </a:xfrm>
-          <a:custGeom>
-            <a:avLst/>
-            <a:gdLst>
-              <a:gd name="connsiteX0" fmla="*/ 1399384 w 1683805"/>
-              <a:gd name="connsiteY0" fmla="*/ 0 h 1723705"/>
-              <a:gd name="connsiteX1" fmla="*/ 1683805 w 1683805"/>
-              <a:gd name="connsiteY1" fmla="*/ 0 h 1723705"/>
-              <a:gd name="connsiteX2" fmla="*/ 1683805 w 1683805"/>
-              <a:gd name="connsiteY2" fmla="*/ 1723705 h 1723705"/>
-              <a:gd name="connsiteX3" fmla="*/ 0 w 1683805"/>
-              <a:gd name="connsiteY3" fmla="*/ 1723705 h 1723705"/>
-              <a:gd name="connsiteX4" fmla="*/ 0 w 1683805"/>
-              <a:gd name="connsiteY4" fmla="*/ 1402480 h 1723705"/>
-              <a:gd name="connsiteX5" fmla="*/ 1399384 w 1683805"/>
-              <a:gd name="connsiteY5" fmla="*/ 1403247 h 1723705"/>
-            </a:gdLst>
-            <a:ahLst/>
-            <a:cxnLst>
-              <a:cxn ang="0">
-                <a:pos x="connsiteX0" y="connsiteY0"/>
-              </a:cxn>
-              <a:cxn ang="0">
-                <a:pos x="connsiteX1" y="connsiteY1"/>
-              </a:cxn>
-              <a:cxn ang="0">
-                <a:pos x="connsiteX2" y="connsiteY2"/>
-              </a:cxn>
-              <a:cxn ang="0">
-                <a:pos x="connsiteX3" y="connsiteY3"/>
-              </a:cxn>
-              <a:cxn ang="0">
-                <a:pos x="connsiteX4" y="connsiteY4"/>
-              </a:cxn>
-              <a:cxn ang="0">
-                <a:pos x="connsiteX5" y="connsiteY5"/>
-              </a:cxn>
-            </a:cxnLst>
-            <a:rect l="l" t="t" r="r" b="b"/>
-            <a:pathLst>
-              <a:path w="1683805" h="1723705">
-                <a:moveTo>
-                  <a:pt x="1399384" y="0"/>
-                </a:moveTo>
-                <a:lnTo>
-                  <a:pt x="1683805" y="0"/>
-                </a:lnTo>
-                <a:lnTo>
-                  <a:pt x="1683805" y="1723705"/>
-                </a:lnTo>
-                <a:lnTo>
-                  <a:pt x="0" y="1723705"/>
-                </a:lnTo>
-                <a:lnTo>
-                  <a:pt x="0" y="1402480"/>
-                </a:lnTo>
-                <a:lnTo>
-                  <a:pt x="1399384" y="1403247"/>
-                </a:lnTo>
-                <a:close/>
-              </a:path>
-            </a:pathLst>
-          </a:custGeom>
-          <a:solidFill>
-            <a:schemeClr val="tx2">
-              <a:lumMod val="75000"/>
-            </a:schemeClr>
-          </a:solidFill>
-          <a:ln w="0">
-            <a:noFill/>
-            <a:prstDash val="solid"/>
-            <a:round/>
-            <a:headEnd/>
-            <a:tailEnd/>
-          </a:ln>
-        </p:spPr>
-      </p:sp>
-      <p:sp>
-        <p:nvSpPr>
-          <p:cNvPr id="4" name="ZoneTexte 3">
-            <a:extLst>
-              <a:ext uri="{FF2B5EF4-FFF2-40B4-BE49-F238E27FC236}">
-                <a16:creationId xmlns:a16="http://schemas.microsoft.com/office/drawing/2014/main" id="{5EA2F558-B203-4734-B732-70E2F70B9152}"/>
-              </a:ext>
-            </a:extLst>
-          </p:cNvPr>
-          <p:cNvSpPr txBox="1"/>
-          <p:nvPr/>
-        </p:nvSpPr>
-        <p:spPr>
-          <a:xfrm>
-            <a:off x="128747" y="90136"/>
-            <a:ext cx="5976416" cy="1015663"/>
-          </a:xfrm>
-          <a:prstGeom prst="rect">
-            <a:avLst/>
-          </a:prstGeom>
-          <a:noFill/>
-        </p:spPr>
-        <p:txBody>
-          <a:bodyPr wrap="square" rtlCol="0">
-            <a:spAutoFit/>
-          </a:bodyPr>
-          <a:lstStyle/>
-          <a:p>
-            <a:r>
-              <a:rPr lang="fr-FR" sz="6000" b="1" dirty="0">
-                <a:solidFill>
-                  <a:schemeClr val="bg1"/>
-                </a:solidFill>
-                <a:effectLst>
-                  <a:outerShdw blurRad="38100" dist="38100" dir="2700000" algn="tl">
-                    <a:srgbClr val="000000">
-                      <a:alpha val="43137"/>
-                    </a:srgbClr>
-                  </a:outerShdw>
-                </a:effectLst>
-              </a:rPr>
-              <a:t>Sommaire</a:t>
-            </a:r>
-            <a:endParaRPr lang="fr-FR" b="1" dirty="0">
-              <a:solidFill>
-                <a:schemeClr val="bg1"/>
-              </a:solidFill>
-              <a:effectLst>
-                <a:outerShdw blurRad="38100" dist="38100" dir="2700000" algn="tl">
-                  <a:srgbClr val="000000">
-                    <a:alpha val="43137"/>
-                  </a:srgbClr>
-                </a:outerShdw>
-              </a:effectLst>
-            </a:endParaRPr>
-          </a:p>
-        </p:txBody>
-      </p:sp>
-    </p:spTree>
-    <p:extLst>
-      <p:ext uri="{BB962C8B-B14F-4D97-AF65-F5344CB8AC3E}">
-        <p14:creationId xmlns:p14="http://schemas.microsoft.com/office/powerpoint/2010/main" val="753348891"/>
-      </p:ext>
-    </p:extLst>
-  </p:cSld>
-  <p:clrMapOvr>
-    <a:overrideClrMapping bg1="dk1" tx1="lt1" bg2="dk2" tx2="lt2" accent1="accent1" accent2="accent2" accent3="accent3" accent4="accent4" accent5="accent5" accent6="accent6" hlink="hlink" folHlink="folHlink"/>
-  </p:clrMapOvr>
-  <p:transition spd="slow">
-    <p:push dir="d"/>
-  </p:transition>
-</p:sld>
-</file>
-
-<file path=ppt/slides/slide3.xml><?xml version="1.0" encoding="utf-8"?>
-<p:sld xmlns:a="http://schemas.openxmlformats.org/drawingml/2006/main" xmlns:r="http://schemas.openxmlformats.org/officeDocument/2006/relationships" xmlns:p="http://schemas.openxmlformats.org/presentationml/2006/main">
-  <p:cSld>
-    <p:bg>
-      <p:bgPr>
-        <a:solidFill>
-          <a:schemeClr val="bg2"/>
-        </a:solidFill>
-        <a:effectLst/>
-      </p:bgPr>
-    </p:bg>
-    <p:spTree>
-      <p:nvGrpSpPr>
-        <p:cNvPr id="1" name=""/>
-        <p:cNvGrpSpPr/>
-        <p:nvPr/>
-      </p:nvGrpSpPr>
-      <p:grpSpPr>
-        <a:xfrm>
-          <a:off x="0" y="0"/>
-          <a:ext cx="0" cy="0"/>
-          <a:chOff x="0" y="0"/>
-          <a:chExt cx="0" cy="0"/>
-        </a:xfrm>
-      </p:grpSpPr>
-      <p:sp>
-        <p:nvSpPr>
-          <p:cNvPr id="2" name="Titre 1">
-            <a:extLst>
-              <a:ext uri="{FF2B5EF4-FFF2-40B4-BE49-F238E27FC236}">
-                <a16:creationId xmlns:a16="http://schemas.microsoft.com/office/drawing/2014/main" id="{7978EF54-153D-4EC1-A01A-7D15225C4BD4}"/>
-              </a:ext>
-            </a:extLst>
-          </p:cNvPr>
-          <p:cNvSpPr>
-            <a:spLocks noGrp="1"/>
-          </p:cNvSpPr>
-          <p:nvPr>
-            <p:ph type="title"/>
-          </p:nvPr>
-        </p:nvSpPr>
-        <p:spPr>
-          <a:xfrm>
-            <a:off x="1442936" y="685800"/>
-            <a:ext cx="4199107" cy="783077"/>
-          </a:xfrm>
-        </p:spPr>
-        <p:txBody>
-          <a:bodyPr>
-            <a:normAutofit/>
-          </a:bodyPr>
-          <a:lstStyle/>
-          <a:p>
-            <a:r>
-              <a:rPr lang="fr-FR" sz="4100" dirty="0"/>
-              <a:t>1- Rétroplanning</a:t>
-            </a:r>
-          </a:p>
-        </p:txBody>
-      </p:sp>
-      <p:pic>
-        <p:nvPicPr>
-          <p:cNvPr id="5" name="Image 4">
-            <a:extLst>
-              <a:ext uri="{FF2B5EF4-FFF2-40B4-BE49-F238E27FC236}">
-                <a16:creationId xmlns:a16="http://schemas.microsoft.com/office/drawing/2014/main" id="{BB70DCB9-2177-4532-B03C-99A1F2E062A2}"/>
-              </a:ext>
-            </a:extLst>
-          </p:cNvPr>
-          <p:cNvPicPr>
-            <a:picLocks noChangeAspect="1"/>
-          </p:cNvPicPr>
-          <p:nvPr/>
-        </p:nvPicPr>
-        <p:blipFill>
-          <a:blip r:embed="rId2"/>
-          <a:stretch>
-            <a:fillRect/>
-          </a:stretch>
-        </p:blipFill>
-        <p:spPr>
-          <a:xfrm>
-            <a:off x="1508442" y="1817766"/>
-            <a:ext cx="9175116" cy="4849878"/>
-          </a:xfrm>
-          <a:prstGeom prst="rect">
-            <a:avLst/>
-          </a:prstGeom>
-        </p:spPr>
-      </p:pic>
-    </p:spTree>
-    <p:extLst>
-      <p:ext uri="{BB962C8B-B14F-4D97-AF65-F5344CB8AC3E}">
-        <p14:creationId xmlns:p14="http://schemas.microsoft.com/office/powerpoint/2010/main" val="1164872043"/>
-      </p:ext>
-    </p:extLst>
-  </p:cSld>
-  <p:clrMapOvr>
-    <a:masterClrMapping/>
-  </p:clrMapOvr>
-  <mc:AlternateContent xmlns:mc="http://schemas.openxmlformats.org/markup-compatibility/2006">
-    <mc:Choice xmlns:p14="http://schemas.microsoft.com/office/powerpoint/2010/main" Requires="p14">
-      <p:transition spd="med" p14:dur="700">
-        <p:fade/>
-      </p:transition>
-    </mc:Choice>
-    <mc:Fallback>
-      <p:transition spd="med">
-        <p:fade/>
-      </p:transition>
-    </mc:Fallback>
-  </mc:AlternateContent>
-</p:sld>
-</file>
-
-<file path=ppt/slides/slide4.xml><?xml version="1.0" encoding="utf-8"?>
-<p:sld xmlns:a="http://schemas.openxmlformats.org/drawingml/2006/main" xmlns:r="http://schemas.openxmlformats.org/officeDocument/2006/relationships" xmlns:p="http://schemas.openxmlformats.org/presentationml/2006/main">
-  <p:cSld>
-    <p:spTree>
-      <p:nvGrpSpPr>
-        <p:cNvPr id="1" name=""/>
-        <p:cNvGrpSpPr/>
-        <p:nvPr/>
-      </p:nvGrpSpPr>
-      <p:grpSpPr>
-        <a:xfrm>
-          <a:off x="0" y="0"/>
-          <a:ext cx="0" cy="0"/>
-          <a:chOff x="0" y="0"/>
-          <a:chExt cx="0" cy="0"/>
-        </a:xfrm>
-      </p:grpSpPr>
-      <p:sp>
-        <p:nvSpPr>
-          <p:cNvPr id="2" name="Titre 1">
-            <a:extLst>
-              <a:ext uri="{FF2B5EF4-FFF2-40B4-BE49-F238E27FC236}">
-                <a16:creationId xmlns:a16="http://schemas.microsoft.com/office/drawing/2014/main" id="{3B765292-BC29-4D23-8E70-FC3857501D1F}"/>
-              </a:ext>
-            </a:extLst>
-          </p:cNvPr>
-          <p:cNvSpPr>
-            <a:spLocks noGrp="1"/>
-          </p:cNvSpPr>
-          <p:nvPr>
-            <p:ph type="title"/>
-          </p:nvPr>
-        </p:nvSpPr>
-        <p:spPr/>
-        <p:txBody>
-          <a:bodyPr/>
-          <a:lstStyle/>
-          <a:p>
-            <a:r>
-              <a:rPr lang="fr-FR" dirty="0"/>
-              <a:t>2- Diagramme UML</a:t>
-            </a:r>
-          </a:p>
-        </p:txBody>
-      </p:sp>
-      <p:pic>
-        <p:nvPicPr>
-          <p:cNvPr id="5" name="Image 4" descr="Une image contenant capture d’écran&#10;&#10;Description générée automatiquement">
-            <a:extLst>
-              <a:ext uri="{FF2B5EF4-FFF2-40B4-BE49-F238E27FC236}">
-                <a16:creationId xmlns:a16="http://schemas.microsoft.com/office/drawing/2014/main" id="{F56F1C89-7171-47C9-BB33-256A45F4B93F}"/>
-              </a:ext>
-            </a:extLst>
-          </p:cNvPr>
-          <p:cNvPicPr>
-            <a:picLocks noChangeAspect="1"/>
-          </p:cNvPicPr>
-          <p:nvPr/>
-        </p:nvPicPr>
-        <p:blipFill>
-          <a:blip r:embed="rId2">
-            <a:extLst>
-              <a:ext uri="{28A0092B-C50C-407E-A947-70E740481C1C}">
-                <a14:useLocalDpi xmlns:a14="http://schemas.microsoft.com/office/drawing/2010/main" val="0"/>
-              </a:ext>
-            </a:extLst>
-          </a:blip>
-          <a:stretch>
-            <a:fillRect/>
-          </a:stretch>
-        </p:blipFill>
-        <p:spPr>
-          <a:xfrm>
-            <a:off x="1090145" y="1862766"/>
-            <a:ext cx="10557358" cy="4391038"/>
-          </a:xfrm>
-          <a:prstGeom prst="rect">
-            <a:avLst/>
-          </a:prstGeom>
-          <a:effectLst>
-            <a:softEdge rad="12700"/>
-          </a:effectLst>
-        </p:spPr>
-      </p:pic>
-    </p:spTree>
-    <p:extLst>
-      <p:ext uri="{BB962C8B-B14F-4D97-AF65-F5344CB8AC3E}">
-        <p14:creationId xmlns:p14="http://schemas.microsoft.com/office/powerpoint/2010/main" val="744313170"/>
-      </p:ext>
-    </p:extLst>
-  </p:cSld>
-  <p:clrMapOvr>
-    <a:masterClrMapping/>
-  </p:clrMapOvr>
-  <mc:AlternateContent xmlns:mc="http://schemas.openxmlformats.org/markup-compatibility/2006">
-    <mc:Choice xmlns:p14="http://schemas.microsoft.com/office/powerpoint/2010/main" Requires="p14">
-      <p:transition spd="med" p14:dur="700">
-        <p:fade/>
-      </p:transition>
-    </mc:Choice>
-    <mc:Fallback>
-      <p:transition spd="med">
-        <p:fade/>
-      </p:transition>
-    </mc:Fallback>
-  </mc:AlternateContent>
-</p:sld>
-</file>
-
-<file path=ppt/slides/slide5.xml><?xml version="1.0" encoding="utf-8"?>
-<p:sld xmlns:a="http://schemas.openxmlformats.org/drawingml/2006/main" xmlns:r="http://schemas.openxmlformats.org/officeDocument/2006/relationships" xmlns:p="http://schemas.openxmlformats.org/presentationml/2006/main">
-  <p:cSld>
-    <p:bg>
-      <p:bgPr>
-        <a:solidFill>
-          <a:schemeClr val="bg1"/>
-        </a:solidFill>
-        <a:effectLst/>
-      </p:bgPr>
-    </p:bg>
-    <p:spTree>
-      <p:nvGrpSpPr>
-        <p:cNvPr id="1" name=""/>
-        <p:cNvGrpSpPr/>
-        <p:nvPr/>
-      </p:nvGrpSpPr>
-      <p:grpSpPr>
-        <a:xfrm>
-          <a:off x="0" y="0"/>
-          <a:ext cx="0" cy="0"/>
-          <a:chOff x="0" y="0"/>
-          <a:chExt cx="0" cy="0"/>
-        </a:xfrm>
-      </p:grpSpPr>
-      <p:sp>
-        <p:nvSpPr>
-          <p:cNvPr id="18" name="Rectangle 14">
-            <a:extLst>
-              <a:ext uri="{FF2B5EF4-FFF2-40B4-BE49-F238E27FC236}">
-                <a16:creationId xmlns:a16="http://schemas.microsoft.com/office/drawing/2014/main" id="{62DAC179-C790-4427-B1A0-AF7E55B8E6FA}"/>
-              </a:ext>
-              <a:ext uri="{C183D7F6-B498-43B3-948B-1728B52AA6E4}">
-                <adec:decorative xmlns:adec="http://schemas.microsoft.com/office/drawing/2017/decorative" val="1"/>
-              </a:ext>
-            </a:extLst>
-          </p:cNvPr>
-          <p:cNvSpPr>
-            <a:spLocks noGrp="1" noRot="1" noChangeAspect="1" noMove="1" noResize="1" noEditPoints="1" noAdjustHandles="1" noChangeArrowheads="1" noChangeShapeType="1" noTextEdit="1"/>
-          </p:cNvSpPr>
-          <p:nvPr>
-            <p:extLst>
-              <p:ext uri="{386F3935-93C4-4BCD-93E2-E3B085C9AB24}">
-                <p16:designElem xmlns:p16="http://schemas.microsoft.com/office/powerpoint/2015/main" val="1"/>
-              </p:ext>
-            </p:extLst>
-          </p:nvPr>
-        </p:nvSpPr>
-        <p:spPr>
-          <a:xfrm>
-            <a:off x="0" y="0"/>
-            <a:ext cx="12192000" cy="6858000"/>
-          </a:xfrm>
-          <a:prstGeom prst="rect">
-            <a:avLst/>
-          </a:prstGeom>
-          <a:solidFill>
-            <a:schemeClr val="bg2"/>
-          </a:solidFill>
-          <a:ln>
-            <a:noFill/>
-          </a:ln>
-        </p:spPr>
-        <p:style>
-          <a:lnRef idx="2">
-            <a:schemeClr val="accent1">
-              <a:shade val="50000"/>
-            </a:schemeClr>
-          </a:lnRef>
-          <a:fillRef idx="1">
-            <a:schemeClr val="accent1"/>
-          </a:fillRef>
-          <a:effectRef idx="0">
-            <a:schemeClr val="accent1"/>
-          </a:effectRef>
-          <a:fontRef idx="minor">
-            <a:schemeClr val="lt1"/>
-          </a:fontRef>
-        </p:style>
-        <p:txBody>
-          <a:bodyPr rtlCol="0" anchor="ctr"/>
-          <a:lstStyle/>
-          <a:p>
-            <a:pPr algn="ctr"/>
-            <a:endParaRPr lang="en-US"/>
-          </a:p>
-        </p:txBody>
-      </p:sp>
-      <p:sp>
-        <p:nvSpPr>
-          <p:cNvPr id="2" name="Titre 1">
-            <a:extLst>
-              <a:ext uri="{FF2B5EF4-FFF2-40B4-BE49-F238E27FC236}">
-                <a16:creationId xmlns:a16="http://schemas.microsoft.com/office/drawing/2014/main" id="{774934A2-C17E-493E-8C67-FE891A56A741}"/>
-              </a:ext>
-            </a:extLst>
-          </p:cNvPr>
-          <p:cNvSpPr>
-            <a:spLocks noGrp="1"/>
-          </p:cNvSpPr>
-          <p:nvPr>
-            <p:ph type="title"/>
-          </p:nvPr>
-        </p:nvSpPr>
-        <p:spPr>
-          <a:xfrm>
-            <a:off x="7874493" y="639704"/>
-            <a:ext cx="4065973" cy="5577840"/>
-          </a:xfrm>
-        </p:spPr>
-        <p:txBody>
-          <a:bodyPr anchor="ctr">
-            <a:normAutofit/>
-          </a:bodyPr>
-          <a:lstStyle/>
-          <a:p>
-            <a:r>
-              <a:rPr lang="fr-FR" sz="4100" dirty="0"/>
-              <a:t>3- </a:t>
-            </a:r>
-            <a:r>
-              <a:rPr lang="fr-FR" sz="4100" dirty="0" err="1"/>
-              <a:t>Achievements</a:t>
-            </a:r>
-            <a:endParaRPr lang="fr-FR" sz="4100" dirty="0"/>
-          </a:p>
-        </p:txBody>
-      </p:sp>
-      <p:sp useBgFill="1">
-        <p:nvSpPr>
-          <p:cNvPr id="17" name="Rectangle 16">
-            <a:extLst>
-              <a:ext uri="{FF2B5EF4-FFF2-40B4-BE49-F238E27FC236}">
-                <a16:creationId xmlns:a16="http://schemas.microsoft.com/office/drawing/2014/main" id="{EA392D87-3787-45D6-976E-B85674C09048}"/>
-              </a:ext>
-              <a:ext uri="{C183D7F6-B498-43B3-948B-1728B52AA6E4}">
-                <adec:decorative xmlns:adec="http://schemas.microsoft.com/office/drawing/2017/decorative" val="1"/>
-              </a:ext>
-            </a:extLst>
-          </p:cNvPr>
-          <p:cNvSpPr>
-            <a:spLocks noGrp="1" noRot="1" noChangeAspect="1" noMove="1" noResize="1" noEditPoints="1" noAdjustHandles="1" noChangeArrowheads="1" noChangeShapeType="1" noTextEdit="1"/>
-          </p:cNvSpPr>
-          <p:nvPr>
-            <p:extLst>
-              <p:ext uri="{386F3935-93C4-4BCD-93E2-E3B085C9AB24}">
-                <p16:designElem xmlns:p16="http://schemas.microsoft.com/office/powerpoint/2015/main" val="1"/>
-              </p:ext>
-            </p:extLst>
-          </p:nvPr>
-        </p:nvSpPr>
-        <p:spPr>
-          <a:xfrm>
-            <a:off x="0" y="0"/>
-            <a:ext cx="7383661" cy="6858000"/>
-          </a:xfrm>
-          <a:prstGeom prst="rect">
-            <a:avLst/>
-          </a:prstGeom>
-          <a:ln>
-            <a:noFill/>
-          </a:ln>
-        </p:spPr>
-        <p:style>
-          <a:lnRef idx="2">
-            <a:schemeClr val="accent1">
-              <a:shade val="50000"/>
-            </a:schemeClr>
-          </a:lnRef>
-          <a:fillRef idx="1">
-            <a:schemeClr val="accent1"/>
-          </a:fillRef>
-          <a:effectRef idx="0">
-            <a:schemeClr val="accent1"/>
-          </a:effectRef>
-          <a:fontRef idx="minor">
-            <a:schemeClr val="lt1"/>
-          </a:fontRef>
-        </p:style>
-        <p:txBody>
-          <a:bodyPr rtlCol="0" anchor="ctr"/>
-          <a:lstStyle/>
-          <a:p>
-            <a:pPr algn="ctr"/>
-            <a:endParaRPr lang="en-US"/>
-          </a:p>
-        </p:txBody>
-      </p:sp>
-      <p:sp>
-        <p:nvSpPr>
-          <p:cNvPr id="19" name="Rectangle 18">
-            <a:extLst>
-              <a:ext uri="{FF2B5EF4-FFF2-40B4-BE49-F238E27FC236}">
-                <a16:creationId xmlns:a16="http://schemas.microsoft.com/office/drawing/2014/main" id="{DEFE8E04-DEE3-49FD-89A2-285FAD1CB6E0}"/>
-              </a:ext>
-              <a:ext uri="{C183D7F6-B498-43B3-948B-1728B52AA6E4}">
-                <adec:decorative xmlns:adec="http://schemas.microsoft.com/office/drawing/2017/decorative" val="1"/>
-              </a:ext>
-            </a:extLst>
-          </p:cNvPr>
-          <p:cNvSpPr>
-            <a:spLocks noGrp="1" noRot="1" noChangeAspect="1" noMove="1" noResize="1" noEditPoints="1" noAdjustHandles="1" noChangeArrowheads="1" noChangeShapeType="1" noTextEdit="1"/>
-          </p:cNvSpPr>
-          <p:nvPr>
-            <p:extLst>
-              <p:ext uri="{386F3935-93C4-4BCD-93E2-E3B085C9AB24}">
-                <p16:designElem xmlns:p16="http://schemas.microsoft.com/office/powerpoint/2015/main" val="1"/>
-              </p:ext>
-            </p:extLst>
-          </p:nvPr>
-        </p:nvSpPr>
-        <p:spPr>
-          <a:xfrm>
-            <a:off x="7383661" y="0"/>
-            <a:ext cx="228600" cy="6858000"/>
-          </a:xfrm>
-          <a:prstGeom prst="rect">
-            <a:avLst/>
-          </a:prstGeom>
-          <a:solidFill>
-            <a:schemeClr val="tx1">
-              <a:lumMod val="50000"/>
-              <a:lumOff val="50000"/>
-              <a:alpha val="60000"/>
-            </a:schemeClr>
-          </a:solidFill>
-          <a:ln>
-            <a:noFill/>
-          </a:ln>
-        </p:spPr>
-        <p:style>
-          <a:lnRef idx="2">
-            <a:schemeClr val="accent1">
-              <a:shade val="50000"/>
-            </a:schemeClr>
-          </a:lnRef>
-          <a:fillRef idx="1">
-            <a:schemeClr val="accent1"/>
-          </a:fillRef>
-          <a:effectRef idx="0">
-            <a:schemeClr val="accent1"/>
-          </a:effectRef>
-          <a:fontRef idx="minor">
-            <a:schemeClr val="lt1"/>
-          </a:fontRef>
-        </p:style>
-      </p:sp>
-      <p:graphicFrame>
-        <p:nvGraphicFramePr>
-          <p:cNvPr id="5" name="Espace réservé du contenu 2">
-            <a:extLst>
-              <a:ext uri="{FF2B5EF4-FFF2-40B4-BE49-F238E27FC236}">
-                <a16:creationId xmlns:a16="http://schemas.microsoft.com/office/drawing/2014/main" id="{52D36DDA-F3AF-47FC-BABA-A8FF0C31EE6A}"/>
-              </a:ext>
-            </a:extLst>
-          </p:cNvPr>
-          <p:cNvGraphicFramePr>
-            <a:graphicFrameLocks noGrp="1"/>
-          </p:cNvGraphicFramePr>
-          <p:nvPr>
-            <p:ph idx="1"/>
-            <p:extLst>
-              <p:ext uri="{D42A27DB-BD31-4B8C-83A1-F6EECF244321}">
-                <p14:modId xmlns:p14="http://schemas.microsoft.com/office/powerpoint/2010/main" val="1572977870"/>
-              </p:ext>
-            </p:extLst>
-          </p:nvPr>
-        </p:nvGraphicFramePr>
-        <p:xfrm>
-          <a:off x="681022" y="1048136"/>
-          <a:ext cx="5959475" cy="5577781"/>
-        </p:xfrm>
-        <a:graphic>
-          <a:graphicData uri="http://schemas.openxmlformats.org/drawingml/2006/diagram">
-            <dgm:relIds xmlns:dgm="http://schemas.openxmlformats.org/drawingml/2006/diagram" xmlns:r="http://schemas.openxmlformats.org/officeDocument/2006/relationships" r:dm="rId2" r:lo="rId3" r:qs="rId4" r:cs="rId5"/>
-          </a:graphicData>
-        </a:graphic>
-      </p:graphicFrame>
-      <p:sp>
-        <p:nvSpPr>
-          <p:cNvPr id="4" name="ZoneTexte 3">
-            <a:extLst>
-              <a:ext uri="{FF2B5EF4-FFF2-40B4-BE49-F238E27FC236}">
-                <a16:creationId xmlns:a16="http://schemas.microsoft.com/office/drawing/2014/main" id="{C6F35F9A-031A-496D-922E-538D059228A4}"/>
-              </a:ext>
-            </a:extLst>
-          </p:cNvPr>
-          <p:cNvSpPr txBox="1"/>
-          <p:nvPr/>
-        </p:nvSpPr>
-        <p:spPr>
-          <a:xfrm>
-            <a:off x="486383" y="5663953"/>
-            <a:ext cx="6154114" cy="1038404"/>
-          </a:xfrm>
-          <a:prstGeom prst="rect">
-            <a:avLst/>
-          </a:prstGeom>
-          <a:solidFill>
-            <a:schemeClr val="bg1"/>
-          </a:solidFill>
-        </p:spPr>
-        <p:txBody>
-          <a:bodyPr wrap="square" rtlCol="0">
-            <a:spAutoFit/>
-          </a:bodyPr>
-          <a:lstStyle/>
-          <a:p>
-            <a:endParaRPr lang="fr-FR" dirty="0"/>
-          </a:p>
-        </p:txBody>
-      </p:sp>
-    </p:spTree>
-    <p:extLst>
-      <p:ext uri="{BB962C8B-B14F-4D97-AF65-F5344CB8AC3E}">
-        <p14:creationId xmlns:p14="http://schemas.microsoft.com/office/powerpoint/2010/main" val="94944101"/>
-      </p:ext>
-    </p:extLst>
-  </p:cSld>
-  <p:clrMapOvr>
-    <a:masterClrMapping/>
-  </p:clrMapOvr>
-  <p:transition spd="slow">
-    <p:wipe/>
-  </p:transition>
-</p:sld>
-</file>
-
-<file path=ppt/slides/slide6.xml><?xml version="1.0" encoding="utf-8"?>
-<p:sld xmlns:a="http://schemas.openxmlformats.org/drawingml/2006/main" xmlns:r="http://schemas.openxmlformats.org/officeDocument/2006/relationships" xmlns:p="http://schemas.openxmlformats.org/presentationml/2006/main">
-  <p:cSld>
-    <p:bg>
-      <p:bgPr>
-        <a:solidFill>
-          <a:schemeClr val="bg2"/>
-        </a:solidFill>
-        <a:effectLst/>
-      </p:bgPr>
-    </p:bg>
-    <p:spTree>
-      <p:nvGrpSpPr>
-        <p:cNvPr id="1" name=""/>
-        <p:cNvGrpSpPr/>
-        <p:nvPr/>
-      </p:nvGrpSpPr>
-      <p:grpSpPr>
-        <a:xfrm>
-          <a:off x="0" y="0"/>
-          <a:ext cx="0" cy="0"/>
-          <a:chOff x="0" y="0"/>
-          <a:chExt cx="0" cy="0"/>
-        </a:xfrm>
-      </p:grpSpPr>
-      <p:grpSp>
-        <p:nvGrpSpPr>
-          <p:cNvPr id="10" name="Group 9">
-            <a:extLst>
-              <a:ext uri="{FF2B5EF4-FFF2-40B4-BE49-F238E27FC236}">
-                <a16:creationId xmlns:a16="http://schemas.microsoft.com/office/drawing/2014/main" id="{57500303-A207-4812-BEB9-51E132FEB73F}"/>
-              </a:ext>
-              <a:ext uri="{C183D7F6-B498-43B3-948B-1728B52AA6E4}">
-                <adec:decorative xmlns:adec="http://schemas.microsoft.com/office/drawing/2017/decorative" val="1"/>
-              </a:ext>
-            </a:extLst>
-          </p:cNvPr>
-          <p:cNvGrpSpPr>
-            <a:grpSpLocks noGrp="1" noUngrp="1" noRot="1" noChangeAspect="1" noMove="1" noResize="1"/>
-          </p:cNvGrpSpPr>
-          <p:nvPr>
-            <p:extLst>
-              <p:ext uri="{386F3935-93C4-4BCD-93E2-E3B085C9AB24}">
-                <p16:designElem xmlns:p16="http://schemas.microsoft.com/office/powerpoint/2015/main" val="1"/>
-              </p:ext>
-            </p:extLst>
-          </p:nvPr>
-        </p:nvGrpSpPr>
-        <p:grpSpPr>
-          <a:xfrm>
-            <a:off x="752858" y="744469"/>
-            <a:ext cx="10674117" cy="5349671"/>
-            <a:chOff x="752858" y="744469"/>
-            <a:chExt cx="10674117" cy="5349671"/>
-          </a:xfrm>
-        </p:grpSpPr>
-        <p:sp>
-          <p:nvSpPr>
-            <p:cNvPr id="11" name="Freeform 6">
-              <a:extLst>
-                <a:ext uri="{FF2B5EF4-FFF2-40B4-BE49-F238E27FC236}">
-                  <a16:creationId xmlns:a16="http://schemas.microsoft.com/office/drawing/2014/main" id="{10118C91-C025-4776-BE95-E9926378E790}"/>
-                </a:ext>
-                <a:ext uri="{C183D7F6-B498-43B3-948B-1728B52AA6E4}">
-                  <adec:decorative xmlns:adec="http://schemas.microsoft.com/office/drawing/2017/decorative" val="1"/>
-                </a:ext>
-              </a:extLst>
-            </p:cNvPr>
-            <p:cNvSpPr/>
-            <p:nvPr>
-              <p:extLst>
-                <p:ext uri="{386F3935-93C4-4BCD-93E2-E3B085C9AB24}">
-                  <p16:designElem xmlns:p16="http://schemas.microsoft.com/office/powerpoint/2015/main" val="1"/>
-                </p:ext>
-              </p:extLst>
-            </p:nvPr>
-          </p:nvSpPr>
-          <p:spPr bwMode="auto">
-            <a:xfrm>
-              <a:off x="8151962" y="1685652"/>
-              <a:ext cx="3275013" cy="4408488"/>
-            </a:xfrm>
-            <a:custGeom>
-              <a:avLst/>
-              <a:gdLst/>
-              <a:ahLst/>
-              <a:cxnLst/>
-              <a:rect l="l" t="t" r="r" b="b"/>
-              <a:pathLst>
-                <a:path w="10000" h="10000">
-                  <a:moveTo>
-                    <a:pt x="8761" y="0"/>
-                  </a:moveTo>
-                  <a:lnTo>
-                    <a:pt x="10000" y="0"/>
-                  </a:lnTo>
-                  <a:lnTo>
-                    <a:pt x="10000" y="10000"/>
-                  </a:lnTo>
-                  <a:lnTo>
-                    <a:pt x="0" y="10000"/>
-                  </a:lnTo>
-                  <a:lnTo>
-                    <a:pt x="0" y="9126"/>
-                  </a:lnTo>
-                  <a:lnTo>
-                    <a:pt x="8761" y="9127"/>
-                  </a:lnTo>
-                  <a:lnTo>
-                    <a:pt x="8761" y="0"/>
-                  </a:lnTo>
-                  <a:close/>
-                </a:path>
-              </a:pathLst>
-            </a:custGeom>
-            <a:solidFill>
-              <a:schemeClr val="tx2"/>
-            </a:solidFill>
-            <a:ln w="0">
-              <a:noFill/>
-              <a:prstDash val="solid"/>
-              <a:round/>
-              <a:headEnd/>
-              <a:tailEnd/>
-            </a:ln>
-          </p:spPr>
-        </p:sp>
-        <p:sp>
-          <p:nvSpPr>
-            <p:cNvPr id="12" name="Freeform 6">
-              <a:extLst>
-                <a:ext uri="{FF2B5EF4-FFF2-40B4-BE49-F238E27FC236}">
-                  <a16:creationId xmlns:a16="http://schemas.microsoft.com/office/drawing/2014/main" id="{339174D0-30E8-4BBF-BF81-5DDAC33C0C0E}"/>
-                </a:ext>
-                <a:ext uri="{C183D7F6-B498-43B3-948B-1728B52AA6E4}">
-                  <adec:decorative xmlns:adec="http://schemas.microsoft.com/office/drawing/2017/decorative" val="1"/>
-                </a:ext>
-              </a:extLst>
-            </p:cNvPr>
-            <p:cNvSpPr/>
-            <p:nvPr>
-              <p:extLst>
-                <p:ext uri="{386F3935-93C4-4BCD-93E2-E3B085C9AB24}">
-                  <p16:designElem xmlns:p16="http://schemas.microsoft.com/office/powerpoint/2015/main" val="1"/>
-                </p:ext>
-              </p:extLst>
-            </p:nvPr>
-          </p:nvSpPr>
-          <p:spPr bwMode="auto">
-            <a:xfrm flipH="1" flipV="1">
-              <a:off x="752858" y="744469"/>
-              <a:ext cx="3275668" cy="4408488"/>
-            </a:xfrm>
-            <a:custGeom>
-              <a:avLst/>
-              <a:gdLst/>
-              <a:ahLst/>
-              <a:cxnLst/>
-              <a:rect l="l" t="t" r="r" b="b"/>
-              <a:pathLst>
-                <a:path w="10002" h="10000">
-                  <a:moveTo>
-                    <a:pt x="8763" y="0"/>
-                  </a:moveTo>
-                  <a:lnTo>
-                    <a:pt x="10002" y="0"/>
-                  </a:lnTo>
-                  <a:lnTo>
-                    <a:pt x="10002" y="10000"/>
-                  </a:lnTo>
-                  <a:lnTo>
-                    <a:pt x="2" y="10000"/>
-                  </a:lnTo>
-                  <a:cubicBezTo>
-                    <a:pt x="-2" y="9698"/>
-                    <a:pt x="4" y="9427"/>
-                    <a:pt x="0" y="9125"/>
-                  </a:cubicBezTo>
-                  <a:lnTo>
-                    <a:pt x="8763" y="9128"/>
-                  </a:lnTo>
-                  <a:lnTo>
-                    <a:pt x="8763" y="0"/>
-                  </a:lnTo>
-                  <a:close/>
-                </a:path>
-              </a:pathLst>
-            </a:custGeom>
-            <a:solidFill>
-              <a:schemeClr val="tx2"/>
-            </a:solidFill>
-            <a:ln w="0">
-              <a:noFill/>
-              <a:prstDash val="solid"/>
-              <a:round/>
-              <a:headEnd/>
-              <a:tailEnd/>
-            </a:ln>
-          </p:spPr>
-        </p:sp>
-      </p:grpSp>
-      <p:sp useBgFill="1">
-        <p:nvSpPr>
-          <p:cNvPr id="14" name="Rectangle 13">
-            <a:extLst>
-              <a:ext uri="{FF2B5EF4-FFF2-40B4-BE49-F238E27FC236}">
-                <a16:creationId xmlns:a16="http://schemas.microsoft.com/office/drawing/2014/main" id="{7BB74091-09FE-44AF-8325-7FE6E175F727}"/>
-              </a:ext>
-              <a:ext uri="{C183D7F6-B498-43B3-948B-1728B52AA6E4}">
-                <adec:decorative xmlns:adec="http://schemas.microsoft.com/office/drawing/2017/decorative" val="1"/>
-              </a:ext>
-            </a:extLst>
-          </p:cNvPr>
-          <p:cNvSpPr>
-            <a:spLocks noGrp="1" noRot="1" noChangeAspect="1" noMove="1" noResize="1" noEditPoints="1" noAdjustHandles="1" noChangeArrowheads="1" noChangeShapeType="1" noTextEdit="1"/>
-          </p:cNvSpPr>
-          <p:nvPr>
-            <p:extLst>
-              <p:ext uri="{386F3935-93C4-4BCD-93E2-E3B085C9AB24}">
-                <p16:designElem xmlns:p16="http://schemas.microsoft.com/office/powerpoint/2015/main" val="1"/>
-              </p:ext>
-            </p:extLst>
-          </p:nvPr>
-        </p:nvSpPr>
-        <p:spPr>
-          <a:xfrm>
-            <a:off x="0" y="0"/>
-            <a:ext cx="12192000" cy="6858000"/>
-          </a:xfrm>
-          <a:prstGeom prst="rect">
-            <a:avLst/>
-          </a:prstGeom>
-          <a:ln>
-            <a:noFill/>
-          </a:ln>
-        </p:spPr>
-        <p:style>
-          <a:lnRef idx="2">
-            <a:schemeClr val="accent1">
-              <a:shade val="50000"/>
-            </a:schemeClr>
-          </a:lnRef>
-          <a:fillRef idx="1">
-            <a:schemeClr val="accent1"/>
-          </a:fillRef>
-          <a:effectRef idx="0">
-            <a:schemeClr val="accent1"/>
-          </a:effectRef>
-          <a:fontRef idx="minor">
-            <a:schemeClr val="lt1"/>
-          </a:fontRef>
-        </p:style>
-        <p:txBody>
-          <a:bodyPr rtlCol="0" anchor="ctr"/>
-          <a:lstStyle/>
-          <a:p>
-            <a:pPr algn="ctr"/>
-            <a:endParaRPr lang="en-US"/>
-          </a:p>
-        </p:txBody>
-      </p:sp>
-      <p:sp>
-        <p:nvSpPr>
-          <p:cNvPr id="2" name="Titre 1">
-            <a:extLst>
-              <a:ext uri="{FF2B5EF4-FFF2-40B4-BE49-F238E27FC236}">
-                <a16:creationId xmlns:a16="http://schemas.microsoft.com/office/drawing/2014/main" id="{0A7CF2E5-67FA-432A-A70B-898FC70DF88B}"/>
-              </a:ext>
-            </a:extLst>
-          </p:cNvPr>
-          <p:cNvSpPr>
-            <a:spLocks noGrp="1"/>
-          </p:cNvSpPr>
-          <p:nvPr>
-            <p:ph type="title"/>
-          </p:nvPr>
-        </p:nvSpPr>
-        <p:spPr>
-          <a:xfrm>
-            <a:off x="752858" y="4736961"/>
-            <a:ext cx="10720685" cy="936769"/>
-          </a:xfrm>
-        </p:spPr>
-        <p:txBody>
-          <a:bodyPr vert="horz" lIns="91440" tIns="45720" rIns="91440" bIns="45720" rtlCol="0" anchor="b">
-            <a:normAutofit/>
-          </a:bodyPr>
-          <a:lstStyle/>
-          <a:p>
-            <a:pPr algn="ctr"/>
-            <a:r>
-              <a:rPr lang="en-US" sz="4000" cap="all" dirty="0"/>
-              <a:t>4- </a:t>
-            </a:r>
-            <a:r>
-              <a:rPr lang="fr-FR" sz="4000" cap="all" dirty="0"/>
-              <a:t>i</a:t>
-            </a:r>
-            <a:r>
-              <a:rPr lang="fr-FR" sz="4000" dirty="0"/>
-              <a:t>nterface du jeu</a:t>
-            </a:r>
-            <a:endParaRPr lang="en-US" sz="4000" cap="all" dirty="0"/>
-          </a:p>
-        </p:txBody>
-      </p:sp>
-      <p:pic>
-        <p:nvPicPr>
-          <p:cNvPr id="5" name="Image 4">
-            <a:extLst>
-              <a:ext uri="{FF2B5EF4-FFF2-40B4-BE49-F238E27FC236}">
-                <a16:creationId xmlns:a16="http://schemas.microsoft.com/office/drawing/2014/main" id="{0B27B0C6-695F-48B6-AEFB-B53AA71D881F}"/>
-              </a:ext>
-            </a:extLst>
-          </p:cNvPr>
-          <p:cNvPicPr/>
-          <p:nvPr/>
-        </p:nvPicPr>
-        <p:blipFill rotWithShape="1">
-          <a:blip r:embed="rId2"/>
-          <a:srcRect l="1209" t="2718" r="945" b="1470"/>
-          <a:stretch/>
-        </p:blipFill>
-        <p:spPr bwMode="auto">
-          <a:xfrm>
-            <a:off x="6728533" y="369520"/>
-            <a:ext cx="4799282" cy="3839941"/>
-          </a:xfrm>
-          <a:prstGeom prst="rect">
-            <a:avLst/>
-          </a:prstGeom>
-          <a:solidFill>
-            <a:srgbClr val="FFFFFF">
-              <a:shade val="85000"/>
-            </a:srgbClr>
-          </a:solidFill>
-          <a:ln w="9525" cap="sq">
-            <a:solidFill>
-              <a:srgbClr val="FFFFFF"/>
-            </a:solidFill>
-            <a:miter lim="800000"/>
-          </a:ln>
-          <a:effectLst>
-            <a:outerShdw blurRad="55000" dist="18000" dir="5400000" algn="tl" rotWithShape="0">
-              <a:srgbClr val="000000">
-                <a:alpha val="40000"/>
-              </a:srgbClr>
-            </a:outerShdw>
-          </a:effectLst>
-          <a:scene3d>
-            <a:camera prst="orthographicFront"/>
-            <a:lightRig rig="twoPt" dir="t">
-              <a:rot lat="0" lon="0" rev="7200000"/>
-            </a:lightRig>
-          </a:scene3d>
-          <a:sp3d>
-            <a:bevelT w="25400" h="19050"/>
-            <a:contourClr>
-              <a:srgbClr val="FFFFFF"/>
-            </a:contourClr>
-          </a:sp3d>
-          <a:extLst>
-            <a:ext uri="{53640926-AAD7-44D8-BBD7-CCE9431645EC}">
-              <a14:shadowObscured xmlns:a14="http://schemas.microsoft.com/office/drawing/2010/main"/>
-            </a:ext>
-          </a:extLst>
-        </p:spPr>
-      </p:pic>
-      <p:pic>
-        <p:nvPicPr>
-          <p:cNvPr id="4" name="Image 3">
-            <a:extLst>
-              <a:ext uri="{FF2B5EF4-FFF2-40B4-BE49-F238E27FC236}">
-                <a16:creationId xmlns:a16="http://schemas.microsoft.com/office/drawing/2014/main" id="{04FDFED2-6998-4E7C-8C28-171BBB4CDAE9}"/>
-              </a:ext>
-            </a:extLst>
-          </p:cNvPr>
-          <p:cNvPicPr/>
-          <p:nvPr/>
-        </p:nvPicPr>
-        <p:blipFill rotWithShape="1">
-          <a:blip r:embed="rId3"/>
-          <a:srcRect l="721" t="756" r="1509" b="1845"/>
-          <a:stretch/>
-        </p:blipFill>
-        <p:spPr bwMode="auto">
-          <a:xfrm>
-            <a:off x="664187" y="366005"/>
-            <a:ext cx="4799282" cy="3839941"/>
-          </a:xfrm>
-          <a:prstGeom prst="rect">
-            <a:avLst/>
-          </a:prstGeom>
-          <a:solidFill>
-            <a:srgbClr val="FFFFFF">
-              <a:shade val="85000"/>
-            </a:srgbClr>
-          </a:solidFill>
-          <a:ln w="12700" cap="sq">
-            <a:solidFill>
-              <a:srgbClr val="FFFFFF"/>
-            </a:solidFill>
-            <a:miter lim="800000"/>
-          </a:ln>
-          <a:effectLst>
-            <a:outerShdw blurRad="55000" dist="18000" dir="5400000" algn="tl" rotWithShape="0">
-              <a:srgbClr val="000000">
-                <a:alpha val="40000"/>
-              </a:srgbClr>
-            </a:outerShdw>
-          </a:effectLst>
-          <a:scene3d>
-            <a:camera prst="orthographicFront"/>
-            <a:lightRig rig="twoPt" dir="t">
-              <a:rot lat="0" lon="0" rev="7200000"/>
-            </a:lightRig>
-          </a:scene3d>
-          <a:sp3d>
-            <a:bevelT w="25400" h="19050"/>
-            <a:contourClr>
-              <a:srgbClr val="FFFFFF"/>
-            </a:contourClr>
-          </a:sp3d>
-          <a:extLst>
-            <a:ext uri="{53640926-AAD7-44D8-BBD7-CCE9431645EC}">
-              <a14:shadowObscured xmlns:a14="http://schemas.microsoft.com/office/drawing/2010/main"/>
-            </a:ext>
-          </a:extLst>
-        </p:spPr>
-      </p:pic>
-      <p:sp>
-        <p:nvSpPr>
-          <p:cNvPr id="16" name="Freeform: Shape 15">
-            <a:extLst>
-              <a:ext uri="{FF2B5EF4-FFF2-40B4-BE49-F238E27FC236}">
-                <a16:creationId xmlns:a16="http://schemas.microsoft.com/office/drawing/2014/main" id="{0F30CCEB-94C4-4F72-BA5A-9CEA853022DA}"/>
-              </a:ext>
-              <a:ext uri="{C183D7F6-B498-43B3-948B-1728B52AA6E4}">
-                <adec:decorative xmlns:adec="http://schemas.microsoft.com/office/drawing/2017/decorative" val="1"/>
-              </a:ext>
-            </a:extLst>
-          </p:cNvPr>
-          <p:cNvSpPr>
-            <a:spLocks noGrp="1" noRot="1" noChangeAspect="1" noMove="1" noResize="1" noEditPoints="1" noAdjustHandles="1" noChangeArrowheads="1" noChangeShapeType="1" noTextEdit="1"/>
-          </p:cNvSpPr>
-          <p:nvPr>
-            <p:extLst>
-              <p:ext uri="{386F3935-93C4-4BCD-93E2-E3B085C9AB24}">
-                <p16:designElem xmlns:p16="http://schemas.microsoft.com/office/powerpoint/2015/main" val="1"/>
-              </p:ext>
-            </p:extLst>
-          </p:nvPr>
-        </p:nvSpPr>
-        <p:spPr bwMode="auto">
-          <a:xfrm flipH="1" flipV="1">
-            <a:off x="434936" y="4446551"/>
-            <a:ext cx="1957171" cy="1103687"/>
-          </a:xfrm>
-          <a:custGeom>
-            <a:avLst/>
-            <a:gdLst>
-              <a:gd name="connsiteX0" fmla="*/ 2017702 w 2017702"/>
-              <a:gd name="connsiteY0" fmla="*/ 1137821 h 1137821"/>
-              <a:gd name="connsiteX1" fmla="*/ 404 w 2017702"/>
-              <a:gd name="connsiteY1" fmla="*/ 1137821 h 1137821"/>
-              <a:gd name="connsiteX2" fmla="*/ 0 w 2017702"/>
-              <a:gd name="connsiteY2" fmla="*/ 900216 h 1137821"/>
-              <a:gd name="connsiteX3" fmla="*/ 1767759 w 2017702"/>
-              <a:gd name="connsiteY3" fmla="*/ 901031 h 1137821"/>
-              <a:gd name="connsiteX4" fmla="*/ 1767759 w 2017702"/>
-              <a:gd name="connsiteY4" fmla="*/ 0 h 1137821"/>
-              <a:gd name="connsiteX5" fmla="*/ 2017702 w 2017702"/>
-              <a:gd name="connsiteY5" fmla="*/ 0 h 1137821"/>
-            </a:gdLst>
-            <a:ahLst/>
-            <a:cxnLst>
-              <a:cxn ang="0">
-                <a:pos x="connsiteX0" y="connsiteY0"/>
-              </a:cxn>
-              <a:cxn ang="0">
-                <a:pos x="connsiteX1" y="connsiteY1"/>
-              </a:cxn>
-              <a:cxn ang="0">
-                <a:pos x="connsiteX2" y="connsiteY2"/>
-              </a:cxn>
-              <a:cxn ang="0">
-                <a:pos x="connsiteX3" y="connsiteY3"/>
-              </a:cxn>
-              <a:cxn ang="0">
-                <a:pos x="connsiteX4" y="connsiteY4"/>
-              </a:cxn>
-              <a:cxn ang="0">
-                <a:pos x="connsiteX5" y="connsiteY5"/>
-              </a:cxn>
-            </a:cxnLst>
-            <a:rect l="l" t="t" r="r" b="b"/>
-            <a:pathLst>
-              <a:path w="2017702" h="1137821">
-                <a:moveTo>
-                  <a:pt x="2017702" y="1137821"/>
-                </a:moveTo>
-                <a:lnTo>
-                  <a:pt x="404" y="1137821"/>
-                </a:lnTo>
-                <a:cubicBezTo>
-                  <a:pt x="-404" y="1055814"/>
-                  <a:pt x="807" y="982224"/>
-                  <a:pt x="0" y="900216"/>
-                </a:cubicBezTo>
-                <a:lnTo>
-                  <a:pt x="1767759" y="901031"/>
-                </a:lnTo>
-                <a:lnTo>
-                  <a:pt x="1767759" y="0"/>
-                </a:lnTo>
-                <a:lnTo>
-                  <a:pt x="2017702" y="0"/>
-                </a:lnTo>
-                <a:close/>
-              </a:path>
-            </a:pathLst>
-          </a:custGeom>
-          <a:solidFill>
-            <a:schemeClr val="tx2">
-              <a:alpha val="80000"/>
-            </a:schemeClr>
-          </a:solidFill>
-          <a:ln w="0">
-            <a:noFill/>
-            <a:prstDash val="solid"/>
-            <a:round/>
-            <a:headEnd/>
-            <a:tailEnd/>
-          </a:ln>
-        </p:spPr>
-      </p:sp>
-      <p:sp>
-        <p:nvSpPr>
-          <p:cNvPr id="18" name="Freeform: Shape 17">
-            <a:extLst>
-              <a:ext uri="{FF2B5EF4-FFF2-40B4-BE49-F238E27FC236}">
-                <a16:creationId xmlns:a16="http://schemas.microsoft.com/office/drawing/2014/main" id="{0DE1A94F-CC8B-4954-97A7-ADD4F300D647}"/>
-              </a:ext>
-              <a:ext uri="{C183D7F6-B498-43B3-948B-1728B52AA6E4}">
-                <adec:decorative xmlns:adec="http://schemas.microsoft.com/office/drawing/2017/decorative" val="1"/>
-              </a:ext>
-            </a:extLst>
-          </p:cNvPr>
-          <p:cNvSpPr>
-            <a:spLocks noGrp="1" noRot="1" noChangeAspect="1" noMove="1" noResize="1" noEditPoints="1" noAdjustHandles="1" noChangeArrowheads="1" noChangeShapeType="1" noTextEdit="1"/>
-          </p:cNvSpPr>
-          <p:nvPr>
-            <p:extLst>
-              <p:ext uri="{386F3935-93C4-4BCD-93E2-E3B085C9AB24}">
-                <p16:designElem xmlns:p16="http://schemas.microsoft.com/office/powerpoint/2015/main" val="1"/>
-              </p:ext>
-            </p:extLst>
-          </p:nvPr>
-        </p:nvSpPr>
-        <p:spPr bwMode="auto">
-          <a:xfrm>
-            <a:off x="9796837" y="5311230"/>
-            <a:ext cx="2042265" cy="1213486"/>
-          </a:xfrm>
-          <a:custGeom>
-            <a:avLst/>
-            <a:gdLst>
-              <a:gd name="connsiteX0" fmla="*/ 1844618 w 2105428"/>
-              <a:gd name="connsiteY0" fmla="*/ 0 h 1251016"/>
-              <a:gd name="connsiteX1" fmla="*/ 2105428 w 2105428"/>
-              <a:gd name="connsiteY1" fmla="*/ 0 h 1251016"/>
-              <a:gd name="connsiteX2" fmla="*/ 2105428 w 2105428"/>
-              <a:gd name="connsiteY2" fmla="*/ 1251016 h 1251016"/>
-              <a:gd name="connsiteX3" fmla="*/ 421 w 2105428"/>
-              <a:gd name="connsiteY3" fmla="*/ 1251016 h 1251016"/>
-              <a:gd name="connsiteX4" fmla="*/ 0 w 2105428"/>
-              <a:gd name="connsiteY4" fmla="*/ 1003081 h 1251016"/>
-              <a:gd name="connsiteX5" fmla="*/ 1844618 w 2105428"/>
-              <a:gd name="connsiteY5" fmla="*/ 1003931 h 1251016"/>
-            </a:gdLst>
-            <a:ahLst/>
-            <a:cxnLst>
-              <a:cxn ang="0">
-                <a:pos x="connsiteX0" y="connsiteY0"/>
-              </a:cxn>
-              <a:cxn ang="0">
-                <a:pos x="connsiteX1" y="connsiteY1"/>
-              </a:cxn>
-              <a:cxn ang="0">
-                <a:pos x="connsiteX2" y="connsiteY2"/>
-              </a:cxn>
-              <a:cxn ang="0">
-                <a:pos x="connsiteX3" y="connsiteY3"/>
-              </a:cxn>
-              <a:cxn ang="0">
-                <a:pos x="connsiteX4" y="connsiteY4"/>
-              </a:cxn>
-              <a:cxn ang="0">
-                <a:pos x="connsiteX5" y="connsiteY5"/>
-              </a:cxn>
-            </a:cxnLst>
-            <a:rect l="l" t="t" r="r" b="b"/>
-            <a:pathLst>
-              <a:path w="2105428" h="1251016">
-                <a:moveTo>
-                  <a:pt x="1844618" y="0"/>
-                </a:moveTo>
-                <a:lnTo>
-                  <a:pt x="2105428" y="0"/>
-                </a:lnTo>
-                <a:lnTo>
-                  <a:pt x="2105428" y="1251016"/>
-                </a:lnTo>
-                <a:lnTo>
-                  <a:pt x="421" y="1251016"/>
-                </a:lnTo>
-                <a:cubicBezTo>
-                  <a:pt x="-421" y="1165443"/>
-                  <a:pt x="842" y="1088654"/>
-                  <a:pt x="0" y="1003081"/>
-                </a:cubicBezTo>
-                <a:lnTo>
-                  <a:pt x="1844618" y="1003931"/>
-                </a:lnTo>
-                <a:close/>
-              </a:path>
-            </a:pathLst>
-          </a:custGeom>
-          <a:solidFill>
-            <a:schemeClr val="tx2">
-              <a:alpha val="80000"/>
-            </a:schemeClr>
-          </a:solidFill>
-          <a:ln w="0">
-            <a:noFill/>
-            <a:prstDash val="solid"/>
-            <a:round/>
-            <a:headEnd/>
-            <a:tailEnd/>
-          </a:ln>
-        </p:spPr>
-      </p:sp>
-    </p:spTree>
-    <p:extLst>
-      <p:ext uri="{BB962C8B-B14F-4D97-AF65-F5344CB8AC3E}">
-        <p14:creationId xmlns:p14="http://schemas.microsoft.com/office/powerpoint/2010/main" val="1994121183"/>
-      </p:ext>
-    </p:extLst>
-  </p:cSld>
-  <p:clrMapOvr>
-    <a:masterClrMapping/>
-  </p:clrMapOvr>
-  <mc:AlternateContent xmlns:mc="http://schemas.openxmlformats.org/markup-compatibility/2006">
-    <mc:Choice xmlns:p14="http://schemas.microsoft.com/office/powerpoint/2010/main" Requires="p14">
-      <p:transition spd="med" p14:dur="700">
-        <p:fade/>
-      </p:transition>
-    </mc:Choice>
-    <mc:Fallback>
-      <p:transition spd="med">
-        <p:fade/>
-      </p:transition>
-    </mc:Fallback>
-  </mc:AlternateContent>
-  <p:timing>
-    <p:tnLst>
-      <p:par>
-        <p:cTn id="1" dur="indefinite" restart="never" nodeType="tmRoot">
-          <p:childTnLst>
-            <p:seq concurrent="1" nextAc="seek">
-              <p:cTn id="2" dur="indefinite" nodeType="mainSeq">
-                <p:childTnLst>
-                  <p:par>
-                    <p:cTn id="3" fill="hold">
-                      <p:stCondLst>
-                        <p:cond delay="indefinite"/>
-                      </p:stCondLst>
-                      <p:childTnLst>
-                        <p:par>
-                          <p:cTn id="4" fill="hold">
-                            <p:stCondLst>
-                              <p:cond delay="0"/>
-                            </p:stCondLst>
-                            <p:childTnLst>
-                              <p:par>
-                                <p:cTn id="5" presetID="1" presetClass="entr" presetSubtype="0" fill="hold" nodeType="clickEffect">
-                                  <p:stCondLst>
-                                    <p:cond delay="0"/>
-                                  </p:stCondLst>
-                                  <p:childTnLst>
-                                    <p:set>
-                                      <p:cBhvr>
-                                        <p:cTn id="6" dur="1" fill="hold">
-                                          <p:stCondLst>
-                                            <p:cond delay="0"/>
-                                          </p:stCondLst>
-                                        </p:cTn>
-                                        <p:tgtEl>
-                                          <p:spTgt spid="4"/>
-                                        </p:tgtEl>
-                                        <p:attrNameLst>
-                                          <p:attrName>style.visibility</p:attrName>
-                                        </p:attrNameLst>
-                                      </p:cBhvr>
-                                      <p:to>
-                                        <p:strVal val="visible"/>
-                                      </p:to>
-                                    </p:set>
-                                  </p:childTnLst>
-                                </p:cTn>
-                              </p:par>
-                            </p:childTnLst>
-                          </p:cTn>
-                        </p:par>
-                      </p:childTnLst>
-                    </p:cTn>
-                  </p:par>
-                  <p:par>
-                    <p:cTn id="7" fill="hold">
-                      <p:stCondLst>
-                        <p:cond delay="indefinite"/>
-                      </p:stCondLst>
-                      <p:childTnLst>
-                        <p:par>
-                          <p:cTn id="8" fill="hold">
-                            <p:stCondLst>
-                              <p:cond delay="0"/>
-                            </p:stCondLst>
-                            <p:childTnLst>
-                              <p:par>
-                                <p:cTn id="9" presetID="1" presetClass="entr" presetSubtype="0" fill="hold" nodeType="clickEffect">
-                                  <p:stCondLst>
-                                    <p:cond delay="0"/>
-                                  </p:stCondLst>
-                                  <p:childTnLst>
-                                    <p:set>
-                                      <p:cBhvr>
-                                        <p:cTn id="10" dur="1" fill="hold">
-                                          <p:stCondLst>
-                                            <p:cond delay="0"/>
-                                          </p:stCondLst>
-                                        </p:cTn>
-                                        <p:tgtEl>
-                                          <p:spTgt spid="5"/>
-                                        </p:tgtEl>
-                                        <p:attrNameLst>
-                                          <p:attrName>style.visibility</p:attrName>
-                                        </p:attrNameLst>
-                                      </p:cBhvr>
-                                      <p:to>
-                                        <p:strVal val="visible"/>
-                                      </p:to>
-                                    </p:set>
-                                  </p:childTnLst>
-                                </p:cTn>
-                              </p:par>
-                            </p:childTnLst>
-                          </p:cTn>
-                        </p:par>
-                      </p:childTnLst>
-                    </p:cTn>
-                  </p:par>
-                </p:childTnLst>
-              </p:cTn>
-              <p:prevCondLst>
-                <p:cond evt="onPrev" delay="0">
-                  <p:tgtEl>
-                    <p:sldTgt/>
-                  </p:tgtEl>
-                </p:cond>
-              </p:prevCondLst>
-              <p:nextCondLst>
-                <p:cond evt="onNext" delay="0">
-                  <p:tgtEl>
-                    <p:sldTgt/>
-                  </p:tgtEl>
-                </p:cond>
-              </p:nextCondLst>
-            </p:seq>
-          </p:childTnLst>
-        </p:cTn>
-      </p:par>
-    </p:tnLst>
-  </p:timing>
-</p:sld>
-</file>
-
-<file path=ppt/slides/slide7.xml><?xml version="1.0" encoding="utf-8"?>
-<p:sld xmlns:a="http://schemas.openxmlformats.org/drawingml/2006/main" xmlns:r="http://schemas.openxmlformats.org/officeDocument/2006/relationships" xmlns:p="http://schemas.openxmlformats.org/presentationml/2006/main">
-  <p:cSld>
-    <p:spTree>
-      <p:nvGrpSpPr>
-        <p:cNvPr id="1" name=""/>
-        <p:cNvGrpSpPr/>
-        <p:nvPr/>
-      </p:nvGrpSpPr>
-      <p:grpSpPr>
-        <a:xfrm>
-          <a:off x="0" y="0"/>
-          <a:ext cx="0" cy="0"/>
-          <a:chOff x="0" y="0"/>
-          <a:chExt cx="0" cy="0"/>
-        </a:xfrm>
-      </p:grpSpPr>
-      <p:pic>
-        <p:nvPicPr>
-          <p:cNvPr id="4" name="Image 3">
-            <a:extLst>
-              <a:ext uri="{FF2B5EF4-FFF2-40B4-BE49-F238E27FC236}">
-                <a16:creationId xmlns:a16="http://schemas.microsoft.com/office/drawing/2014/main" id="{4096BDF5-3911-46C8-8D7A-5FD06C3BFE23}"/>
-              </a:ext>
-            </a:extLst>
-          </p:cNvPr>
-          <p:cNvPicPr/>
-          <p:nvPr/>
-        </p:nvPicPr>
-        <p:blipFill>
-          <a:blip r:embed="rId2"/>
-          <a:stretch>
-            <a:fillRect/>
-          </a:stretch>
-        </p:blipFill>
-        <p:spPr>
-          <a:xfrm>
-            <a:off x="971597" y="197878"/>
-            <a:ext cx="5346065" cy="4244340"/>
-          </a:xfrm>
-          <a:prstGeom prst="rect">
-            <a:avLst/>
-          </a:prstGeom>
-          <a:solidFill>
-            <a:srgbClr val="FFFFFF">
-              <a:shade val="85000"/>
-            </a:srgbClr>
-          </a:solidFill>
-          <a:ln w="88900" cap="sq">
-            <a:solidFill>
-              <a:srgbClr val="FFFFFF"/>
-            </a:solidFill>
-            <a:miter lim="800000"/>
-          </a:ln>
-          <a:effectLst>
-            <a:outerShdw blurRad="55000" dist="18000" dir="5400000" algn="tl" rotWithShape="0">
-              <a:srgbClr val="000000">
-                <a:alpha val="40000"/>
-              </a:srgbClr>
-            </a:outerShdw>
-          </a:effectLst>
-          <a:scene3d>
-            <a:camera prst="orthographicFront"/>
-            <a:lightRig rig="twoPt" dir="t">
-              <a:rot lat="0" lon="0" rev="7200000"/>
-            </a:lightRig>
-          </a:scene3d>
-          <a:sp3d>
-            <a:bevelT w="25400" h="19050"/>
-            <a:contourClr>
-              <a:srgbClr val="FFFFFF"/>
-            </a:contourClr>
-          </a:sp3d>
-        </p:spPr>
-      </p:pic>
-      <p:pic>
-        <p:nvPicPr>
-          <p:cNvPr id="5" name="Image 4">
-            <a:extLst>
-              <a:ext uri="{FF2B5EF4-FFF2-40B4-BE49-F238E27FC236}">
-                <a16:creationId xmlns:a16="http://schemas.microsoft.com/office/drawing/2014/main" id="{EA1F332A-F24C-4776-81A2-A6B873B93516}"/>
-              </a:ext>
-            </a:extLst>
-          </p:cNvPr>
-          <p:cNvPicPr/>
-          <p:nvPr/>
-        </p:nvPicPr>
-        <p:blipFill>
-          <a:blip r:embed="rId3"/>
-          <a:stretch>
-            <a:fillRect/>
-          </a:stretch>
-        </p:blipFill>
-        <p:spPr>
-          <a:xfrm>
-            <a:off x="6715935" y="2471502"/>
-            <a:ext cx="5238750" cy="4155440"/>
-          </a:xfrm>
-          <a:prstGeom prst="rect">
-            <a:avLst/>
-          </a:prstGeom>
-          <a:solidFill>
-            <a:srgbClr val="FFFFFF">
-              <a:shade val="85000"/>
-            </a:srgbClr>
-          </a:solidFill>
-          <a:ln w="88900" cap="sq">
-            <a:solidFill>
-              <a:srgbClr val="FFFFFF"/>
-            </a:solidFill>
-            <a:miter lim="800000"/>
-          </a:ln>
-          <a:effectLst>
-            <a:outerShdw blurRad="55000" dist="18000" dir="5400000" algn="tl" rotWithShape="0">
-              <a:srgbClr val="000000">
-                <a:alpha val="40000"/>
-              </a:srgbClr>
-            </a:outerShdw>
-          </a:effectLst>
-          <a:scene3d>
-            <a:camera prst="orthographicFront"/>
-            <a:lightRig rig="twoPt" dir="t">
-              <a:rot lat="0" lon="0" rev="7200000"/>
-            </a:lightRig>
-          </a:scene3d>
-          <a:sp3d>
-            <a:bevelT w="25400" h="19050"/>
-            <a:contourClr>
-              <a:srgbClr val="FFFFFF"/>
-            </a:contourClr>
-          </a:sp3d>
-        </p:spPr>
-      </p:pic>
-    </p:spTree>
-    <p:extLst>
-      <p:ext uri="{BB962C8B-B14F-4D97-AF65-F5344CB8AC3E}">
-        <p14:creationId xmlns:p14="http://schemas.microsoft.com/office/powerpoint/2010/main" val="1409767568"/>
-      </p:ext>
-    </p:extLst>
-  </p:cSld>
-  <p:clrMapOvr>
-    <a:masterClrMapping/>
-  </p:clrMapOvr>
-  <mc:AlternateContent xmlns:mc="http://schemas.openxmlformats.org/markup-compatibility/2006">
-    <mc:Choice xmlns:p159="http://schemas.microsoft.com/office/powerpoint/2015/09/main" Requires="p159">
-      <p:transition xmlns:p14="http://schemas.microsoft.com/office/powerpoint/2010/main" spd="slow" p14:dur="2000">
-        <p159:morph option="byObject"/>
-      </p:transition>
-    </mc:Choice>
-    <mc:Fallback>
-      <p:transition spd="slow">
-        <p:fade/>
-      </p:transition>
-    </mc:Fallback>
-  </mc:AlternateContent>
-  <p:timing>
-    <p:tnLst>
-      <p:par>
-        <p:cTn id="1" dur="indefinite" restart="never" nodeType="tmRoot">
-          <p:childTnLst>
-            <p:seq concurrent="1" nextAc="seek">
-              <p:cTn id="2" dur="indefinite" nodeType="mainSeq">
-                <p:childTnLst>
-                  <p:par>
-                    <p:cTn id="3" fill="hold">
-                      <p:stCondLst>
-                        <p:cond delay="indefinite"/>
-                      </p:stCondLst>
-                      <p:childTnLst>
-                        <p:par>
-                          <p:cTn id="4" fill="hold">
-                            <p:stCondLst>
-                              <p:cond delay="0"/>
-                            </p:stCondLst>
-                            <p:childTnLst>
-                              <p:par>
-                                <p:cTn id="5" presetID="1" presetClass="entr" presetSubtype="0" fill="hold" nodeType="clickEffect">
-                                  <p:stCondLst>
-                                    <p:cond delay="0"/>
-                                  </p:stCondLst>
-                                  <p:childTnLst>
-                                    <p:set>
-                                      <p:cBhvr>
-                                        <p:cTn id="6" dur="1" fill="hold">
-                                          <p:stCondLst>
-                                            <p:cond delay="0"/>
-                                          </p:stCondLst>
-                                        </p:cTn>
-                                        <p:tgtEl>
-                                          <p:spTgt spid="4"/>
-                                        </p:tgtEl>
-                                        <p:attrNameLst>
-                                          <p:attrName>style.visibility</p:attrName>
-                                        </p:attrNameLst>
-                                      </p:cBhvr>
-                                      <p:to>
-                                        <p:strVal val="visible"/>
-                                      </p:to>
-                                    </p:set>
-                                  </p:childTnLst>
-                                </p:cTn>
-                              </p:par>
-                            </p:childTnLst>
-                          </p:cTn>
-                        </p:par>
-                      </p:childTnLst>
-                    </p:cTn>
-                  </p:par>
-                  <p:par>
-                    <p:cTn id="7" fill="hold">
-                      <p:stCondLst>
-                        <p:cond delay="indefinite"/>
-                      </p:stCondLst>
-                      <p:childTnLst>
-                        <p:par>
-                          <p:cTn id="8" fill="hold">
-                            <p:stCondLst>
-                              <p:cond delay="0"/>
-                            </p:stCondLst>
-                            <p:childTnLst>
-                              <p:par>
-                                <p:cTn id="9" presetID="1" presetClass="entr" presetSubtype="0" fill="hold" nodeType="clickEffect">
-                                  <p:stCondLst>
-                                    <p:cond delay="0"/>
-                                  </p:stCondLst>
-                                  <p:childTnLst>
-                                    <p:set>
-                                      <p:cBhvr>
-                                        <p:cTn id="10" dur="1" fill="hold">
-                                          <p:stCondLst>
-                                            <p:cond delay="0"/>
-                                          </p:stCondLst>
-                                        </p:cTn>
-                                        <p:tgtEl>
-                                          <p:spTgt spid="5"/>
-                                        </p:tgtEl>
-                                        <p:attrNameLst>
-                                          <p:attrName>style.visibility</p:attrName>
-                                        </p:attrNameLst>
-                                      </p:cBhvr>
-                                      <p:to>
-                                        <p:strVal val="visible"/>
-                                      </p:to>
-                                    </p:set>
-                                  </p:childTnLst>
-                                </p:cTn>
-                              </p:par>
-                            </p:childTnLst>
-                          </p:cTn>
-                        </p:par>
-                      </p:childTnLst>
-                    </p:cTn>
-                  </p:par>
-                </p:childTnLst>
-              </p:cTn>
-              <p:prevCondLst>
-                <p:cond evt="onPrev" delay="0">
-                  <p:tgtEl>
-                    <p:sldTgt/>
-                  </p:tgtEl>
-                </p:cond>
-              </p:prevCondLst>
-              <p:nextCondLst>
-                <p:cond evt="onNext" delay="0">
-                  <p:tgtEl>
-                    <p:sldTgt/>
-                  </p:tgtEl>
-                </p:cond>
-              </p:nextCondLst>
-            </p:seq>
-          </p:childTnLst>
-        </p:cTn>
-      </p:par>
-    </p:tnLst>
-  </p:timing>
-</p:sld>
-</file>
-
-<file path=ppt/slides/slide8.xml><?xml version="1.0" encoding="utf-8"?>
-<p:sld xmlns:a="http://schemas.openxmlformats.org/drawingml/2006/main" xmlns:r="http://schemas.openxmlformats.org/officeDocument/2006/relationships" xmlns:p="http://schemas.openxmlformats.org/presentationml/2006/main">
-  <p:cSld>
-    <p:spTree>
-      <p:nvGrpSpPr>
-        <p:cNvPr id="1" name=""/>
-        <p:cNvGrpSpPr/>
-        <p:nvPr/>
-      </p:nvGrpSpPr>
-      <p:grpSpPr>
-        <a:xfrm>
-          <a:off x="0" y="0"/>
-          <a:ext cx="0" cy="0"/>
-          <a:chOff x="0" y="0"/>
-          <a:chExt cx="0" cy="0"/>
-        </a:xfrm>
-      </p:grpSpPr>
-      <p:pic>
-        <p:nvPicPr>
-          <p:cNvPr id="4" name="Image 3">
-            <a:extLst>
-              <a:ext uri="{FF2B5EF4-FFF2-40B4-BE49-F238E27FC236}">
-                <a16:creationId xmlns:a16="http://schemas.microsoft.com/office/drawing/2014/main" id="{7726E168-E381-4359-A507-0AEC80012565}"/>
-              </a:ext>
-            </a:extLst>
-          </p:cNvPr>
-          <p:cNvPicPr/>
-          <p:nvPr/>
-        </p:nvPicPr>
-        <p:blipFill rotWithShape="1">
-          <a:blip r:embed="rId2"/>
-          <a:srcRect l="1096" t="1641" r="1304" b="2252"/>
-          <a:stretch/>
-        </p:blipFill>
-        <p:spPr bwMode="auto">
-          <a:xfrm>
-            <a:off x="1139474" y="223533"/>
-            <a:ext cx="5185410" cy="4095750"/>
-          </a:xfrm>
-          <a:prstGeom prst="rect">
-            <a:avLst/>
-          </a:prstGeom>
-          <a:solidFill>
-            <a:srgbClr val="FFFFFF">
-              <a:shade val="85000"/>
-            </a:srgbClr>
-          </a:solidFill>
-          <a:ln w="88900" cap="sq">
-            <a:solidFill>
-              <a:srgbClr val="FFFFFF"/>
-            </a:solidFill>
-            <a:miter lim="800000"/>
-          </a:ln>
-          <a:effectLst>
-            <a:outerShdw blurRad="55000" dist="18000" dir="5400000" algn="tl" rotWithShape="0">
-              <a:srgbClr val="000000">
-                <a:alpha val="40000"/>
-              </a:srgbClr>
-            </a:outerShdw>
-          </a:effectLst>
-          <a:scene3d>
-            <a:camera prst="orthographicFront"/>
-            <a:lightRig rig="twoPt" dir="t">
-              <a:rot lat="0" lon="0" rev="7200000"/>
-            </a:lightRig>
-          </a:scene3d>
-          <a:sp3d>
-            <a:bevelT w="25400" h="19050"/>
-            <a:contourClr>
-              <a:srgbClr val="FFFFFF"/>
-            </a:contourClr>
-          </a:sp3d>
-          <a:extLst>
-            <a:ext uri="{53640926-AAD7-44D8-BBD7-CCE9431645EC}">
-              <a14:shadowObscured xmlns:a14="http://schemas.microsoft.com/office/drawing/2010/main"/>
-            </a:ext>
-          </a:extLst>
-        </p:spPr>
-      </p:pic>
-      <p:pic>
-        <p:nvPicPr>
-          <p:cNvPr id="5" name="Image 4">
-            <a:extLst>
-              <a:ext uri="{FF2B5EF4-FFF2-40B4-BE49-F238E27FC236}">
-                <a16:creationId xmlns:a16="http://schemas.microsoft.com/office/drawing/2014/main" id="{1F85C3C3-AE41-489C-8F2D-001F99590787}"/>
-              </a:ext>
-            </a:extLst>
-          </p:cNvPr>
-          <p:cNvPicPr/>
-          <p:nvPr/>
-        </p:nvPicPr>
-        <p:blipFill rotWithShape="1">
-          <a:blip r:embed="rId3"/>
-          <a:srcRect l="874" t="2053" r="1656" b="1691"/>
-          <a:stretch/>
-        </p:blipFill>
-        <p:spPr bwMode="auto">
-          <a:xfrm>
-            <a:off x="6661609" y="2521483"/>
-            <a:ext cx="5191760" cy="4091305"/>
-          </a:xfrm>
-          <a:prstGeom prst="rect">
-            <a:avLst/>
-          </a:prstGeom>
-          <a:solidFill>
-            <a:srgbClr val="FFFFFF">
-              <a:shade val="85000"/>
-            </a:srgbClr>
-          </a:solidFill>
-          <a:ln w="88900" cap="sq">
-            <a:solidFill>
-              <a:srgbClr val="FFFFFF"/>
-            </a:solidFill>
-            <a:miter lim="800000"/>
-          </a:ln>
-          <a:effectLst>
-            <a:outerShdw blurRad="55000" dist="18000" dir="5400000" algn="tl" rotWithShape="0">
-              <a:srgbClr val="000000">
-                <a:alpha val="40000"/>
-              </a:srgbClr>
-            </a:outerShdw>
-          </a:effectLst>
-          <a:scene3d>
-            <a:camera prst="orthographicFront"/>
-            <a:lightRig rig="twoPt" dir="t">
-              <a:rot lat="0" lon="0" rev="7200000"/>
-            </a:lightRig>
-          </a:scene3d>
-          <a:sp3d>
-            <a:bevelT w="25400" h="19050"/>
-            <a:contourClr>
-              <a:srgbClr val="FFFFFF"/>
-            </a:contourClr>
-          </a:sp3d>
-          <a:extLst>
-            <a:ext uri="{53640926-AAD7-44D8-BBD7-CCE9431645EC}">
-              <a14:shadowObscured xmlns:a14="http://schemas.microsoft.com/office/drawing/2010/main"/>
-            </a:ext>
-          </a:extLst>
-        </p:spPr>
-      </p:pic>
-    </p:spTree>
-    <p:extLst>
-      <p:ext uri="{BB962C8B-B14F-4D97-AF65-F5344CB8AC3E}">
-        <p14:creationId xmlns:p14="http://schemas.microsoft.com/office/powerpoint/2010/main" val="3481922940"/>
-      </p:ext>
-    </p:extLst>
-  </p:cSld>
-  <p:clrMapOvr>
-    <a:masterClrMapping/>
-  </p:clrMapOvr>
-  <mc:AlternateContent xmlns:mc="http://schemas.openxmlformats.org/markup-compatibility/2006">
-    <mc:Choice xmlns:p159="http://schemas.microsoft.com/office/powerpoint/2015/09/main" Requires="p159">
-      <p:transition xmlns:p14="http://schemas.microsoft.com/office/powerpoint/2010/main" spd="slow" p14:dur="2000">
-        <p159:morph option="byObject"/>
-      </p:transition>
-    </mc:Choice>
-    <mc:Fallback>
-      <p:transition spd="slow">
-        <p:fade/>
-      </p:transition>
-    </mc:Fallback>
-  </mc:AlternateContent>
-  <p:timing>
-    <p:tnLst>
-      <p:par>
-        <p:cTn id="1" dur="indefinite" restart="never" nodeType="tmRoot">
-          <p:childTnLst>
-            <p:seq concurrent="1" nextAc="seek">
-              <p:cTn id="2" dur="indefinite" nodeType="mainSeq">
-                <p:childTnLst>
-                  <p:par>
-                    <p:cTn id="3" fill="hold">
-                      <p:stCondLst>
-                        <p:cond delay="indefinite"/>
-                      </p:stCondLst>
-                      <p:childTnLst>
-                        <p:par>
-                          <p:cTn id="4" fill="hold">
-                            <p:stCondLst>
-                              <p:cond delay="0"/>
-                            </p:stCondLst>
-                            <p:childTnLst>
-                              <p:par>
-                                <p:cTn id="5" presetID="1" presetClass="entr" presetSubtype="0" fill="hold" nodeType="clickEffect">
-                                  <p:stCondLst>
-                                    <p:cond delay="0"/>
-                                  </p:stCondLst>
-                                  <p:childTnLst>
-                                    <p:set>
-                                      <p:cBhvr>
-                                        <p:cTn id="6" dur="1" fill="hold">
-                                          <p:stCondLst>
-                                            <p:cond delay="0"/>
-                                          </p:stCondLst>
-                                        </p:cTn>
-                                        <p:tgtEl>
-                                          <p:spTgt spid="4"/>
-                                        </p:tgtEl>
-                                        <p:attrNameLst>
-                                          <p:attrName>style.visibility</p:attrName>
-                                        </p:attrNameLst>
-                                      </p:cBhvr>
-                                      <p:to>
-                                        <p:strVal val="visible"/>
-                                      </p:to>
-                                    </p:set>
-                                  </p:childTnLst>
-                                </p:cTn>
-                              </p:par>
-                            </p:childTnLst>
-                          </p:cTn>
-                        </p:par>
-                      </p:childTnLst>
-                    </p:cTn>
-                  </p:par>
-                  <p:par>
-                    <p:cTn id="7" fill="hold">
-                      <p:stCondLst>
-                        <p:cond delay="indefinite"/>
-                      </p:stCondLst>
-                      <p:childTnLst>
-                        <p:par>
-                          <p:cTn id="8" fill="hold">
-                            <p:stCondLst>
-                              <p:cond delay="0"/>
-                            </p:stCondLst>
-                            <p:childTnLst>
-                              <p:par>
-                                <p:cTn id="9" presetID="1" presetClass="entr" presetSubtype="0" fill="hold" nodeType="clickEffect">
-                                  <p:stCondLst>
-                                    <p:cond delay="0"/>
-                                  </p:stCondLst>
-                                  <p:childTnLst>
-                                    <p:set>
-                                      <p:cBhvr>
-                                        <p:cTn id="10" dur="1" fill="hold">
-                                          <p:stCondLst>
-                                            <p:cond delay="0"/>
-                                          </p:stCondLst>
-                                        </p:cTn>
-                                        <p:tgtEl>
-                                          <p:spTgt spid="5"/>
-                                        </p:tgtEl>
-                                        <p:attrNameLst>
-                                          <p:attrName>style.visibility</p:attrName>
-                                        </p:attrNameLst>
-                                      </p:cBhvr>
-                                      <p:to>
-                                        <p:strVal val="visible"/>
-                                      </p:to>
-                                    </p:set>
-                                  </p:childTnLst>
-                                </p:cTn>
-                              </p:par>
-                            </p:childTnLst>
-                          </p:cTn>
-                        </p:par>
-                      </p:childTnLst>
-                    </p:cTn>
-                  </p:par>
-                </p:childTnLst>
-              </p:cTn>
-              <p:prevCondLst>
-                <p:cond evt="onPrev" delay="0">
-                  <p:tgtEl>
-                    <p:sldTgt/>
-                  </p:tgtEl>
-                </p:cond>
-              </p:prevCondLst>
-              <p:nextCondLst>
-                <p:cond evt="onNext" delay="0">
-                  <p:tgtEl>
-                    <p:sldTgt/>
-                  </p:tgtEl>
-                </p:cond>
-              </p:nextCondLst>
-            </p:seq>
-          </p:childTnLst>
-        </p:cTn>
-      </p:par>
-    </p:tnLst>
-  </p:timing>
-</p:sld>
-</file>
-
-<file path=ppt/slides/slide9.xml><?xml version="1.0" encoding="utf-8"?>
 <p:sld xmlns:a="http://schemas.openxmlformats.org/drawingml/2006/main" xmlns:r="http://schemas.openxmlformats.org/officeDocument/2006/relationships" xmlns:p="http://schemas.openxmlformats.org/presentationml/2006/main">
   <p:cSld>
     <p:spTree>
@@ -11778,9 +8466,10 @@
           <a:lstStyle/>
           <a:p>
             <a:r>
-              <a:rPr lang="fr-FR" dirty="0"/>
-              <a:t>5- Rétrospective</a:t>
+              <a:rPr lang="fr-FR" dirty="0" smtClean="0"/>
+              <a:t>5 	Rétrospective</a:t>
             </a:r>
+            <a:endParaRPr lang="fr-FR" dirty="0"/>
           </a:p>
         </p:txBody>
       </p:sp>
@@ -12263,13 +8952,13 @@
   <p:clrMapOvr>
     <a:masterClrMapping/>
   </p:clrMapOvr>
-  <mc:AlternateContent xmlns:mc="http://schemas.openxmlformats.org/markup-compatibility/2006">
-    <mc:Choice xmlns:p159="http://schemas.microsoft.com/office/powerpoint/2015/09/main" Requires="p159">
+  <mc:AlternateContent xmlns:mc="http://schemas.openxmlformats.org/markup-compatibility/2006" xmlns:p159="http://schemas.microsoft.com/office/powerpoint/2015/09/main">
+    <mc:Choice Requires="p159">
       <p:transition xmlns:p14="http://schemas.microsoft.com/office/powerpoint/2010/main" spd="slow" p14:dur="2000">
         <p159:morph option="byObject"/>
       </p:transition>
     </mc:Choice>
-    <mc:Fallback>
+    <mc:Fallback xmlns="">
       <p:transition spd="slow">
         <p:fade/>
       </p:transition>
@@ -12561,6 +9250,3619 @@
 </p:sld>
 </file>
 
+<file path=ppt/slides/slide11.xml><?xml version="1.0" encoding="utf-8"?>
+<p:sld xmlns:a="http://schemas.openxmlformats.org/drawingml/2006/main" xmlns:r="http://schemas.openxmlformats.org/officeDocument/2006/relationships" xmlns:p="http://schemas.openxmlformats.org/presentationml/2006/main">
+  <p:cSld>
+    <p:bg>
+      <p:bgPr>
+        <a:pattFill prst="lgGrid">
+          <a:fgClr>
+            <a:schemeClr val="bg2"/>
+          </a:fgClr>
+          <a:bgClr>
+            <a:schemeClr val="bg1"/>
+          </a:bgClr>
+        </a:pattFill>
+        <a:effectLst/>
+      </p:bgPr>
+    </p:bg>
+    <p:spTree>
+      <p:nvGrpSpPr>
+        <p:cNvPr id="1" name=""/>
+        <p:cNvGrpSpPr/>
+        <p:nvPr/>
+      </p:nvGrpSpPr>
+      <p:grpSpPr>
+        <a:xfrm>
+          <a:off x="0" y="0"/>
+          <a:ext cx="0" cy="0"/>
+          <a:chOff x="0" y="0"/>
+          <a:chExt cx="0" cy="0"/>
+        </a:xfrm>
+      </p:grpSpPr>
+      <p:grpSp>
+        <p:nvGrpSpPr>
+          <p:cNvPr id="135" name="Group 134">
+            <a:extLst>
+              <a:ext uri="{FF2B5EF4-FFF2-40B4-BE49-F238E27FC236}">
+                <a16:creationId xmlns:a16="http://schemas.microsoft.com/office/drawing/2014/main" id="{449BC34D-9C23-4D6D-8213-1F471AF85B3F}"/>
+              </a:ext>
+              <a:ext uri="{C183D7F6-B498-43B3-948B-1728B52AA6E4}">
+                <adec:decorative xmlns="" xmlns:adec="http://schemas.microsoft.com/office/drawing/2017/decorative" val="1"/>
+              </a:ext>
+            </a:extLst>
+          </p:cNvPr>
+          <p:cNvGrpSpPr>
+            <a:grpSpLocks noGrp="1" noUngrp="1" noRot="1" noChangeAspect="1" noMove="1" noResize="1"/>
+          </p:cNvGrpSpPr>
+          <p:nvPr>
+            <p:extLst>
+              <p:ext uri="{386F3935-93C4-4BCD-93E2-E3B085C9AB24}">
+                <p16:designElem xmlns:p16="http://schemas.microsoft.com/office/powerpoint/2015/main" val="1"/>
+              </p:ext>
+            </p:extLst>
+          </p:nvPr>
+        </p:nvGrpSpPr>
+        <p:grpSpPr>
+          <a:xfrm>
+            <a:off x="752858" y="744469"/>
+            <a:ext cx="10674117" cy="5349671"/>
+            <a:chOff x="752858" y="744469"/>
+            <a:chExt cx="10674117" cy="5349671"/>
+          </a:xfrm>
+        </p:grpSpPr>
+        <p:sp>
+          <p:nvSpPr>
+            <p:cNvPr id="136" name="Freeform 6">
+              <a:extLst>
+                <a:ext uri="{FF2B5EF4-FFF2-40B4-BE49-F238E27FC236}">
+                  <a16:creationId xmlns:a16="http://schemas.microsoft.com/office/drawing/2014/main" id="{FA0F5D6C-5025-4D7E-82DD-C2C6FDA1E759}"/>
+                </a:ext>
+                <a:ext uri="{C183D7F6-B498-43B3-948B-1728B52AA6E4}">
+                  <adec:decorative xmlns="" xmlns:adec="http://schemas.microsoft.com/office/drawing/2017/decorative" val="1"/>
+                </a:ext>
+              </a:extLst>
+            </p:cNvPr>
+            <p:cNvSpPr/>
+            <p:nvPr>
+              <p:extLst>
+                <p:ext uri="{386F3935-93C4-4BCD-93E2-E3B085C9AB24}">
+                  <p16:designElem xmlns:p16="http://schemas.microsoft.com/office/powerpoint/2015/main" val="1"/>
+                </p:ext>
+              </p:extLst>
+            </p:nvPr>
+          </p:nvSpPr>
+          <p:spPr bwMode="auto">
+            <a:xfrm>
+              <a:off x="8151962" y="1685652"/>
+              <a:ext cx="3275013" cy="4408488"/>
+            </a:xfrm>
+            <a:custGeom>
+              <a:avLst/>
+              <a:gdLst/>
+              <a:ahLst/>
+              <a:cxnLst/>
+              <a:rect l="l" t="t" r="r" b="b"/>
+              <a:pathLst>
+                <a:path w="10000" h="10000">
+                  <a:moveTo>
+                    <a:pt x="8761" y="0"/>
+                  </a:moveTo>
+                  <a:lnTo>
+                    <a:pt x="10000" y="0"/>
+                  </a:lnTo>
+                  <a:lnTo>
+                    <a:pt x="10000" y="10000"/>
+                  </a:lnTo>
+                  <a:lnTo>
+                    <a:pt x="0" y="10000"/>
+                  </a:lnTo>
+                  <a:lnTo>
+                    <a:pt x="0" y="9126"/>
+                  </a:lnTo>
+                  <a:lnTo>
+                    <a:pt x="8761" y="9127"/>
+                  </a:lnTo>
+                  <a:lnTo>
+                    <a:pt x="8761" y="0"/>
+                  </a:lnTo>
+                  <a:close/>
+                </a:path>
+              </a:pathLst>
+            </a:custGeom>
+            <a:solidFill>
+              <a:schemeClr val="tx2"/>
+            </a:solidFill>
+            <a:ln w="0">
+              <a:noFill/>
+              <a:prstDash val="solid"/>
+              <a:round/>
+              <a:headEnd/>
+              <a:tailEnd/>
+            </a:ln>
+          </p:spPr>
+        </p:sp>
+        <p:sp>
+          <p:nvSpPr>
+            <p:cNvPr id="137" name="Freeform 6">
+              <a:extLst>
+                <a:ext uri="{FF2B5EF4-FFF2-40B4-BE49-F238E27FC236}">
+                  <a16:creationId xmlns:a16="http://schemas.microsoft.com/office/drawing/2014/main" id="{E2AF2C17-4AB4-4402-B84B-129EF95D161C}"/>
+                </a:ext>
+                <a:ext uri="{C183D7F6-B498-43B3-948B-1728B52AA6E4}">
+                  <adec:decorative xmlns="" xmlns:adec="http://schemas.microsoft.com/office/drawing/2017/decorative" val="1"/>
+                </a:ext>
+              </a:extLst>
+            </p:cNvPr>
+            <p:cNvSpPr/>
+            <p:nvPr>
+              <p:extLst>
+                <p:ext uri="{386F3935-93C4-4BCD-93E2-E3B085C9AB24}">
+                  <p16:designElem xmlns:p16="http://schemas.microsoft.com/office/powerpoint/2015/main" val="1"/>
+                </p:ext>
+              </p:extLst>
+            </p:nvPr>
+          </p:nvSpPr>
+          <p:spPr bwMode="auto">
+            <a:xfrm flipH="1" flipV="1">
+              <a:off x="752858" y="744469"/>
+              <a:ext cx="3275668" cy="4408488"/>
+            </a:xfrm>
+            <a:custGeom>
+              <a:avLst/>
+              <a:gdLst/>
+              <a:ahLst/>
+              <a:cxnLst/>
+              <a:rect l="l" t="t" r="r" b="b"/>
+              <a:pathLst>
+                <a:path w="10002" h="10000">
+                  <a:moveTo>
+                    <a:pt x="8763" y="0"/>
+                  </a:moveTo>
+                  <a:lnTo>
+                    <a:pt x="10002" y="0"/>
+                  </a:lnTo>
+                  <a:lnTo>
+                    <a:pt x="10002" y="10000"/>
+                  </a:lnTo>
+                  <a:lnTo>
+                    <a:pt x="2" y="10000"/>
+                  </a:lnTo>
+                  <a:cubicBezTo>
+                    <a:pt x="-2" y="9698"/>
+                    <a:pt x="4" y="9427"/>
+                    <a:pt x="0" y="9125"/>
+                  </a:cubicBezTo>
+                  <a:lnTo>
+                    <a:pt x="8763" y="9128"/>
+                  </a:lnTo>
+                  <a:lnTo>
+                    <a:pt x="8763" y="0"/>
+                  </a:lnTo>
+                  <a:close/>
+                </a:path>
+              </a:pathLst>
+            </a:custGeom>
+            <a:solidFill>
+              <a:schemeClr val="tx2"/>
+            </a:solidFill>
+            <a:ln w="0">
+              <a:noFill/>
+              <a:prstDash val="solid"/>
+              <a:round/>
+              <a:headEnd/>
+              <a:tailEnd/>
+            </a:ln>
+          </p:spPr>
+        </p:sp>
+      </p:grpSp>
+      <p:sp useBgFill="1">
+        <p:nvSpPr>
+          <p:cNvPr id="139" name="Rectangle 138">
+            <a:extLst>
+              <a:ext uri="{FF2B5EF4-FFF2-40B4-BE49-F238E27FC236}">
+                <a16:creationId xmlns:a16="http://schemas.microsoft.com/office/drawing/2014/main" id="{5D213B41-AC9B-4E61-BEED-FF4C168A8942}"/>
+              </a:ext>
+              <a:ext uri="{C183D7F6-B498-43B3-948B-1728B52AA6E4}">
+                <adec:decorative xmlns="" xmlns:adec="http://schemas.microsoft.com/office/drawing/2017/decorative" val="1"/>
+              </a:ext>
+            </a:extLst>
+          </p:cNvPr>
+          <p:cNvSpPr>
+            <a:spLocks noGrp="1" noRot="1" noChangeAspect="1" noMove="1" noResize="1" noEditPoints="1" noAdjustHandles="1" noChangeArrowheads="1" noChangeShapeType="1" noTextEdit="1"/>
+          </p:cNvSpPr>
+          <p:nvPr>
+            <p:extLst>
+              <p:ext uri="{386F3935-93C4-4BCD-93E2-E3B085C9AB24}">
+                <p16:designElem xmlns:p16="http://schemas.microsoft.com/office/powerpoint/2015/main" val="1"/>
+              </p:ext>
+            </p:extLst>
+          </p:nvPr>
+        </p:nvSpPr>
+        <p:spPr>
+          <a:xfrm>
+            <a:off x="0" y="0"/>
+            <a:ext cx="12192000" cy="6858000"/>
+          </a:xfrm>
+          <a:prstGeom prst="rect">
+            <a:avLst/>
+          </a:prstGeom>
+          <a:ln>
+            <a:noFill/>
+          </a:ln>
+        </p:spPr>
+        <p:style>
+          <a:lnRef idx="2">
+            <a:schemeClr val="accent1">
+              <a:shade val="50000"/>
+            </a:schemeClr>
+          </a:lnRef>
+          <a:fillRef idx="1001">
+            <a:schemeClr val="lt2"/>
+          </a:fillRef>
+          <a:effectRef idx="0">
+            <a:schemeClr val="accent1"/>
+          </a:effectRef>
+          <a:fontRef idx="minor">
+            <a:schemeClr val="lt1"/>
+          </a:fontRef>
+        </p:style>
+        <p:txBody>
+          <a:bodyPr rtlCol="0" anchor="ctr"/>
+          <a:lstStyle/>
+          <a:p>
+            <a:pPr algn="ctr"/>
+            <a:endParaRPr lang="en-US"/>
+          </a:p>
+        </p:txBody>
+      </p:sp>
+      <p:sp>
+        <p:nvSpPr>
+          <p:cNvPr id="2" name="Titre 1">
+            <a:extLst>
+              <a:ext uri="{FF2B5EF4-FFF2-40B4-BE49-F238E27FC236}">
+                <a16:creationId xmlns:a16="http://schemas.microsoft.com/office/drawing/2014/main" id="{4327ED72-BF1F-4270-AF75-027B4AE52640}"/>
+              </a:ext>
+            </a:extLst>
+          </p:cNvPr>
+          <p:cNvSpPr>
+            <a:spLocks noGrp="1"/>
+          </p:cNvSpPr>
+          <p:nvPr>
+            <p:ph type="title"/>
+          </p:nvPr>
+        </p:nvSpPr>
+        <p:spPr>
+          <a:xfrm>
+            <a:off x="661125" y="678443"/>
+            <a:ext cx="10869750" cy="1237298"/>
+          </a:xfrm>
+        </p:spPr>
+        <p:txBody>
+          <a:bodyPr vert="horz" lIns="91440" tIns="45720" rIns="91440" bIns="45720" rtlCol="0" anchor="b">
+            <a:normAutofit/>
+          </a:bodyPr>
+          <a:lstStyle/>
+          <a:p>
+            <a:pPr algn="ctr"/>
+            <a:r>
+              <a:rPr lang="en-US" sz="6600" cap="all" dirty="0" smtClean="0"/>
+              <a:t>6 	</a:t>
+            </a:r>
+            <a:r>
+              <a:rPr lang="en-US" sz="6600" cap="all" dirty="0" err="1" smtClean="0"/>
+              <a:t>Démonstration</a:t>
+            </a:r>
+            <a:endParaRPr lang="en-US" sz="6600" cap="all" dirty="0"/>
+          </a:p>
+        </p:txBody>
+      </p:sp>
+      <p:sp>
+        <p:nvSpPr>
+          <p:cNvPr id="141" name="Freeform 6">
+            <a:extLst>
+              <a:ext uri="{FF2B5EF4-FFF2-40B4-BE49-F238E27FC236}">
+                <a16:creationId xmlns:a16="http://schemas.microsoft.com/office/drawing/2014/main" id="{628FBD9F-3B86-4C98-8F77-383320737739}"/>
+              </a:ext>
+              <a:ext uri="{C183D7F6-B498-43B3-948B-1728B52AA6E4}">
+                <adec:decorative xmlns="" xmlns:adec="http://schemas.microsoft.com/office/drawing/2017/decorative" val="1"/>
+              </a:ext>
+            </a:extLst>
+          </p:cNvPr>
+          <p:cNvSpPr>
+            <a:spLocks noGrp="1" noRot="1" noChangeAspect="1" noMove="1" noResize="1" noEditPoints="1" noAdjustHandles="1" noChangeArrowheads="1" noChangeShapeType="1" noTextEdit="1"/>
+          </p:cNvSpPr>
+          <p:nvPr>
+            <p:extLst>
+              <p:ext uri="{386F3935-93C4-4BCD-93E2-E3B085C9AB24}">
+                <p16:designElem xmlns:p16="http://schemas.microsoft.com/office/powerpoint/2015/main" val="1"/>
+              </p:ext>
+            </p:extLst>
+          </p:nvPr>
+        </p:nvSpPr>
+        <p:spPr bwMode="auto">
+          <a:xfrm rot="5400000" flipV="1">
+            <a:off x="8154184" y="2884231"/>
+            <a:ext cx="3005889" cy="4046220"/>
+          </a:xfrm>
+          <a:custGeom>
+            <a:avLst/>
+            <a:gdLst/>
+            <a:ahLst/>
+            <a:cxnLst/>
+            <a:rect l="l" t="t" r="r" b="b"/>
+            <a:pathLst>
+              <a:path w="10000" h="10000">
+                <a:moveTo>
+                  <a:pt x="8761" y="0"/>
+                </a:moveTo>
+                <a:lnTo>
+                  <a:pt x="10000" y="0"/>
+                </a:lnTo>
+                <a:lnTo>
+                  <a:pt x="10000" y="10000"/>
+                </a:lnTo>
+                <a:lnTo>
+                  <a:pt x="0" y="10000"/>
+                </a:lnTo>
+                <a:lnTo>
+                  <a:pt x="0" y="9126"/>
+                </a:lnTo>
+                <a:lnTo>
+                  <a:pt x="8761" y="9127"/>
+                </a:lnTo>
+                <a:lnTo>
+                  <a:pt x="8761" y="0"/>
+                </a:lnTo>
+                <a:close/>
+              </a:path>
+            </a:pathLst>
+          </a:custGeom>
+          <a:solidFill>
+            <a:schemeClr val="tx2">
+              <a:alpha val="90000"/>
+            </a:schemeClr>
+          </a:solidFill>
+          <a:ln w="0">
+            <a:noFill/>
+            <a:prstDash val="solid"/>
+            <a:round/>
+            <a:headEnd/>
+            <a:tailEnd/>
+          </a:ln>
+        </p:spPr>
+        <p:txBody>
+          <a:bodyPr/>
+          <a:lstStyle/>
+          <a:p>
+            <a:endParaRPr lang="en-US" dirty="0"/>
+          </a:p>
+        </p:txBody>
+      </p:sp>
+      <p:pic>
+        <p:nvPicPr>
+          <p:cNvPr id="1026" name="Picture 2" descr="Image associée">
+            <a:extLst>
+              <a:ext uri="{FF2B5EF4-FFF2-40B4-BE49-F238E27FC236}">
+                <a16:creationId xmlns:a16="http://schemas.microsoft.com/office/drawing/2014/main" id="{756B6B09-BEAD-41BF-810D-758B73777CB2}"/>
+              </a:ext>
+            </a:extLst>
+          </p:cNvPr>
+          <p:cNvPicPr>
+            <a:picLocks noGrp="1" noChangeAspect="1" noChangeArrowheads="1" noCrop="1"/>
+          </p:cNvPicPr>
+          <p:nvPr>
+            <p:ph idx="1"/>
+          </p:nvPr>
+        </p:nvPicPr>
+        <p:blipFill>
+          <a:blip r:embed="rId2">
+            <a:extLst>
+              <a:ext uri="{28A0092B-C50C-407E-A947-70E740481C1C}">
+                <a14:useLocalDpi xmlns:a14="http://schemas.microsoft.com/office/drawing/2010/main" val="0"/>
+              </a:ext>
+            </a:extLst>
+          </a:blip>
+          <a:stretch>
+            <a:fillRect/>
+          </a:stretch>
+        </p:blipFill>
+        <p:spPr bwMode="auto">
+          <a:xfrm>
+            <a:off x="3645227" y="3056705"/>
+            <a:ext cx="4963731" cy="2812781"/>
+          </a:xfrm>
+          <a:prstGeom prst="rect">
+            <a:avLst/>
+          </a:prstGeom>
+          <a:noFill/>
+          <a:extLst>
+            <a:ext uri="{909E8E84-426E-40DD-AFC4-6F175D3DCCD1}">
+              <a14:hiddenFill xmlns:a14="http://schemas.microsoft.com/office/drawing/2010/main">
+                <a:solidFill>
+                  <a:srgbClr val="FFFFFF"/>
+                </a:solidFill>
+              </a14:hiddenFill>
+            </a:ext>
+          </a:extLst>
+        </p:spPr>
+      </p:pic>
+      <p:sp>
+        <p:nvSpPr>
+          <p:cNvPr id="143" name="Freeform 6">
+            <a:extLst>
+              <a:ext uri="{FF2B5EF4-FFF2-40B4-BE49-F238E27FC236}">
+                <a16:creationId xmlns:a16="http://schemas.microsoft.com/office/drawing/2014/main" id="{6283F864-E3D1-457B-865A-DDC32254D987}"/>
+              </a:ext>
+              <a:ext uri="{C183D7F6-B498-43B3-948B-1728B52AA6E4}">
+                <adec:decorative xmlns="" xmlns:adec="http://schemas.microsoft.com/office/drawing/2017/decorative" val="1"/>
+              </a:ext>
+            </a:extLst>
+          </p:cNvPr>
+          <p:cNvSpPr>
+            <a:spLocks noGrp="1" noRot="1" noChangeAspect="1" noMove="1" noResize="1" noEditPoints="1" noAdjustHandles="1" noChangeArrowheads="1" noChangeShapeType="1" noTextEdit="1"/>
+          </p:cNvSpPr>
+          <p:nvPr>
+            <p:extLst>
+              <p:ext uri="{386F3935-93C4-4BCD-93E2-E3B085C9AB24}">
+                <p16:designElem xmlns:p16="http://schemas.microsoft.com/office/powerpoint/2015/main" val="1"/>
+              </p:ext>
+            </p:extLst>
+          </p:nvPr>
+        </p:nvSpPr>
+        <p:spPr bwMode="auto">
+          <a:xfrm rot="5400000" flipH="1">
+            <a:off x="1080808" y="1936677"/>
+            <a:ext cx="3006491" cy="4046220"/>
+          </a:xfrm>
+          <a:custGeom>
+            <a:avLst/>
+            <a:gdLst/>
+            <a:ahLst/>
+            <a:cxnLst/>
+            <a:rect l="l" t="t" r="r" b="b"/>
+            <a:pathLst>
+              <a:path w="10002" h="10000">
+                <a:moveTo>
+                  <a:pt x="8763" y="0"/>
+                </a:moveTo>
+                <a:lnTo>
+                  <a:pt x="10002" y="0"/>
+                </a:lnTo>
+                <a:lnTo>
+                  <a:pt x="10002" y="10000"/>
+                </a:lnTo>
+                <a:lnTo>
+                  <a:pt x="2" y="10000"/>
+                </a:lnTo>
+                <a:cubicBezTo>
+                  <a:pt x="-2" y="9698"/>
+                  <a:pt x="4" y="9427"/>
+                  <a:pt x="0" y="9125"/>
+                </a:cubicBezTo>
+                <a:lnTo>
+                  <a:pt x="8763" y="9128"/>
+                </a:lnTo>
+                <a:lnTo>
+                  <a:pt x="8763" y="0"/>
+                </a:lnTo>
+                <a:close/>
+              </a:path>
+            </a:pathLst>
+          </a:custGeom>
+          <a:solidFill>
+            <a:schemeClr val="tx2">
+              <a:alpha val="90000"/>
+            </a:schemeClr>
+          </a:solidFill>
+          <a:ln w="0">
+            <a:noFill/>
+            <a:prstDash val="solid"/>
+            <a:round/>
+            <a:headEnd/>
+            <a:tailEnd/>
+          </a:ln>
+        </p:spPr>
+      </p:sp>
+    </p:spTree>
+    <p:extLst>
+      <p:ext uri="{BB962C8B-B14F-4D97-AF65-F5344CB8AC3E}">
+        <p14:creationId xmlns:p14="http://schemas.microsoft.com/office/powerpoint/2010/main" val="971346339"/>
+      </p:ext>
+    </p:extLst>
+  </p:cSld>
+  <p:clrMapOvr>
+    <a:overrideClrMapping bg1="dk1" tx1="lt1" bg2="dk2" tx2="lt2" accent1="accent1" accent2="accent2" accent3="accent3" accent4="accent4" accent5="accent5" accent6="accent6" hlink="hlink" folHlink="folHlink"/>
+  </p:clrMapOvr>
+  <mc:AlternateContent xmlns:mc="http://schemas.openxmlformats.org/markup-compatibility/2006" xmlns:p159="http://schemas.microsoft.com/office/powerpoint/2015/09/main">
+    <mc:Choice Requires="p159">
+      <p:transition xmlns:p14="http://schemas.microsoft.com/office/powerpoint/2010/main" spd="slow" p14:dur="2000">
+        <p159:morph option="byObject"/>
+      </p:transition>
+    </mc:Choice>
+    <mc:Fallback xmlns="">
+      <p:transition spd="slow">
+        <p:fade/>
+      </p:transition>
+    </mc:Fallback>
+  </mc:AlternateContent>
+</p:sld>
+</file>
+
+<file path=ppt/slides/slide2.xml><?xml version="1.0" encoding="utf-8"?>
+<p:sld xmlns:a="http://schemas.openxmlformats.org/drawingml/2006/main" xmlns:r="http://schemas.openxmlformats.org/officeDocument/2006/relationships" xmlns:p="http://schemas.openxmlformats.org/presentationml/2006/main">
+  <p:cSld>
+    <p:spTree>
+      <p:nvGrpSpPr>
+        <p:cNvPr id="1" name=""/>
+        <p:cNvGrpSpPr/>
+        <p:nvPr/>
+      </p:nvGrpSpPr>
+      <p:grpSpPr>
+        <a:xfrm>
+          <a:off x="0" y="0"/>
+          <a:ext cx="0" cy="0"/>
+          <a:chOff x="0" y="0"/>
+          <a:chExt cx="0" cy="0"/>
+        </a:xfrm>
+      </p:grpSpPr>
+      <p:grpSp>
+        <p:nvGrpSpPr>
+          <p:cNvPr id="48" name="Group 47">
+            <a:extLst>
+              <a:ext uri="{FF2B5EF4-FFF2-40B4-BE49-F238E27FC236}">
+                <a16:creationId xmlns:a16="http://schemas.microsoft.com/office/drawing/2014/main" id="{8C89EA62-F38E-4285-A105-C5E1BD360093}"/>
+              </a:ext>
+              <a:ext uri="{C183D7F6-B498-43B3-948B-1728B52AA6E4}">
+                <adec:decorative xmlns="" xmlns:adec="http://schemas.microsoft.com/office/drawing/2017/decorative" val="1"/>
+              </a:ext>
+            </a:extLst>
+          </p:cNvPr>
+          <p:cNvGrpSpPr>
+            <a:grpSpLocks noGrp="1" noUngrp="1" noRot="1" noChangeAspect="1" noMove="1" noResize="1"/>
+          </p:cNvGrpSpPr>
+          <p:nvPr>
+            <p:extLst>
+              <p:ext uri="{386F3935-93C4-4BCD-93E2-E3B085C9AB24}">
+                <p16:designElem xmlns:p16="http://schemas.microsoft.com/office/powerpoint/2015/main" val="1"/>
+              </p:ext>
+            </p:extLst>
+          </p:nvPr>
+        </p:nvGrpSpPr>
+        <p:grpSpPr>
+          <a:xfrm>
+            <a:off x="752858" y="744469"/>
+            <a:ext cx="10674117" cy="5349671"/>
+            <a:chOff x="752858" y="744469"/>
+            <a:chExt cx="10674117" cy="5349671"/>
+          </a:xfrm>
+        </p:grpSpPr>
+        <p:sp>
+          <p:nvSpPr>
+            <p:cNvPr id="49" name="Freeform 6">
+              <a:extLst>
+                <a:ext uri="{FF2B5EF4-FFF2-40B4-BE49-F238E27FC236}">
+                  <a16:creationId xmlns:a16="http://schemas.microsoft.com/office/drawing/2014/main" id="{2CF6E46A-CCCD-4728-B011-E147B23629A3}"/>
+                </a:ext>
+                <a:ext uri="{C183D7F6-B498-43B3-948B-1728B52AA6E4}">
+                  <adec:decorative xmlns="" xmlns:adec="http://schemas.microsoft.com/office/drawing/2017/decorative" val="1"/>
+                </a:ext>
+              </a:extLst>
+            </p:cNvPr>
+            <p:cNvSpPr/>
+            <p:nvPr>
+              <p:extLst>
+                <p:ext uri="{386F3935-93C4-4BCD-93E2-E3B085C9AB24}">
+                  <p16:designElem xmlns:p16="http://schemas.microsoft.com/office/powerpoint/2015/main" val="1"/>
+                </p:ext>
+              </p:extLst>
+            </p:nvPr>
+          </p:nvSpPr>
+          <p:spPr bwMode="auto">
+            <a:xfrm>
+              <a:off x="8151962" y="1685652"/>
+              <a:ext cx="3275013" cy="4408488"/>
+            </a:xfrm>
+            <a:custGeom>
+              <a:avLst/>
+              <a:gdLst/>
+              <a:ahLst/>
+              <a:cxnLst/>
+              <a:rect l="l" t="t" r="r" b="b"/>
+              <a:pathLst>
+                <a:path w="10000" h="10000">
+                  <a:moveTo>
+                    <a:pt x="8761" y="0"/>
+                  </a:moveTo>
+                  <a:lnTo>
+                    <a:pt x="10000" y="0"/>
+                  </a:lnTo>
+                  <a:lnTo>
+                    <a:pt x="10000" y="10000"/>
+                  </a:lnTo>
+                  <a:lnTo>
+                    <a:pt x="0" y="10000"/>
+                  </a:lnTo>
+                  <a:lnTo>
+                    <a:pt x="0" y="9126"/>
+                  </a:lnTo>
+                  <a:lnTo>
+                    <a:pt x="8761" y="9127"/>
+                  </a:lnTo>
+                  <a:lnTo>
+                    <a:pt x="8761" y="0"/>
+                  </a:lnTo>
+                  <a:close/>
+                </a:path>
+              </a:pathLst>
+            </a:custGeom>
+            <a:solidFill>
+              <a:schemeClr val="tx2"/>
+            </a:solidFill>
+            <a:ln w="0">
+              <a:noFill/>
+              <a:prstDash val="solid"/>
+              <a:round/>
+              <a:headEnd/>
+              <a:tailEnd/>
+            </a:ln>
+          </p:spPr>
+        </p:sp>
+        <p:sp>
+          <p:nvSpPr>
+            <p:cNvPr id="50" name="Freeform 6">
+              <a:extLst>
+                <a:ext uri="{FF2B5EF4-FFF2-40B4-BE49-F238E27FC236}">
+                  <a16:creationId xmlns:a16="http://schemas.microsoft.com/office/drawing/2014/main" id="{2E2C684B-30C9-4689-A529-EBF1B8ADB215}"/>
+                </a:ext>
+                <a:ext uri="{C183D7F6-B498-43B3-948B-1728B52AA6E4}">
+                  <adec:decorative xmlns="" xmlns:adec="http://schemas.microsoft.com/office/drawing/2017/decorative" val="1"/>
+                </a:ext>
+              </a:extLst>
+            </p:cNvPr>
+            <p:cNvSpPr/>
+            <p:nvPr>
+              <p:extLst>
+                <p:ext uri="{386F3935-93C4-4BCD-93E2-E3B085C9AB24}">
+                  <p16:designElem xmlns:p16="http://schemas.microsoft.com/office/powerpoint/2015/main" val="1"/>
+                </p:ext>
+              </p:extLst>
+            </p:nvPr>
+          </p:nvSpPr>
+          <p:spPr bwMode="auto">
+            <a:xfrm flipH="1" flipV="1">
+              <a:off x="752858" y="744469"/>
+              <a:ext cx="3275668" cy="4408488"/>
+            </a:xfrm>
+            <a:custGeom>
+              <a:avLst/>
+              <a:gdLst/>
+              <a:ahLst/>
+              <a:cxnLst/>
+              <a:rect l="l" t="t" r="r" b="b"/>
+              <a:pathLst>
+                <a:path w="10002" h="10000">
+                  <a:moveTo>
+                    <a:pt x="8763" y="0"/>
+                  </a:moveTo>
+                  <a:lnTo>
+                    <a:pt x="10002" y="0"/>
+                  </a:lnTo>
+                  <a:lnTo>
+                    <a:pt x="10002" y="10000"/>
+                  </a:lnTo>
+                  <a:lnTo>
+                    <a:pt x="2" y="10000"/>
+                  </a:lnTo>
+                  <a:cubicBezTo>
+                    <a:pt x="-2" y="9698"/>
+                    <a:pt x="4" y="9427"/>
+                    <a:pt x="0" y="9125"/>
+                  </a:cubicBezTo>
+                  <a:lnTo>
+                    <a:pt x="8763" y="9128"/>
+                  </a:lnTo>
+                  <a:lnTo>
+                    <a:pt x="8763" y="0"/>
+                  </a:lnTo>
+                  <a:close/>
+                </a:path>
+              </a:pathLst>
+            </a:custGeom>
+            <a:solidFill>
+              <a:schemeClr val="tx2"/>
+            </a:solidFill>
+            <a:ln w="0">
+              <a:noFill/>
+              <a:prstDash val="solid"/>
+              <a:round/>
+              <a:headEnd/>
+              <a:tailEnd/>
+            </a:ln>
+          </p:spPr>
+        </p:sp>
+      </p:grpSp>
+      <p:sp useBgFill="1">
+        <p:nvSpPr>
+          <p:cNvPr id="52" name="Rectangle 51">
+            <a:extLst>
+              <a:ext uri="{FF2B5EF4-FFF2-40B4-BE49-F238E27FC236}">
+                <a16:creationId xmlns:a16="http://schemas.microsoft.com/office/drawing/2014/main" id="{5ABA7F3F-D56F-4C06-84AC-03FC83B0642E}"/>
+              </a:ext>
+              <a:ext uri="{C183D7F6-B498-43B3-948B-1728B52AA6E4}">
+                <adec:decorative xmlns="" xmlns:adec="http://schemas.microsoft.com/office/drawing/2017/decorative" val="1"/>
+              </a:ext>
+            </a:extLst>
+          </p:cNvPr>
+          <p:cNvSpPr>
+            <a:spLocks noGrp="1" noRot="1" noChangeAspect="1" noMove="1" noResize="1" noEditPoints="1" noAdjustHandles="1" noChangeArrowheads="1" noChangeShapeType="1" noTextEdit="1"/>
+          </p:cNvSpPr>
+          <p:nvPr>
+            <p:extLst>
+              <p:ext uri="{386F3935-93C4-4BCD-93E2-E3B085C9AB24}">
+                <p16:designElem xmlns:p16="http://schemas.microsoft.com/office/powerpoint/2015/main" val="1"/>
+              </p:ext>
+            </p:extLst>
+          </p:nvPr>
+        </p:nvSpPr>
+        <p:spPr bwMode="grayWhite">
+          <a:xfrm>
+            <a:off x="0" y="0"/>
+            <a:ext cx="12192000" cy="6858000"/>
+          </a:xfrm>
+          <a:prstGeom prst="rect">
+            <a:avLst/>
+          </a:prstGeom>
+          <a:ln>
+            <a:noFill/>
+          </a:ln>
+        </p:spPr>
+        <p:style>
+          <a:lnRef idx="2">
+            <a:schemeClr val="accent1">
+              <a:shade val="50000"/>
+            </a:schemeClr>
+          </a:lnRef>
+          <a:fillRef idx="1">
+            <a:schemeClr val="accent1"/>
+          </a:fillRef>
+          <a:effectRef idx="0">
+            <a:schemeClr val="accent1"/>
+          </a:effectRef>
+          <a:fontRef idx="minor">
+            <a:schemeClr val="lt1"/>
+          </a:fontRef>
+        </p:style>
+        <p:txBody>
+          <a:bodyPr rtlCol="0" anchor="ctr"/>
+          <a:lstStyle/>
+          <a:p>
+            <a:pPr algn="ctr"/>
+            <a:endParaRPr lang="en-US"/>
+          </a:p>
+        </p:txBody>
+      </p:sp>
+      <p:sp>
+        <p:nvSpPr>
+          <p:cNvPr id="54" name="Rectangle 53">
+            <a:extLst>
+              <a:ext uri="{FF2B5EF4-FFF2-40B4-BE49-F238E27FC236}">
+                <a16:creationId xmlns:a16="http://schemas.microsoft.com/office/drawing/2014/main" id="{0568FE6B-CB7A-42D9-9690-487E3B8F412C}"/>
+              </a:ext>
+              <a:ext uri="{C183D7F6-B498-43B3-948B-1728B52AA6E4}">
+                <adec:decorative xmlns="" xmlns:adec="http://schemas.microsoft.com/office/drawing/2017/decorative" val="1"/>
+              </a:ext>
+            </a:extLst>
+          </p:cNvPr>
+          <p:cNvSpPr>
+            <a:spLocks noGrp="1" noRot="1" noChangeAspect="1" noMove="1" noResize="1" noEditPoints="1" noAdjustHandles="1" noChangeArrowheads="1" noChangeShapeType="1" noTextEdit="1"/>
+          </p:cNvSpPr>
+          <p:nvPr>
+            <p:extLst>
+              <p:ext uri="{386F3935-93C4-4BCD-93E2-E3B085C9AB24}">
+                <p16:designElem xmlns:p16="http://schemas.microsoft.com/office/powerpoint/2015/main" val="1"/>
+              </p:ext>
+            </p:extLst>
+          </p:nvPr>
+        </p:nvSpPr>
+        <p:spPr>
+          <a:xfrm>
+            <a:off x="0" y="0"/>
+            <a:ext cx="7527851" cy="6858000"/>
+          </a:xfrm>
+          <a:prstGeom prst="rect">
+            <a:avLst/>
+          </a:prstGeom>
+          <a:solidFill>
+            <a:schemeClr val="tx2"/>
+          </a:solidFill>
+          <a:ln>
+            <a:noFill/>
+          </a:ln>
+        </p:spPr>
+        <p:style>
+          <a:lnRef idx="2">
+            <a:schemeClr val="accent1">
+              <a:shade val="50000"/>
+            </a:schemeClr>
+          </a:lnRef>
+          <a:fillRef idx="1">
+            <a:schemeClr val="accent1"/>
+          </a:fillRef>
+          <a:effectRef idx="0">
+            <a:schemeClr val="accent1"/>
+          </a:effectRef>
+          <a:fontRef idx="minor">
+            <a:schemeClr val="lt1"/>
+          </a:fontRef>
+        </p:style>
+        <p:txBody>
+          <a:bodyPr rtlCol="0" anchor="ctr"/>
+          <a:lstStyle/>
+          <a:p>
+            <a:pPr algn="ctr"/>
+            <a:endParaRPr lang="en-US"/>
+          </a:p>
+        </p:txBody>
+      </p:sp>
+      <p:sp>
+        <p:nvSpPr>
+          <p:cNvPr id="2" name="Titre 1">
+            <a:extLst>
+              <a:ext uri="{FF2B5EF4-FFF2-40B4-BE49-F238E27FC236}">
+                <a16:creationId xmlns:a16="http://schemas.microsoft.com/office/drawing/2014/main" id="{1F4612E9-FD70-40DD-9226-5C15AC71EF24}"/>
+              </a:ext>
+            </a:extLst>
+          </p:cNvPr>
+          <p:cNvSpPr>
+            <a:spLocks noGrp="1"/>
+          </p:cNvSpPr>
+          <p:nvPr>
+            <p:ph type="title"/>
+          </p:nvPr>
+        </p:nvSpPr>
+        <p:spPr>
+          <a:xfrm>
+            <a:off x="1116265" y="1613577"/>
+            <a:ext cx="5627717" cy="4480563"/>
+          </a:xfrm>
+        </p:spPr>
+        <p:txBody>
+          <a:bodyPr vert="horz" lIns="91440" tIns="45720" rIns="91440" bIns="45720" rtlCol="0" anchor="ctr">
+            <a:normAutofit/>
+          </a:bodyPr>
+          <a:lstStyle/>
+          <a:p>
+            <a:r>
+              <a:rPr lang="en-US" sz="2600" cap="all" dirty="0" smtClean="0">
+                <a:solidFill>
+                  <a:schemeClr val="bg2"/>
+                </a:solidFill>
+                <a:effectLst>
+                  <a:outerShdw blurRad="38100" dist="38100" dir="2700000" algn="tl">
+                    <a:srgbClr val="000000">
+                      <a:alpha val="43137"/>
+                    </a:srgbClr>
+                  </a:outerShdw>
+                </a:effectLst>
+              </a:rPr>
+              <a:t>1	</a:t>
+            </a:r>
+            <a:r>
+              <a:rPr lang="fr-FR" sz="2600" cap="all" dirty="0" err="1" smtClean="0">
+                <a:solidFill>
+                  <a:schemeClr val="bg2"/>
+                </a:solidFill>
+                <a:effectLst>
+                  <a:outerShdw blurRad="38100" dist="38100" dir="2700000" algn="tl">
+                    <a:srgbClr val="000000">
+                      <a:alpha val="43137"/>
+                    </a:srgbClr>
+                  </a:outerShdw>
+                </a:effectLst>
+              </a:rPr>
+              <a:t>Rétroplanning</a:t>
+            </a:r>
+            <a:r>
+              <a:rPr lang="en-US" sz="2600" cap="all" dirty="0">
+                <a:solidFill>
+                  <a:schemeClr val="bg2"/>
+                </a:solidFill>
+                <a:effectLst>
+                  <a:outerShdw blurRad="38100" dist="38100" dir="2700000" algn="tl">
+                    <a:srgbClr val="000000">
+                      <a:alpha val="43137"/>
+                    </a:srgbClr>
+                  </a:outerShdw>
+                </a:effectLst>
+              </a:rPr>
+              <a:t/>
+            </a:r>
+            <a:br>
+              <a:rPr lang="en-US" sz="2600" cap="all" dirty="0">
+                <a:solidFill>
+                  <a:schemeClr val="bg2"/>
+                </a:solidFill>
+                <a:effectLst>
+                  <a:outerShdw blurRad="38100" dist="38100" dir="2700000" algn="tl">
+                    <a:srgbClr val="000000">
+                      <a:alpha val="43137"/>
+                    </a:srgbClr>
+                  </a:outerShdw>
+                </a:effectLst>
+              </a:rPr>
+            </a:br>
+            <a:r>
+              <a:rPr lang="en-US" sz="2600" cap="all" dirty="0">
+                <a:solidFill>
+                  <a:schemeClr val="bg2"/>
+                </a:solidFill>
+                <a:effectLst>
+                  <a:outerShdw blurRad="38100" dist="38100" dir="2700000" algn="tl">
+                    <a:srgbClr val="000000">
+                      <a:alpha val="43137"/>
+                    </a:srgbClr>
+                  </a:outerShdw>
+                </a:effectLst>
+              </a:rPr>
+              <a:t/>
+            </a:r>
+            <a:br>
+              <a:rPr lang="en-US" sz="2600" cap="all" dirty="0">
+                <a:solidFill>
+                  <a:schemeClr val="bg2"/>
+                </a:solidFill>
+                <a:effectLst>
+                  <a:outerShdw blurRad="38100" dist="38100" dir="2700000" algn="tl">
+                    <a:srgbClr val="000000">
+                      <a:alpha val="43137"/>
+                    </a:srgbClr>
+                  </a:outerShdw>
+                </a:effectLst>
+              </a:rPr>
+            </a:br>
+            <a:r>
+              <a:rPr lang="en-US" sz="2600" cap="all" dirty="0" smtClean="0">
+                <a:solidFill>
+                  <a:schemeClr val="bg2"/>
+                </a:solidFill>
+                <a:effectLst>
+                  <a:outerShdw blurRad="38100" dist="38100" dir="2700000" algn="tl">
+                    <a:srgbClr val="000000">
+                      <a:alpha val="43137"/>
+                    </a:srgbClr>
+                  </a:outerShdw>
+                </a:effectLst>
+              </a:rPr>
+              <a:t>2	</a:t>
+            </a:r>
+            <a:r>
+              <a:rPr lang="en-US" sz="2600" cap="all" dirty="0" err="1" smtClean="0">
+                <a:solidFill>
+                  <a:schemeClr val="bg2"/>
+                </a:solidFill>
+                <a:effectLst>
+                  <a:outerShdw blurRad="38100" dist="38100" dir="2700000" algn="tl">
+                    <a:srgbClr val="000000">
+                      <a:alpha val="43137"/>
+                    </a:srgbClr>
+                  </a:outerShdw>
+                </a:effectLst>
+              </a:rPr>
+              <a:t>Diagramme</a:t>
+            </a:r>
+            <a:r>
+              <a:rPr lang="en-US" sz="2600" cap="all" dirty="0" smtClean="0">
+                <a:solidFill>
+                  <a:schemeClr val="bg2"/>
+                </a:solidFill>
+                <a:effectLst>
+                  <a:outerShdw blurRad="38100" dist="38100" dir="2700000" algn="tl">
+                    <a:srgbClr val="000000">
+                      <a:alpha val="43137"/>
+                    </a:srgbClr>
+                  </a:outerShdw>
+                </a:effectLst>
+              </a:rPr>
+              <a:t> </a:t>
+            </a:r>
+            <a:r>
+              <a:rPr lang="en-US" sz="2600" cap="all" dirty="0">
+                <a:solidFill>
+                  <a:schemeClr val="bg2"/>
+                </a:solidFill>
+                <a:effectLst>
+                  <a:outerShdw blurRad="38100" dist="38100" dir="2700000" algn="tl">
+                    <a:srgbClr val="000000">
+                      <a:alpha val="43137"/>
+                    </a:srgbClr>
+                  </a:outerShdw>
+                </a:effectLst>
+              </a:rPr>
+              <a:t>UML</a:t>
+            </a:r>
+            <a:br>
+              <a:rPr lang="en-US" sz="2600" cap="all" dirty="0">
+                <a:solidFill>
+                  <a:schemeClr val="bg2"/>
+                </a:solidFill>
+                <a:effectLst>
+                  <a:outerShdw blurRad="38100" dist="38100" dir="2700000" algn="tl">
+                    <a:srgbClr val="000000">
+                      <a:alpha val="43137"/>
+                    </a:srgbClr>
+                  </a:outerShdw>
+                </a:effectLst>
+              </a:rPr>
+            </a:br>
+            <a:r>
+              <a:rPr lang="en-US" sz="2600" cap="all" dirty="0">
+                <a:solidFill>
+                  <a:schemeClr val="bg2"/>
+                </a:solidFill>
+                <a:effectLst>
+                  <a:outerShdw blurRad="38100" dist="38100" dir="2700000" algn="tl">
+                    <a:srgbClr val="000000">
+                      <a:alpha val="43137"/>
+                    </a:srgbClr>
+                  </a:outerShdw>
+                </a:effectLst>
+              </a:rPr>
+              <a:t/>
+            </a:r>
+            <a:br>
+              <a:rPr lang="en-US" sz="2600" cap="all" dirty="0">
+                <a:solidFill>
+                  <a:schemeClr val="bg2"/>
+                </a:solidFill>
+                <a:effectLst>
+                  <a:outerShdw blurRad="38100" dist="38100" dir="2700000" algn="tl">
+                    <a:srgbClr val="000000">
+                      <a:alpha val="43137"/>
+                    </a:srgbClr>
+                  </a:outerShdw>
+                </a:effectLst>
+              </a:rPr>
+            </a:br>
+            <a:r>
+              <a:rPr lang="en-US" sz="2600" cap="all" dirty="0" smtClean="0">
+                <a:solidFill>
+                  <a:schemeClr val="bg2"/>
+                </a:solidFill>
+                <a:effectLst>
+                  <a:outerShdw blurRad="38100" dist="38100" dir="2700000" algn="tl">
+                    <a:srgbClr val="000000">
+                      <a:alpha val="43137"/>
+                    </a:srgbClr>
+                  </a:outerShdw>
+                </a:effectLst>
+              </a:rPr>
+              <a:t>3	Achievements</a:t>
+            </a:r>
+            <a:r>
+              <a:rPr lang="en-US" sz="2600" cap="all" dirty="0">
+                <a:solidFill>
+                  <a:schemeClr val="bg2"/>
+                </a:solidFill>
+                <a:effectLst>
+                  <a:outerShdw blurRad="38100" dist="38100" dir="2700000" algn="tl">
+                    <a:srgbClr val="000000">
+                      <a:alpha val="43137"/>
+                    </a:srgbClr>
+                  </a:outerShdw>
+                </a:effectLst>
+              </a:rPr>
+              <a:t/>
+            </a:r>
+            <a:br>
+              <a:rPr lang="en-US" sz="2600" cap="all" dirty="0">
+                <a:solidFill>
+                  <a:schemeClr val="bg2"/>
+                </a:solidFill>
+                <a:effectLst>
+                  <a:outerShdw blurRad="38100" dist="38100" dir="2700000" algn="tl">
+                    <a:srgbClr val="000000">
+                      <a:alpha val="43137"/>
+                    </a:srgbClr>
+                  </a:outerShdw>
+                </a:effectLst>
+              </a:rPr>
+            </a:br>
+            <a:r>
+              <a:rPr lang="en-US" sz="2600" cap="all" dirty="0">
+                <a:solidFill>
+                  <a:schemeClr val="bg2"/>
+                </a:solidFill>
+                <a:effectLst>
+                  <a:outerShdw blurRad="38100" dist="38100" dir="2700000" algn="tl">
+                    <a:srgbClr val="000000">
+                      <a:alpha val="43137"/>
+                    </a:srgbClr>
+                  </a:outerShdw>
+                </a:effectLst>
+              </a:rPr>
+              <a:t/>
+            </a:r>
+            <a:br>
+              <a:rPr lang="en-US" sz="2600" cap="all" dirty="0">
+                <a:solidFill>
+                  <a:schemeClr val="bg2"/>
+                </a:solidFill>
+                <a:effectLst>
+                  <a:outerShdw blurRad="38100" dist="38100" dir="2700000" algn="tl">
+                    <a:srgbClr val="000000">
+                      <a:alpha val="43137"/>
+                    </a:srgbClr>
+                  </a:outerShdw>
+                </a:effectLst>
+              </a:rPr>
+            </a:br>
+            <a:r>
+              <a:rPr lang="en-US" sz="2600" cap="all" dirty="0" smtClean="0">
+                <a:solidFill>
+                  <a:schemeClr val="bg2"/>
+                </a:solidFill>
+                <a:effectLst>
+                  <a:outerShdw blurRad="38100" dist="38100" dir="2700000" algn="tl">
+                    <a:srgbClr val="000000">
+                      <a:alpha val="43137"/>
+                    </a:srgbClr>
+                  </a:outerShdw>
+                </a:effectLst>
+              </a:rPr>
+              <a:t>4	Interface </a:t>
+            </a:r>
+            <a:r>
+              <a:rPr lang="en-US" sz="2600" cap="all" dirty="0">
+                <a:solidFill>
+                  <a:schemeClr val="bg2"/>
+                </a:solidFill>
+                <a:effectLst>
+                  <a:outerShdw blurRad="38100" dist="38100" dir="2700000" algn="tl">
+                    <a:srgbClr val="000000">
+                      <a:alpha val="43137"/>
+                    </a:srgbClr>
+                  </a:outerShdw>
+                </a:effectLst>
+              </a:rPr>
+              <a:t>du </a:t>
+            </a:r>
+            <a:r>
+              <a:rPr lang="fr-FR" sz="2600" cap="all" dirty="0">
+                <a:solidFill>
+                  <a:schemeClr val="bg2"/>
+                </a:solidFill>
+                <a:effectLst>
+                  <a:outerShdw blurRad="38100" dist="38100" dir="2700000" algn="tl">
+                    <a:srgbClr val="000000">
+                      <a:alpha val="43137"/>
+                    </a:srgbClr>
+                  </a:outerShdw>
+                </a:effectLst>
+              </a:rPr>
+              <a:t>jeu</a:t>
+            </a:r>
+            <a:r>
+              <a:rPr lang="en-US" sz="2600" cap="all" dirty="0">
+                <a:solidFill>
+                  <a:schemeClr val="bg2"/>
+                </a:solidFill>
+                <a:effectLst>
+                  <a:outerShdw blurRad="38100" dist="38100" dir="2700000" algn="tl">
+                    <a:srgbClr val="000000">
+                      <a:alpha val="43137"/>
+                    </a:srgbClr>
+                  </a:outerShdw>
+                </a:effectLst>
+              </a:rPr>
+              <a:t/>
+            </a:r>
+            <a:br>
+              <a:rPr lang="en-US" sz="2600" cap="all" dirty="0">
+                <a:solidFill>
+                  <a:schemeClr val="bg2"/>
+                </a:solidFill>
+                <a:effectLst>
+                  <a:outerShdw blurRad="38100" dist="38100" dir="2700000" algn="tl">
+                    <a:srgbClr val="000000">
+                      <a:alpha val="43137"/>
+                    </a:srgbClr>
+                  </a:outerShdw>
+                </a:effectLst>
+              </a:rPr>
+            </a:br>
+            <a:r>
+              <a:rPr lang="en-US" sz="2600" cap="all" dirty="0">
+                <a:solidFill>
+                  <a:schemeClr val="bg2"/>
+                </a:solidFill>
+                <a:effectLst>
+                  <a:outerShdw blurRad="38100" dist="38100" dir="2700000" algn="tl">
+                    <a:srgbClr val="000000">
+                      <a:alpha val="43137"/>
+                    </a:srgbClr>
+                  </a:outerShdw>
+                </a:effectLst>
+              </a:rPr>
+              <a:t/>
+            </a:r>
+            <a:br>
+              <a:rPr lang="en-US" sz="2600" cap="all" dirty="0">
+                <a:solidFill>
+                  <a:schemeClr val="bg2"/>
+                </a:solidFill>
+                <a:effectLst>
+                  <a:outerShdw blurRad="38100" dist="38100" dir="2700000" algn="tl">
+                    <a:srgbClr val="000000">
+                      <a:alpha val="43137"/>
+                    </a:srgbClr>
+                  </a:outerShdw>
+                </a:effectLst>
+              </a:rPr>
+            </a:br>
+            <a:r>
+              <a:rPr lang="en-US" sz="2600" cap="all" dirty="0" smtClean="0">
+                <a:solidFill>
+                  <a:schemeClr val="bg2"/>
+                </a:solidFill>
+                <a:effectLst>
+                  <a:outerShdw blurRad="38100" dist="38100" dir="2700000" algn="tl">
+                    <a:srgbClr val="000000">
+                      <a:alpha val="43137"/>
+                    </a:srgbClr>
+                  </a:outerShdw>
+                </a:effectLst>
+              </a:rPr>
+              <a:t>5	</a:t>
+            </a:r>
+            <a:r>
+              <a:rPr lang="en-US" sz="2600" cap="all" dirty="0" err="1" smtClean="0">
+                <a:solidFill>
+                  <a:schemeClr val="bg2"/>
+                </a:solidFill>
+                <a:effectLst>
+                  <a:outerShdw blurRad="38100" dist="38100" dir="2700000" algn="tl">
+                    <a:srgbClr val="000000">
+                      <a:alpha val="43137"/>
+                    </a:srgbClr>
+                  </a:outerShdw>
+                </a:effectLst>
+              </a:rPr>
+              <a:t>Rétrospective</a:t>
+            </a:r>
+            <a:r>
+              <a:rPr lang="en-US" sz="2600" cap="all" dirty="0">
+                <a:solidFill>
+                  <a:schemeClr val="bg2"/>
+                </a:solidFill>
+                <a:effectLst>
+                  <a:outerShdw blurRad="38100" dist="38100" dir="2700000" algn="tl">
+                    <a:srgbClr val="000000">
+                      <a:alpha val="43137"/>
+                    </a:srgbClr>
+                  </a:outerShdw>
+                </a:effectLst>
+              </a:rPr>
+              <a:t/>
+            </a:r>
+            <a:br>
+              <a:rPr lang="en-US" sz="2600" cap="all" dirty="0">
+                <a:solidFill>
+                  <a:schemeClr val="bg2"/>
+                </a:solidFill>
+                <a:effectLst>
+                  <a:outerShdw blurRad="38100" dist="38100" dir="2700000" algn="tl">
+                    <a:srgbClr val="000000">
+                      <a:alpha val="43137"/>
+                    </a:srgbClr>
+                  </a:outerShdw>
+                </a:effectLst>
+              </a:rPr>
+            </a:br>
+            <a:r>
+              <a:rPr lang="en-US" sz="2600" cap="all" dirty="0">
+                <a:solidFill>
+                  <a:schemeClr val="bg2"/>
+                </a:solidFill>
+                <a:effectLst>
+                  <a:outerShdw blurRad="38100" dist="38100" dir="2700000" algn="tl">
+                    <a:srgbClr val="000000">
+                      <a:alpha val="43137"/>
+                    </a:srgbClr>
+                  </a:outerShdw>
+                </a:effectLst>
+              </a:rPr>
+              <a:t/>
+            </a:r>
+            <a:br>
+              <a:rPr lang="en-US" sz="2600" cap="all" dirty="0">
+                <a:solidFill>
+                  <a:schemeClr val="bg2"/>
+                </a:solidFill>
+                <a:effectLst>
+                  <a:outerShdw blurRad="38100" dist="38100" dir="2700000" algn="tl">
+                    <a:srgbClr val="000000">
+                      <a:alpha val="43137"/>
+                    </a:srgbClr>
+                  </a:outerShdw>
+                </a:effectLst>
+              </a:rPr>
+            </a:br>
+            <a:r>
+              <a:rPr lang="en-US" sz="2600" cap="all" dirty="0" smtClean="0">
+                <a:solidFill>
+                  <a:schemeClr val="bg2"/>
+                </a:solidFill>
+                <a:effectLst>
+                  <a:outerShdw blurRad="38100" dist="38100" dir="2700000" algn="tl">
+                    <a:srgbClr val="000000">
+                      <a:alpha val="43137"/>
+                    </a:srgbClr>
+                  </a:outerShdw>
+                </a:effectLst>
+              </a:rPr>
+              <a:t>6	</a:t>
+            </a:r>
+            <a:r>
+              <a:rPr lang="en-US" sz="2600" cap="all" dirty="0" err="1" smtClean="0">
+                <a:solidFill>
+                  <a:schemeClr val="bg2"/>
+                </a:solidFill>
+                <a:effectLst>
+                  <a:outerShdw blurRad="38100" dist="38100" dir="2700000" algn="tl">
+                    <a:srgbClr val="000000">
+                      <a:alpha val="43137"/>
+                    </a:srgbClr>
+                  </a:outerShdw>
+                </a:effectLst>
+              </a:rPr>
+              <a:t>Démonstration</a:t>
+            </a:r>
+            <a:endParaRPr lang="en-US" sz="2600" cap="all" dirty="0">
+              <a:solidFill>
+                <a:schemeClr val="bg2"/>
+              </a:solidFill>
+              <a:effectLst>
+                <a:outerShdw blurRad="38100" dist="38100" dir="2700000" algn="tl">
+                  <a:srgbClr val="000000">
+                    <a:alpha val="43137"/>
+                  </a:srgbClr>
+                </a:outerShdw>
+              </a:effectLst>
+            </a:endParaRPr>
+          </a:p>
+        </p:txBody>
+      </p:sp>
+      <p:sp>
+        <p:nvSpPr>
+          <p:cNvPr id="56" name="Freeform 6">
+            <a:extLst>
+              <a:ext uri="{FF2B5EF4-FFF2-40B4-BE49-F238E27FC236}">
+                <a16:creationId xmlns:a16="http://schemas.microsoft.com/office/drawing/2014/main" id="{2BCE8A39-72D0-46ED-AB46-91B68881D2C2}"/>
+              </a:ext>
+              <a:ext uri="{C183D7F6-B498-43B3-948B-1728B52AA6E4}">
+                <adec:decorative xmlns="" xmlns:adec="http://schemas.microsoft.com/office/drawing/2017/decorative" val="1"/>
+              </a:ext>
+            </a:extLst>
+          </p:cNvPr>
+          <p:cNvSpPr>
+            <a:spLocks noGrp="1" noRot="1" noChangeAspect="1" noMove="1" noResize="1" noEditPoints="1" noAdjustHandles="1" noChangeArrowheads="1" noChangeShapeType="1" noTextEdit="1"/>
+          </p:cNvSpPr>
+          <p:nvPr>
+            <p:extLst>
+              <p:ext uri="{386F3935-93C4-4BCD-93E2-E3B085C9AB24}">
+                <p16:designElem xmlns:p16="http://schemas.microsoft.com/office/powerpoint/2015/main" val="1"/>
+              </p:ext>
+            </p:extLst>
+          </p:nvPr>
+        </p:nvSpPr>
+        <p:spPr bwMode="auto">
+          <a:xfrm flipH="1" flipV="1">
+            <a:off x="7983434" y="640080"/>
+            <a:ext cx="2296028" cy="3674981"/>
+          </a:xfrm>
+          <a:custGeom>
+            <a:avLst/>
+            <a:gdLst/>
+            <a:ahLst/>
+            <a:cxnLst/>
+            <a:rect l="l" t="t" r="r" b="b"/>
+            <a:pathLst>
+              <a:path w="10002" h="10000">
+                <a:moveTo>
+                  <a:pt x="8763" y="0"/>
+                </a:moveTo>
+                <a:lnTo>
+                  <a:pt x="10002" y="0"/>
+                </a:lnTo>
+                <a:lnTo>
+                  <a:pt x="10002" y="10000"/>
+                </a:lnTo>
+                <a:lnTo>
+                  <a:pt x="2" y="10000"/>
+                </a:lnTo>
+                <a:cubicBezTo>
+                  <a:pt x="-2" y="9698"/>
+                  <a:pt x="4" y="9427"/>
+                  <a:pt x="0" y="9125"/>
+                </a:cubicBezTo>
+                <a:lnTo>
+                  <a:pt x="8763" y="9128"/>
+                </a:lnTo>
+                <a:lnTo>
+                  <a:pt x="8763" y="0"/>
+                </a:lnTo>
+                <a:close/>
+              </a:path>
+            </a:pathLst>
+          </a:custGeom>
+          <a:solidFill>
+            <a:schemeClr val="tx2"/>
+          </a:solidFill>
+          <a:ln w="0">
+            <a:noFill/>
+            <a:prstDash val="solid"/>
+            <a:round/>
+            <a:headEnd/>
+            <a:tailEnd/>
+          </a:ln>
+        </p:spPr>
+      </p:sp>
+      <p:sp>
+        <p:nvSpPr>
+          <p:cNvPr id="58" name="Freeform: Shape 57">
+            <a:extLst>
+              <a:ext uri="{FF2B5EF4-FFF2-40B4-BE49-F238E27FC236}">
+                <a16:creationId xmlns:a16="http://schemas.microsoft.com/office/drawing/2014/main" id="{970E03B3-76EE-4C15-B250-1173359CDD3D}"/>
+              </a:ext>
+              <a:ext uri="{C183D7F6-B498-43B3-948B-1728B52AA6E4}">
+                <adec:decorative xmlns="" xmlns:adec="http://schemas.microsoft.com/office/drawing/2017/decorative" val="1"/>
+              </a:ext>
+            </a:extLst>
+          </p:cNvPr>
+          <p:cNvSpPr>
+            <a:spLocks noGrp="1" noRot="1" noChangeAspect="1" noMove="1" noResize="1" noEditPoints="1" noAdjustHandles="1" noChangeArrowheads="1" noChangeShapeType="1" noTextEdit="1"/>
+          </p:cNvSpPr>
+          <p:nvPr>
+            <p:extLst>
+              <p:ext uri="{386F3935-93C4-4BCD-93E2-E3B085C9AB24}">
+                <p16:designElem xmlns:p16="http://schemas.microsoft.com/office/powerpoint/2015/main" val="1"/>
+              </p:ext>
+            </p:extLst>
+          </p:nvPr>
+        </p:nvSpPr>
+        <p:spPr bwMode="auto">
+          <a:xfrm>
+            <a:off x="10147112" y="4501036"/>
+            <a:ext cx="1683805" cy="1723705"/>
+          </a:xfrm>
+          <a:custGeom>
+            <a:avLst/>
+            <a:gdLst>
+              <a:gd name="connsiteX0" fmla="*/ 1399384 w 1683805"/>
+              <a:gd name="connsiteY0" fmla="*/ 0 h 1723705"/>
+              <a:gd name="connsiteX1" fmla="*/ 1683805 w 1683805"/>
+              <a:gd name="connsiteY1" fmla="*/ 0 h 1723705"/>
+              <a:gd name="connsiteX2" fmla="*/ 1683805 w 1683805"/>
+              <a:gd name="connsiteY2" fmla="*/ 1723705 h 1723705"/>
+              <a:gd name="connsiteX3" fmla="*/ 0 w 1683805"/>
+              <a:gd name="connsiteY3" fmla="*/ 1723705 h 1723705"/>
+              <a:gd name="connsiteX4" fmla="*/ 0 w 1683805"/>
+              <a:gd name="connsiteY4" fmla="*/ 1402480 h 1723705"/>
+              <a:gd name="connsiteX5" fmla="*/ 1399384 w 1683805"/>
+              <a:gd name="connsiteY5" fmla="*/ 1403247 h 1723705"/>
+            </a:gdLst>
+            <a:ahLst/>
+            <a:cxnLst>
+              <a:cxn ang="0">
+                <a:pos x="connsiteX0" y="connsiteY0"/>
+              </a:cxn>
+              <a:cxn ang="0">
+                <a:pos x="connsiteX1" y="connsiteY1"/>
+              </a:cxn>
+              <a:cxn ang="0">
+                <a:pos x="connsiteX2" y="connsiteY2"/>
+              </a:cxn>
+              <a:cxn ang="0">
+                <a:pos x="connsiteX3" y="connsiteY3"/>
+              </a:cxn>
+              <a:cxn ang="0">
+                <a:pos x="connsiteX4" y="connsiteY4"/>
+              </a:cxn>
+              <a:cxn ang="0">
+                <a:pos x="connsiteX5" y="connsiteY5"/>
+              </a:cxn>
+            </a:cxnLst>
+            <a:rect l="l" t="t" r="r" b="b"/>
+            <a:pathLst>
+              <a:path w="1683805" h="1723705">
+                <a:moveTo>
+                  <a:pt x="1399384" y="0"/>
+                </a:moveTo>
+                <a:lnTo>
+                  <a:pt x="1683805" y="0"/>
+                </a:lnTo>
+                <a:lnTo>
+                  <a:pt x="1683805" y="1723705"/>
+                </a:lnTo>
+                <a:lnTo>
+                  <a:pt x="0" y="1723705"/>
+                </a:lnTo>
+                <a:lnTo>
+                  <a:pt x="0" y="1402480"/>
+                </a:lnTo>
+                <a:lnTo>
+                  <a:pt x="1399384" y="1403247"/>
+                </a:lnTo>
+                <a:close/>
+              </a:path>
+            </a:pathLst>
+          </a:custGeom>
+          <a:solidFill>
+            <a:schemeClr val="tx2">
+              <a:lumMod val="75000"/>
+            </a:schemeClr>
+          </a:solidFill>
+          <a:ln w="0">
+            <a:noFill/>
+            <a:prstDash val="solid"/>
+            <a:round/>
+            <a:headEnd/>
+            <a:tailEnd/>
+          </a:ln>
+        </p:spPr>
+      </p:sp>
+      <p:sp>
+        <p:nvSpPr>
+          <p:cNvPr id="4" name="ZoneTexte 3">
+            <a:extLst>
+              <a:ext uri="{FF2B5EF4-FFF2-40B4-BE49-F238E27FC236}">
+                <a16:creationId xmlns:a16="http://schemas.microsoft.com/office/drawing/2014/main" id="{5EA2F558-B203-4734-B732-70E2F70B9152}"/>
+              </a:ext>
+            </a:extLst>
+          </p:cNvPr>
+          <p:cNvSpPr txBox="1"/>
+          <p:nvPr/>
+        </p:nvSpPr>
+        <p:spPr>
+          <a:xfrm>
+            <a:off x="461256" y="278202"/>
+            <a:ext cx="5976416" cy="1015663"/>
+          </a:xfrm>
+          <a:prstGeom prst="rect">
+            <a:avLst/>
+          </a:prstGeom>
+          <a:noFill/>
+        </p:spPr>
+        <p:txBody>
+          <a:bodyPr wrap="square" rtlCol="0">
+            <a:spAutoFit/>
+          </a:bodyPr>
+          <a:lstStyle/>
+          <a:p>
+            <a:r>
+              <a:rPr lang="fr-FR" sz="6000" b="1" dirty="0">
+                <a:solidFill>
+                  <a:schemeClr val="bg1"/>
+                </a:solidFill>
+                <a:effectLst>
+                  <a:outerShdw blurRad="38100" dist="38100" dir="2700000" algn="tl">
+                    <a:srgbClr val="000000">
+                      <a:alpha val="43137"/>
+                    </a:srgbClr>
+                  </a:outerShdw>
+                </a:effectLst>
+              </a:rPr>
+              <a:t>Sommaire</a:t>
+            </a:r>
+            <a:endParaRPr lang="fr-FR" b="1" dirty="0">
+              <a:solidFill>
+                <a:schemeClr val="bg1"/>
+              </a:solidFill>
+              <a:effectLst>
+                <a:outerShdw blurRad="38100" dist="38100" dir="2700000" algn="tl">
+                  <a:srgbClr val="000000">
+                    <a:alpha val="43137"/>
+                  </a:srgbClr>
+                </a:outerShdw>
+              </a:effectLst>
+            </a:endParaRPr>
+          </a:p>
+        </p:txBody>
+      </p:sp>
+    </p:spTree>
+    <p:extLst>
+      <p:ext uri="{BB962C8B-B14F-4D97-AF65-F5344CB8AC3E}">
+        <p14:creationId xmlns:p14="http://schemas.microsoft.com/office/powerpoint/2010/main" val="753348891"/>
+      </p:ext>
+    </p:extLst>
+  </p:cSld>
+  <p:clrMapOvr>
+    <a:overrideClrMapping bg1="dk1" tx1="lt1" bg2="dk2" tx2="lt2" accent1="accent1" accent2="accent2" accent3="accent3" accent4="accent4" accent5="accent5" accent6="accent6" hlink="hlink" folHlink="folHlink"/>
+  </p:clrMapOvr>
+  <p:transition spd="slow">
+    <p:push dir="d"/>
+  </p:transition>
+</p:sld>
+</file>
+
+<file path=ppt/slides/slide3.xml><?xml version="1.0" encoding="utf-8"?>
+<p:sld xmlns:a="http://schemas.openxmlformats.org/drawingml/2006/main" xmlns:r="http://schemas.openxmlformats.org/officeDocument/2006/relationships" xmlns:p="http://schemas.openxmlformats.org/presentationml/2006/main">
+  <p:cSld>
+    <p:spTree>
+      <p:nvGrpSpPr>
+        <p:cNvPr id="1" name=""/>
+        <p:cNvGrpSpPr/>
+        <p:nvPr/>
+      </p:nvGrpSpPr>
+      <p:grpSpPr>
+        <a:xfrm>
+          <a:off x="0" y="0"/>
+          <a:ext cx="0" cy="0"/>
+          <a:chOff x="0" y="0"/>
+          <a:chExt cx="0" cy="0"/>
+        </a:xfrm>
+      </p:grpSpPr>
+      <p:sp>
+        <p:nvSpPr>
+          <p:cNvPr id="2" name="Titre 1">
+            <a:extLst>
+              <a:ext uri="{FF2B5EF4-FFF2-40B4-BE49-F238E27FC236}">
+                <a16:creationId xmlns:a16="http://schemas.microsoft.com/office/drawing/2014/main" id="{7978EF54-153D-4EC1-A01A-7D15225C4BD4}"/>
+              </a:ext>
+            </a:extLst>
+          </p:cNvPr>
+          <p:cNvSpPr>
+            <a:spLocks noGrp="1"/>
+          </p:cNvSpPr>
+          <p:nvPr>
+            <p:ph type="title"/>
+          </p:nvPr>
+        </p:nvSpPr>
+        <p:spPr>
+          <a:xfrm>
+            <a:off x="1442936" y="685800"/>
+            <a:ext cx="4199107" cy="783077"/>
+          </a:xfrm>
+        </p:spPr>
+        <p:txBody>
+          <a:bodyPr>
+            <a:normAutofit/>
+          </a:bodyPr>
+          <a:lstStyle/>
+          <a:p>
+            <a:r>
+              <a:rPr lang="fr-FR" sz="4100" dirty="0" smtClean="0"/>
+              <a:t>1 	</a:t>
+            </a:r>
+            <a:r>
+              <a:rPr lang="fr-FR" sz="4100" dirty="0" err="1" smtClean="0"/>
+              <a:t>Rétroplanning</a:t>
+            </a:r>
+            <a:endParaRPr lang="fr-FR" sz="4100" dirty="0"/>
+          </a:p>
+        </p:txBody>
+      </p:sp>
+      <p:pic>
+        <p:nvPicPr>
+          <p:cNvPr id="5" name="Image 4">
+            <a:extLst>
+              <a:ext uri="{FF2B5EF4-FFF2-40B4-BE49-F238E27FC236}">
+                <a16:creationId xmlns:a16="http://schemas.microsoft.com/office/drawing/2014/main" id="{BB70DCB9-2177-4532-B03C-99A1F2E062A2}"/>
+              </a:ext>
+            </a:extLst>
+          </p:cNvPr>
+          <p:cNvPicPr>
+            <a:picLocks noChangeAspect="1"/>
+          </p:cNvPicPr>
+          <p:nvPr/>
+        </p:nvPicPr>
+        <p:blipFill>
+          <a:blip r:embed="rId2"/>
+          <a:stretch>
+            <a:fillRect/>
+          </a:stretch>
+        </p:blipFill>
+        <p:spPr>
+          <a:xfrm>
+            <a:off x="1508442" y="1817766"/>
+            <a:ext cx="9175116" cy="4849878"/>
+          </a:xfrm>
+          <a:prstGeom prst="rect">
+            <a:avLst/>
+          </a:prstGeom>
+        </p:spPr>
+      </p:pic>
+    </p:spTree>
+    <p:extLst>
+      <p:ext uri="{BB962C8B-B14F-4D97-AF65-F5344CB8AC3E}">
+        <p14:creationId xmlns:p14="http://schemas.microsoft.com/office/powerpoint/2010/main" val="1164872043"/>
+      </p:ext>
+    </p:extLst>
+  </p:cSld>
+  <p:clrMapOvr>
+    <a:masterClrMapping/>
+  </p:clrMapOvr>
+  <mc:AlternateContent xmlns:mc="http://schemas.openxmlformats.org/markup-compatibility/2006" xmlns:p14="http://schemas.microsoft.com/office/powerpoint/2010/main">
+    <mc:Choice Requires="p14">
+      <p:transition spd="med" p14:dur="700">
+        <p:fade/>
+      </p:transition>
+    </mc:Choice>
+    <mc:Fallback xmlns="">
+      <p:transition spd="med">
+        <p:fade/>
+      </p:transition>
+    </mc:Fallback>
+  </mc:AlternateContent>
+</p:sld>
+</file>
+
+<file path=ppt/slides/slide4.xml><?xml version="1.0" encoding="utf-8"?>
+<p:sld xmlns:a="http://schemas.openxmlformats.org/drawingml/2006/main" xmlns:r="http://schemas.openxmlformats.org/officeDocument/2006/relationships" xmlns:p="http://schemas.openxmlformats.org/presentationml/2006/main">
+  <p:cSld>
+    <p:spTree>
+      <p:nvGrpSpPr>
+        <p:cNvPr id="1" name=""/>
+        <p:cNvGrpSpPr/>
+        <p:nvPr/>
+      </p:nvGrpSpPr>
+      <p:grpSpPr>
+        <a:xfrm>
+          <a:off x="0" y="0"/>
+          <a:ext cx="0" cy="0"/>
+          <a:chOff x="0" y="0"/>
+          <a:chExt cx="0" cy="0"/>
+        </a:xfrm>
+      </p:grpSpPr>
+      <p:sp>
+        <p:nvSpPr>
+          <p:cNvPr id="2" name="Titre 1">
+            <a:extLst>
+              <a:ext uri="{FF2B5EF4-FFF2-40B4-BE49-F238E27FC236}">
+                <a16:creationId xmlns:a16="http://schemas.microsoft.com/office/drawing/2014/main" id="{3B765292-BC29-4D23-8E70-FC3857501D1F}"/>
+              </a:ext>
+            </a:extLst>
+          </p:cNvPr>
+          <p:cNvSpPr>
+            <a:spLocks noGrp="1"/>
+          </p:cNvSpPr>
+          <p:nvPr>
+            <p:ph type="title"/>
+          </p:nvPr>
+        </p:nvSpPr>
+        <p:spPr/>
+        <p:txBody>
+          <a:bodyPr/>
+          <a:lstStyle/>
+          <a:p>
+            <a:r>
+              <a:rPr lang="fr-FR" dirty="0" smtClean="0"/>
+              <a:t>2	 Diagramme </a:t>
+            </a:r>
+            <a:r>
+              <a:rPr lang="fr-FR" dirty="0"/>
+              <a:t>UML</a:t>
+            </a:r>
+          </a:p>
+        </p:txBody>
+      </p:sp>
+      <p:pic>
+        <p:nvPicPr>
+          <p:cNvPr id="5" name="Image 4" descr="Une image contenant capture d’écran&#10;&#10;Description générée automatiquement">
+            <a:extLst>
+              <a:ext uri="{FF2B5EF4-FFF2-40B4-BE49-F238E27FC236}">
+                <a16:creationId xmlns:a16="http://schemas.microsoft.com/office/drawing/2014/main" id="{F56F1C89-7171-47C9-BB33-256A45F4B93F}"/>
+              </a:ext>
+            </a:extLst>
+          </p:cNvPr>
+          <p:cNvPicPr>
+            <a:picLocks noChangeAspect="1"/>
+          </p:cNvPicPr>
+          <p:nvPr/>
+        </p:nvPicPr>
+        <p:blipFill>
+          <a:blip r:embed="rId2">
+            <a:extLst>
+              <a:ext uri="{28A0092B-C50C-407E-A947-70E740481C1C}">
+                <a14:useLocalDpi xmlns:a14="http://schemas.microsoft.com/office/drawing/2010/main" val="0"/>
+              </a:ext>
+            </a:extLst>
+          </a:blip>
+          <a:stretch>
+            <a:fillRect/>
+          </a:stretch>
+        </p:blipFill>
+        <p:spPr>
+          <a:xfrm>
+            <a:off x="1090145" y="1862766"/>
+            <a:ext cx="10557358" cy="4391038"/>
+          </a:xfrm>
+          <a:prstGeom prst="rect">
+            <a:avLst/>
+          </a:prstGeom>
+          <a:effectLst>
+            <a:softEdge rad="12700"/>
+          </a:effectLst>
+        </p:spPr>
+      </p:pic>
+    </p:spTree>
+    <p:extLst>
+      <p:ext uri="{BB962C8B-B14F-4D97-AF65-F5344CB8AC3E}">
+        <p14:creationId xmlns:p14="http://schemas.microsoft.com/office/powerpoint/2010/main" val="744313170"/>
+      </p:ext>
+    </p:extLst>
+  </p:cSld>
+  <p:clrMapOvr>
+    <a:masterClrMapping/>
+  </p:clrMapOvr>
+  <mc:AlternateContent xmlns:mc="http://schemas.openxmlformats.org/markup-compatibility/2006" xmlns:p14="http://schemas.microsoft.com/office/powerpoint/2010/main">
+    <mc:Choice Requires="p14">
+      <p:transition spd="med" p14:dur="700">
+        <p:fade/>
+      </p:transition>
+    </mc:Choice>
+    <mc:Fallback xmlns="">
+      <p:transition spd="med">
+        <p:fade/>
+      </p:transition>
+    </mc:Fallback>
+  </mc:AlternateContent>
+</p:sld>
+</file>
+
+<file path=ppt/slides/slide5.xml><?xml version="1.0" encoding="utf-8"?>
+<p:sld xmlns:a="http://schemas.openxmlformats.org/drawingml/2006/main" xmlns:r="http://schemas.openxmlformats.org/officeDocument/2006/relationships" xmlns:p="http://schemas.openxmlformats.org/presentationml/2006/main">
+  <p:cSld>
+    <p:spTree>
+      <p:nvGrpSpPr>
+        <p:cNvPr id="1" name=""/>
+        <p:cNvGrpSpPr/>
+        <p:nvPr/>
+      </p:nvGrpSpPr>
+      <p:grpSpPr>
+        <a:xfrm>
+          <a:off x="0" y="0"/>
+          <a:ext cx="0" cy="0"/>
+          <a:chOff x="0" y="0"/>
+          <a:chExt cx="0" cy="0"/>
+        </a:xfrm>
+      </p:grpSpPr>
+      <p:pic>
+        <p:nvPicPr>
+          <p:cNvPr id="4" name="Espace réservé du contenu 3"/>
+          <p:cNvPicPr>
+            <a:picLocks noGrp="1" noChangeAspect="1"/>
+          </p:cNvPicPr>
+          <p:nvPr>
+            <p:ph idx="1"/>
+          </p:nvPr>
+        </p:nvPicPr>
+        <p:blipFill>
+          <a:blip r:embed="rId2" cstate="print">
+            <a:extLst>
+              <a:ext uri="{28A0092B-C50C-407E-A947-70E740481C1C}">
+                <a14:useLocalDpi xmlns:a14="http://schemas.microsoft.com/office/drawing/2010/main" val="0"/>
+              </a:ext>
+            </a:extLst>
+          </a:blip>
+          <a:stretch>
+            <a:fillRect/>
+          </a:stretch>
+        </p:blipFill>
+        <p:spPr>
+          <a:xfrm>
+            <a:off x="1116623" y="75156"/>
+            <a:ext cx="3006969" cy="6507178"/>
+          </a:xfrm>
+        </p:spPr>
+      </p:pic>
+      <p:pic>
+        <p:nvPicPr>
+          <p:cNvPr id="5" name="Image 4"/>
+          <p:cNvPicPr>
+            <a:picLocks noChangeAspect="1"/>
+          </p:cNvPicPr>
+          <p:nvPr/>
+        </p:nvPicPr>
+        <p:blipFill>
+          <a:blip r:embed="rId3">
+            <a:extLst>
+              <a:ext uri="{28A0092B-C50C-407E-A947-70E740481C1C}">
+                <a14:useLocalDpi xmlns:a14="http://schemas.microsoft.com/office/drawing/2010/main" val="0"/>
+              </a:ext>
+            </a:extLst>
+          </a:blip>
+          <a:stretch>
+            <a:fillRect/>
+          </a:stretch>
+        </p:blipFill>
+        <p:spPr>
+          <a:xfrm>
+            <a:off x="6029324" y="525281"/>
+            <a:ext cx="4972751" cy="5606928"/>
+          </a:xfrm>
+          <a:prstGeom prst="rect">
+            <a:avLst/>
+          </a:prstGeom>
+        </p:spPr>
+      </p:pic>
+    </p:spTree>
+    <p:extLst>
+      <p:ext uri="{BB962C8B-B14F-4D97-AF65-F5344CB8AC3E}">
+        <p14:creationId xmlns:p14="http://schemas.microsoft.com/office/powerpoint/2010/main" val="3542700111"/>
+      </p:ext>
+    </p:extLst>
+  </p:cSld>
+  <p:clrMapOvr>
+    <a:masterClrMapping/>
+  </p:clrMapOvr>
+</p:sld>
+</file>
+
+<file path=ppt/slides/slide6.xml><?xml version="1.0" encoding="utf-8"?>
+<p:sld xmlns:a="http://schemas.openxmlformats.org/drawingml/2006/main" xmlns:r="http://schemas.openxmlformats.org/officeDocument/2006/relationships" xmlns:p="http://schemas.openxmlformats.org/presentationml/2006/main">
+  <p:cSld>
+    <p:spTree>
+      <p:nvGrpSpPr>
+        <p:cNvPr id="1" name=""/>
+        <p:cNvGrpSpPr/>
+        <p:nvPr/>
+      </p:nvGrpSpPr>
+      <p:grpSpPr>
+        <a:xfrm>
+          <a:off x="0" y="0"/>
+          <a:ext cx="0" cy="0"/>
+          <a:chOff x="0" y="0"/>
+          <a:chExt cx="0" cy="0"/>
+        </a:xfrm>
+      </p:grpSpPr>
+      <p:sp>
+        <p:nvSpPr>
+          <p:cNvPr id="18" name="Rectangle 14">
+            <a:extLst>
+              <a:ext uri="{FF2B5EF4-FFF2-40B4-BE49-F238E27FC236}">
+                <a16:creationId xmlns:a16="http://schemas.microsoft.com/office/drawing/2014/main" id="{62DAC179-C790-4427-B1A0-AF7E55B8E6FA}"/>
+              </a:ext>
+              <a:ext uri="{C183D7F6-B498-43B3-948B-1728B52AA6E4}">
+                <adec:decorative xmlns="" xmlns:adec="http://schemas.microsoft.com/office/drawing/2017/decorative" val="1"/>
+              </a:ext>
+            </a:extLst>
+          </p:cNvPr>
+          <p:cNvSpPr>
+            <a:spLocks noGrp="1" noRot="1" noChangeAspect="1" noMove="1" noResize="1" noEditPoints="1" noAdjustHandles="1" noChangeArrowheads="1" noChangeShapeType="1" noTextEdit="1"/>
+          </p:cNvSpPr>
+          <p:nvPr>
+            <p:extLst>
+              <p:ext uri="{386F3935-93C4-4BCD-93E2-E3B085C9AB24}">
+                <p16:designElem xmlns:p16="http://schemas.microsoft.com/office/powerpoint/2015/main" val="1"/>
+              </p:ext>
+            </p:extLst>
+          </p:nvPr>
+        </p:nvSpPr>
+        <p:spPr>
+          <a:xfrm>
+            <a:off x="0" y="0"/>
+            <a:ext cx="12192000" cy="6858000"/>
+          </a:xfrm>
+          <a:prstGeom prst="rect">
+            <a:avLst/>
+          </a:prstGeom>
+          <a:solidFill>
+            <a:schemeClr val="bg2"/>
+          </a:solidFill>
+          <a:ln>
+            <a:noFill/>
+          </a:ln>
+        </p:spPr>
+        <p:style>
+          <a:lnRef idx="2">
+            <a:schemeClr val="accent1">
+              <a:shade val="50000"/>
+            </a:schemeClr>
+          </a:lnRef>
+          <a:fillRef idx="1">
+            <a:schemeClr val="accent1"/>
+          </a:fillRef>
+          <a:effectRef idx="0">
+            <a:schemeClr val="accent1"/>
+          </a:effectRef>
+          <a:fontRef idx="minor">
+            <a:schemeClr val="lt1"/>
+          </a:fontRef>
+        </p:style>
+        <p:txBody>
+          <a:bodyPr rtlCol="0" anchor="ctr"/>
+          <a:lstStyle/>
+          <a:p>
+            <a:pPr algn="ctr"/>
+            <a:endParaRPr lang="en-US"/>
+          </a:p>
+        </p:txBody>
+      </p:sp>
+      <p:sp>
+        <p:nvSpPr>
+          <p:cNvPr id="2" name="Titre 1">
+            <a:extLst>
+              <a:ext uri="{FF2B5EF4-FFF2-40B4-BE49-F238E27FC236}">
+                <a16:creationId xmlns:a16="http://schemas.microsoft.com/office/drawing/2014/main" id="{774934A2-C17E-493E-8C67-FE891A56A741}"/>
+              </a:ext>
+            </a:extLst>
+          </p:cNvPr>
+          <p:cNvSpPr>
+            <a:spLocks noGrp="1"/>
+          </p:cNvSpPr>
+          <p:nvPr>
+            <p:ph type="title"/>
+          </p:nvPr>
+        </p:nvSpPr>
+        <p:spPr>
+          <a:xfrm>
+            <a:off x="7737231" y="639704"/>
+            <a:ext cx="4203235" cy="5577840"/>
+          </a:xfrm>
+        </p:spPr>
+        <p:txBody>
+          <a:bodyPr anchor="ctr">
+            <a:normAutofit/>
+          </a:bodyPr>
+          <a:lstStyle/>
+          <a:p>
+            <a:r>
+              <a:rPr lang="fr-FR" sz="4100" dirty="0" smtClean="0"/>
+              <a:t>3 	Achievements</a:t>
+            </a:r>
+            <a:endParaRPr lang="fr-FR" sz="4100" dirty="0"/>
+          </a:p>
+        </p:txBody>
+      </p:sp>
+      <p:sp useBgFill="1">
+        <p:nvSpPr>
+          <p:cNvPr id="17" name="Rectangle 16">
+            <a:extLst>
+              <a:ext uri="{FF2B5EF4-FFF2-40B4-BE49-F238E27FC236}">
+                <a16:creationId xmlns:a16="http://schemas.microsoft.com/office/drawing/2014/main" id="{EA392D87-3787-45D6-976E-B85674C09048}"/>
+              </a:ext>
+              <a:ext uri="{C183D7F6-B498-43B3-948B-1728B52AA6E4}">
+                <adec:decorative xmlns="" xmlns:adec="http://schemas.microsoft.com/office/drawing/2017/decorative" val="1"/>
+              </a:ext>
+            </a:extLst>
+          </p:cNvPr>
+          <p:cNvSpPr>
+            <a:spLocks noGrp="1" noRot="1" noChangeAspect="1" noMove="1" noResize="1" noEditPoints="1" noAdjustHandles="1" noChangeArrowheads="1" noChangeShapeType="1" noTextEdit="1"/>
+          </p:cNvSpPr>
+          <p:nvPr>
+            <p:extLst>
+              <p:ext uri="{386F3935-93C4-4BCD-93E2-E3B085C9AB24}">
+                <p16:designElem xmlns:p16="http://schemas.microsoft.com/office/powerpoint/2015/main" val="1"/>
+              </p:ext>
+            </p:extLst>
+          </p:nvPr>
+        </p:nvSpPr>
+        <p:spPr>
+          <a:xfrm>
+            <a:off x="0" y="0"/>
+            <a:ext cx="7383661" cy="6858000"/>
+          </a:xfrm>
+          <a:prstGeom prst="rect">
+            <a:avLst/>
+          </a:prstGeom>
+          <a:ln>
+            <a:noFill/>
+          </a:ln>
+        </p:spPr>
+        <p:style>
+          <a:lnRef idx="2">
+            <a:schemeClr val="accent1">
+              <a:shade val="50000"/>
+            </a:schemeClr>
+          </a:lnRef>
+          <a:fillRef idx="1">
+            <a:schemeClr val="accent1"/>
+          </a:fillRef>
+          <a:effectRef idx="0">
+            <a:schemeClr val="accent1"/>
+          </a:effectRef>
+          <a:fontRef idx="minor">
+            <a:schemeClr val="lt1"/>
+          </a:fontRef>
+        </p:style>
+        <p:txBody>
+          <a:bodyPr rtlCol="0" anchor="ctr"/>
+          <a:lstStyle/>
+          <a:p>
+            <a:pPr algn="ctr"/>
+            <a:endParaRPr lang="en-US"/>
+          </a:p>
+        </p:txBody>
+      </p:sp>
+      <p:sp>
+        <p:nvSpPr>
+          <p:cNvPr id="19" name="Rectangle 18">
+            <a:extLst>
+              <a:ext uri="{FF2B5EF4-FFF2-40B4-BE49-F238E27FC236}">
+                <a16:creationId xmlns:a16="http://schemas.microsoft.com/office/drawing/2014/main" id="{DEFE8E04-DEE3-49FD-89A2-285FAD1CB6E0}"/>
+              </a:ext>
+              <a:ext uri="{C183D7F6-B498-43B3-948B-1728B52AA6E4}">
+                <adec:decorative xmlns="" xmlns:adec="http://schemas.microsoft.com/office/drawing/2017/decorative" val="1"/>
+              </a:ext>
+            </a:extLst>
+          </p:cNvPr>
+          <p:cNvSpPr>
+            <a:spLocks noGrp="1" noRot="1" noChangeAspect="1" noMove="1" noResize="1" noEditPoints="1" noAdjustHandles="1" noChangeArrowheads="1" noChangeShapeType="1" noTextEdit="1"/>
+          </p:cNvSpPr>
+          <p:nvPr>
+            <p:extLst>
+              <p:ext uri="{386F3935-93C4-4BCD-93E2-E3B085C9AB24}">
+                <p16:designElem xmlns:p16="http://schemas.microsoft.com/office/powerpoint/2015/main" val="1"/>
+              </p:ext>
+            </p:extLst>
+          </p:nvPr>
+        </p:nvSpPr>
+        <p:spPr>
+          <a:xfrm>
+            <a:off x="7383661" y="0"/>
+            <a:ext cx="228600" cy="6858000"/>
+          </a:xfrm>
+          <a:prstGeom prst="rect">
+            <a:avLst/>
+          </a:prstGeom>
+          <a:solidFill>
+            <a:schemeClr val="tx1">
+              <a:lumMod val="50000"/>
+              <a:lumOff val="50000"/>
+              <a:alpha val="60000"/>
+            </a:schemeClr>
+          </a:solidFill>
+          <a:ln>
+            <a:noFill/>
+          </a:ln>
+        </p:spPr>
+        <p:style>
+          <a:lnRef idx="2">
+            <a:schemeClr val="accent1">
+              <a:shade val="50000"/>
+            </a:schemeClr>
+          </a:lnRef>
+          <a:fillRef idx="1">
+            <a:schemeClr val="accent1"/>
+          </a:fillRef>
+          <a:effectRef idx="0">
+            <a:schemeClr val="accent1"/>
+          </a:effectRef>
+          <a:fontRef idx="minor">
+            <a:schemeClr val="lt1"/>
+          </a:fontRef>
+        </p:style>
+      </p:sp>
+      <p:graphicFrame>
+        <p:nvGraphicFramePr>
+          <p:cNvPr id="5" name="Espace réservé du contenu 2">
+            <a:extLst>
+              <a:ext uri="{FF2B5EF4-FFF2-40B4-BE49-F238E27FC236}">
+                <a16:creationId xmlns:a16="http://schemas.microsoft.com/office/drawing/2014/main" id="{52D36DDA-F3AF-47FC-BABA-A8FF0C31EE6A}"/>
+              </a:ext>
+            </a:extLst>
+          </p:cNvPr>
+          <p:cNvGraphicFramePr>
+            <a:graphicFrameLocks noGrp="1"/>
+          </p:cNvGraphicFramePr>
+          <p:nvPr>
+            <p:ph idx="1"/>
+            <p:extLst>
+              <p:ext uri="{D42A27DB-BD31-4B8C-83A1-F6EECF244321}">
+                <p14:modId xmlns:p14="http://schemas.microsoft.com/office/powerpoint/2010/main" val="1572977870"/>
+              </p:ext>
+            </p:extLst>
+          </p:nvPr>
+        </p:nvGraphicFramePr>
+        <p:xfrm>
+          <a:off x="681022" y="1048136"/>
+          <a:ext cx="5959475" cy="5577781"/>
+        </p:xfrm>
+        <a:graphic>
+          <a:graphicData uri="http://schemas.openxmlformats.org/drawingml/2006/diagram">
+            <dgm:relIds xmlns:dgm="http://schemas.openxmlformats.org/drawingml/2006/diagram" xmlns:r="http://schemas.openxmlformats.org/officeDocument/2006/relationships" r:dm="rId2" r:lo="rId3" r:qs="rId4" r:cs="rId5"/>
+          </a:graphicData>
+        </a:graphic>
+      </p:graphicFrame>
+      <p:sp>
+        <p:nvSpPr>
+          <p:cNvPr id="4" name="ZoneTexte 3">
+            <a:extLst>
+              <a:ext uri="{FF2B5EF4-FFF2-40B4-BE49-F238E27FC236}">
+                <a16:creationId xmlns:a16="http://schemas.microsoft.com/office/drawing/2014/main" id="{C6F35F9A-031A-496D-922E-538D059228A4}"/>
+              </a:ext>
+            </a:extLst>
+          </p:cNvPr>
+          <p:cNvSpPr txBox="1"/>
+          <p:nvPr/>
+        </p:nvSpPr>
+        <p:spPr>
+          <a:xfrm>
+            <a:off x="486383" y="5663953"/>
+            <a:ext cx="6154114" cy="1038404"/>
+          </a:xfrm>
+          <a:prstGeom prst="rect">
+            <a:avLst/>
+          </a:prstGeom>
+          <a:solidFill>
+            <a:schemeClr val="bg1"/>
+          </a:solidFill>
+        </p:spPr>
+        <p:txBody>
+          <a:bodyPr wrap="square" rtlCol="0">
+            <a:spAutoFit/>
+          </a:bodyPr>
+          <a:lstStyle/>
+          <a:p>
+            <a:endParaRPr lang="fr-FR" dirty="0"/>
+          </a:p>
+        </p:txBody>
+      </p:sp>
+    </p:spTree>
+    <p:extLst>
+      <p:ext uri="{BB962C8B-B14F-4D97-AF65-F5344CB8AC3E}">
+        <p14:creationId xmlns:p14="http://schemas.microsoft.com/office/powerpoint/2010/main" val="94944101"/>
+      </p:ext>
+    </p:extLst>
+  </p:cSld>
+  <p:clrMapOvr>
+    <a:masterClrMapping/>
+  </p:clrMapOvr>
+  <p:transition spd="slow">
+    <p:wipe/>
+  </p:transition>
+</p:sld>
+</file>
+
+<file path=ppt/slides/slide7.xml><?xml version="1.0" encoding="utf-8"?>
+<p:sld xmlns:a="http://schemas.openxmlformats.org/drawingml/2006/main" xmlns:r="http://schemas.openxmlformats.org/officeDocument/2006/relationships" xmlns:p="http://schemas.openxmlformats.org/presentationml/2006/main">
+  <p:cSld>
+    <p:spTree>
+      <p:nvGrpSpPr>
+        <p:cNvPr id="1" name=""/>
+        <p:cNvGrpSpPr/>
+        <p:nvPr/>
+      </p:nvGrpSpPr>
+      <p:grpSpPr>
+        <a:xfrm>
+          <a:off x="0" y="0"/>
+          <a:ext cx="0" cy="0"/>
+          <a:chOff x="0" y="0"/>
+          <a:chExt cx="0" cy="0"/>
+        </a:xfrm>
+      </p:grpSpPr>
+      <p:grpSp>
+        <p:nvGrpSpPr>
+          <p:cNvPr id="10" name="Group 9">
+            <a:extLst>
+              <a:ext uri="{FF2B5EF4-FFF2-40B4-BE49-F238E27FC236}">
+                <a16:creationId xmlns:a16="http://schemas.microsoft.com/office/drawing/2014/main" id="{57500303-A207-4812-BEB9-51E132FEB73F}"/>
+              </a:ext>
+              <a:ext uri="{C183D7F6-B498-43B3-948B-1728B52AA6E4}">
+                <adec:decorative xmlns="" xmlns:adec="http://schemas.microsoft.com/office/drawing/2017/decorative" val="1"/>
+              </a:ext>
+            </a:extLst>
+          </p:cNvPr>
+          <p:cNvGrpSpPr>
+            <a:grpSpLocks noGrp="1" noUngrp="1" noRot="1" noChangeAspect="1" noMove="1" noResize="1"/>
+          </p:cNvGrpSpPr>
+          <p:nvPr>
+            <p:extLst>
+              <p:ext uri="{386F3935-93C4-4BCD-93E2-E3B085C9AB24}">
+                <p16:designElem xmlns:p16="http://schemas.microsoft.com/office/powerpoint/2015/main" val="1"/>
+              </p:ext>
+            </p:extLst>
+          </p:nvPr>
+        </p:nvGrpSpPr>
+        <p:grpSpPr>
+          <a:xfrm>
+            <a:off x="752858" y="744469"/>
+            <a:ext cx="10674117" cy="5349671"/>
+            <a:chOff x="752858" y="744469"/>
+            <a:chExt cx="10674117" cy="5349671"/>
+          </a:xfrm>
+        </p:grpSpPr>
+        <p:sp>
+          <p:nvSpPr>
+            <p:cNvPr id="11" name="Freeform 6">
+              <a:extLst>
+                <a:ext uri="{FF2B5EF4-FFF2-40B4-BE49-F238E27FC236}">
+                  <a16:creationId xmlns:a16="http://schemas.microsoft.com/office/drawing/2014/main" id="{10118C91-C025-4776-BE95-E9926378E790}"/>
+                </a:ext>
+                <a:ext uri="{C183D7F6-B498-43B3-948B-1728B52AA6E4}">
+                  <adec:decorative xmlns="" xmlns:adec="http://schemas.microsoft.com/office/drawing/2017/decorative" val="1"/>
+                </a:ext>
+              </a:extLst>
+            </p:cNvPr>
+            <p:cNvSpPr/>
+            <p:nvPr>
+              <p:extLst>
+                <p:ext uri="{386F3935-93C4-4BCD-93E2-E3B085C9AB24}">
+                  <p16:designElem xmlns:p16="http://schemas.microsoft.com/office/powerpoint/2015/main" val="1"/>
+                </p:ext>
+              </p:extLst>
+            </p:nvPr>
+          </p:nvSpPr>
+          <p:spPr bwMode="auto">
+            <a:xfrm>
+              <a:off x="8151962" y="1685652"/>
+              <a:ext cx="3275013" cy="4408488"/>
+            </a:xfrm>
+            <a:custGeom>
+              <a:avLst/>
+              <a:gdLst/>
+              <a:ahLst/>
+              <a:cxnLst/>
+              <a:rect l="l" t="t" r="r" b="b"/>
+              <a:pathLst>
+                <a:path w="10000" h="10000">
+                  <a:moveTo>
+                    <a:pt x="8761" y="0"/>
+                  </a:moveTo>
+                  <a:lnTo>
+                    <a:pt x="10000" y="0"/>
+                  </a:lnTo>
+                  <a:lnTo>
+                    <a:pt x="10000" y="10000"/>
+                  </a:lnTo>
+                  <a:lnTo>
+                    <a:pt x="0" y="10000"/>
+                  </a:lnTo>
+                  <a:lnTo>
+                    <a:pt x="0" y="9126"/>
+                  </a:lnTo>
+                  <a:lnTo>
+                    <a:pt x="8761" y="9127"/>
+                  </a:lnTo>
+                  <a:lnTo>
+                    <a:pt x="8761" y="0"/>
+                  </a:lnTo>
+                  <a:close/>
+                </a:path>
+              </a:pathLst>
+            </a:custGeom>
+            <a:solidFill>
+              <a:schemeClr val="tx2"/>
+            </a:solidFill>
+            <a:ln w="0">
+              <a:noFill/>
+              <a:prstDash val="solid"/>
+              <a:round/>
+              <a:headEnd/>
+              <a:tailEnd/>
+            </a:ln>
+          </p:spPr>
+        </p:sp>
+        <p:sp>
+          <p:nvSpPr>
+            <p:cNvPr id="12" name="Freeform 6">
+              <a:extLst>
+                <a:ext uri="{FF2B5EF4-FFF2-40B4-BE49-F238E27FC236}">
+                  <a16:creationId xmlns:a16="http://schemas.microsoft.com/office/drawing/2014/main" id="{339174D0-30E8-4BBF-BF81-5DDAC33C0C0E}"/>
+                </a:ext>
+                <a:ext uri="{C183D7F6-B498-43B3-948B-1728B52AA6E4}">
+                  <adec:decorative xmlns="" xmlns:adec="http://schemas.microsoft.com/office/drawing/2017/decorative" val="1"/>
+                </a:ext>
+              </a:extLst>
+            </p:cNvPr>
+            <p:cNvSpPr/>
+            <p:nvPr>
+              <p:extLst>
+                <p:ext uri="{386F3935-93C4-4BCD-93E2-E3B085C9AB24}">
+                  <p16:designElem xmlns:p16="http://schemas.microsoft.com/office/powerpoint/2015/main" val="1"/>
+                </p:ext>
+              </p:extLst>
+            </p:nvPr>
+          </p:nvSpPr>
+          <p:spPr bwMode="auto">
+            <a:xfrm flipH="1" flipV="1">
+              <a:off x="752858" y="744469"/>
+              <a:ext cx="3275668" cy="4408488"/>
+            </a:xfrm>
+            <a:custGeom>
+              <a:avLst/>
+              <a:gdLst/>
+              <a:ahLst/>
+              <a:cxnLst/>
+              <a:rect l="l" t="t" r="r" b="b"/>
+              <a:pathLst>
+                <a:path w="10002" h="10000">
+                  <a:moveTo>
+                    <a:pt x="8763" y="0"/>
+                  </a:moveTo>
+                  <a:lnTo>
+                    <a:pt x="10002" y="0"/>
+                  </a:lnTo>
+                  <a:lnTo>
+                    <a:pt x="10002" y="10000"/>
+                  </a:lnTo>
+                  <a:lnTo>
+                    <a:pt x="2" y="10000"/>
+                  </a:lnTo>
+                  <a:cubicBezTo>
+                    <a:pt x="-2" y="9698"/>
+                    <a:pt x="4" y="9427"/>
+                    <a:pt x="0" y="9125"/>
+                  </a:cubicBezTo>
+                  <a:lnTo>
+                    <a:pt x="8763" y="9128"/>
+                  </a:lnTo>
+                  <a:lnTo>
+                    <a:pt x="8763" y="0"/>
+                  </a:lnTo>
+                  <a:close/>
+                </a:path>
+              </a:pathLst>
+            </a:custGeom>
+            <a:solidFill>
+              <a:schemeClr val="tx2"/>
+            </a:solidFill>
+            <a:ln w="0">
+              <a:noFill/>
+              <a:prstDash val="solid"/>
+              <a:round/>
+              <a:headEnd/>
+              <a:tailEnd/>
+            </a:ln>
+          </p:spPr>
+        </p:sp>
+      </p:grpSp>
+      <p:sp useBgFill="1">
+        <p:nvSpPr>
+          <p:cNvPr id="14" name="Rectangle 13">
+            <a:extLst>
+              <a:ext uri="{FF2B5EF4-FFF2-40B4-BE49-F238E27FC236}">
+                <a16:creationId xmlns:a16="http://schemas.microsoft.com/office/drawing/2014/main" id="{7BB74091-09FE-44AF-8325-7FE6E175F727}"/>
+              </a:ext>
+              <a:ext uri="{C183D7F6-B498-43B3-948B-1728B52AA6E4}">
+                <adec:decorative xmlns="" xmlns:adec="http://schemas.microsoft.com/office/drawing/2017/decorative" val="1"/>
+              </a:ext>
+            </a:extLst>
+          </p:cNvPr>
+          <p:cNvSpPr>
+            <a:spLocks noGrp="1" noRot="1" noChangeAspect="1" noMove="1" noResize="1" noEditPoints="1" noAdjustHandles="1" noChangeArrowheads="1" noChangeShapeType="1" noTextEdit="1"/>
+          </p:cNvSpPr>
+          <p:nvPr>
+            <p:extLst>
+              <p:ext uri="{386F3935-93C4-4BCD-93E2-E3B085C9AB24}">
+                <p16:designElem xmlns:p16="http://schemas.microsoft.com/office/powerpoint/2015/main" val="1"/>
+              </p:ext>
+            </p:extLst>
+          </p:nvPr>
+        </p:nvSpPr>
+        <p:spPr>
+          <a:xfrm>
+            <a:off x="0" y="0"/>
+            <a:ext cx="12192000" cy="6858000"/>
+          </a:xfrm>
+          <a:prstGeom prst="rect">
+            <a:avLst/>
+          </a:prstGeom>
+          <a:ln>
+            <a:noFill/>
+          </a:ln>
+        </p:spPr>
+        <p:style>
+          <a:lnRef idx="2">
+            <a:schemeClr val="accent1">
+              <a:shade val="50000"/>
+            </a:schemeClr>
+          </a:lnRef>
+          <a:fillRef idx="1">
+            <a:schemeClr val="accent1"/>
+          </a:fillRef>
+          <a:effectRef idx="0">
+            <a:schemeClr val="accent1"/>
+          </a:effectRef>
+          <a:fontRef idx="minor">
+            <a:schemeClr val="lt1"/>
+          </a:fontRef>
+        </p:style>
+        <p:txBody>
+          <a:bodyPr rtlCol="0" anchor="ctr"/>
+          <a:lstStyle/>
+          <a:p>
+            <a:pPr algn="ctr"/>
+            <a:endParaRPr lang="en-US"/>
+          </a:p>
+        </p:txBody>
+      </p:sp>
+      <p:sp>
+        <p:nvSpPr>
+          <p:cNvPr id="2" name="Titre 1">
+            <a:extLst>
+              <a:ext uri="{FF2B5EF4-FFF2-40B4-BE49-F238E27FC236}">
+                <a16:creationId xmlns:a16="http://schemas.microsoft.com/office/drawing/2014/main" id="{0A7CF2E5-67FA-432A-A70B-898FC70DF88B}"/>
+              </a:ext>
+            </a:extLst>
+          </p:cNvPr>
+          <p:cNvSpPr>
+            <a:spLocks noGrp="1"/>
+          </p:cNvSpPr>
+          <p:nvPr>
+            <p:ph type="title"/>
+          </p:nvPr>
+        </p:nvSpPr>
+        <p:spPr>
+          <a:xfrm>
+            <a:off x="752858" y="4736961"/>
+            <a:ext cx="10720685" cy="936769"/>
+          </a:xfrm>
+        </p:spPr>
+        <p:txBody>
+          <a:bodyPr vert="horz" lIns="91440" tIns="45720" rIns="91440" bIns="45720" rtlCol="0" anchor="b">
+            <a:normAutofit/>
+          </a:bodyPr>
+          <a:lstStyle/>
+          <a:p>
+            <a:pPr algn="ctr"/>
+            <a:r>
+              <a:rPr lang="en-US" sz="4000" cap="all" dirty="0" smtClean="0"/>
+              <a:t>4 	</a:t>
+            </a:r>
+            <a:r>
+              <a:rPr lang="fr-FR" sz="4000" cap="all" dirty="0" smtClean="0"/>
+              <a:t>i</a:t>
+            </a:r>
+            <a:r>
+              <a:rPr lang="fr-FR" sz="4000" dirty="0" smtClean="0"/>
+              <a:t>nterface </a:t>
+            </a:r>
+            <a:r>
+              <a:rPr lang="fr-FR" sz="4000" dirty="0"/>
+              <a:t>du jeu</a:t>
+            </a:r>
+            <a:endParaRPr lang="en-US" sz="4000" cap="all" dirty="0"/>
+          </a:p>
+        </p:txBody>
+      </p:sp>
+      <p:pic>
+        <p:nvPicPr>
+          <p:cNvPr id="5" name="Image 4">
+            <a:extLst>
+              <a:ext uri="{FF2B5EF4-FFF2-40B4-BE49-F238E27FC236}">
+                <a16:creationId xmlns:a16="http://schemas.microsoft.com/office/drawing/2014/main" id="{0B27B0C6-695F-48B6-AEFB-B53AA71D881F}"/>
+              </a:ext>
+            </a:extLst>
+          </p:cNvPr>
+          <p:cNvPicPr/>
+          <p:nvPr/>
+        </p:nvPicPr>
+        <p:blipFill rotWithShape="1">
+          <a:blip r:embed="rId2"/>
+          <a:srcRect l="1209" t="2718" r="945" b="1470"/>
+          <a:stretch/>
+        </p:blipFill>
+        <p:spPr bwMode="auto">
+          <a:xfrm>
+            <a:off x="6728533" y="369520"/>
+            <a:ext cx="4799282" cy="3839941"/>
+          </a:xfrm>
+          <a:prstGeom prst="rect">
+            <a:avLst/>
+          </a:prstGeom>
+          <a:solidFill>
+            <a:srgbClr val="FFFFFF">
+              <a:shade val="85000"/>
+            </a:srgbClr>
+          </a:solidFill>
+          <a:ln w="9525" cap="sq">
+            <a:solidFill>
+              <a:srgbClr val="FFFFFF"/>
+            </a:solidFill>
+            <a:miter lim="800000"/>
+          </a:ln>
+          <a:effectLst>
+            <a:outerShdw blurRad="55000" dist="18000" dir="5400000" algn="tl" rotWithShape="0">
+              <a:srgbClr val="000000">
+                <a:alpha val="40000"/>
+              </a:srgbClr>
+            </a:outerShdw>
+          </a:effectLst>
+          <a:scene3d>
+            <a:camera prst="orthographicFront"/>
+            <a:lightRig rig="twoPt" dir="t">
+              <a:rot lat="0" lon="0" rev="7200000"/>
+            </a:lightRig>
+          </a:scene3d>
+          <a:sp3d>
+            <a:bevelT w="25400" h="19050"/>
+            <a:contourClr>
+              <a:srgbClr val="FFFFFF"/>
+            </a:contourClr>
+          </a:sp3d>
+          <a:extLst>
+            <a:ext uri="{53640926-AAD7-44D8-BBD7-CCE9431645EC}">
+              <a14:shadowObscured xmlns:a14="http://schemas.microsoft.com/office/drawing/2010/main"/>
+            </a:ext>
+          </a:extLst>
+        </p:spPr>
+      </p:pic>
+      <p:pic>
+        <p:nvPicPr>
+          <p:cNvPr id="4" name="Image 3">
+            <a:extLst>
+              <a:ext uri="{FF2B5EF4-FFF2-40B4-BE49-F238E27FC236}">
+                <a16:creationId xmlns:a16="http://schemas.microsoft.com/office/drawing/2014/main" id="{04FDFED2-6998-4E7C-8C28-171BBB4CDAE9}"/>
+              </a:ext>
+            </a:extLst>
+          </p:cNvPr>
+          <p:cNvPicPr/>
+          <p:nvPr/>
+        </p:nvPicPr>
+        <p:blipFill rotWithShape="1">
+          <a:blip r:embed="rId3"/>
+          <a:srcRect l="721" t="756" r="1509" b="1845"/>
+          <a:stretch/>
+        </p:blipFill>
+        <p:spPr bwMode="auto">
+          <a:xfrm>
+            <a:off x="664187" y="366005"/>
+            <a:ext cx="4799282" cy="3839941"/>
+          </a:xfrm>
+          <a:prstGeom prst="rect">
+            <a:avLst/>
+          </a:prstGeom>
+          <a:solidFill>
+            <a:srgbClr val="FFFFFF">
+              <a:shade val="85000"/>
+            </a:srgbClr>
+          </a:solidFill>
+          <a:ln w="12700" cap="sq">
+            <a:solidFill>
+              <a:srgbClr val="FFFFFF"/>
+            </a:solidFill>
+            <a:miter lim="800000"/>
+          </a:ln>
+          <a:effectLst>
+            <a:outerShdw blurRad="55000" dist="18000" dir="5400000" algn="tl" rotWithShape="0">
+              <a:srgbClr val="000000">
+                <a:alpha val="40000"/>
+              </a:srgbClr>
+            </a:outerShdw>
+          </a:effectLst>
+          <a:scene3d>
+            <a:camera prst="orthographicFront"/>
+            <a:lightRig rig="twoPt" dir="t">
+              <a:rot lat="0" lon="0" rev="7200000"/>
+            </a:lightRig>
+          </a:scene3d>
+          <a:sp3d>
+            <a:bevelT w="25400" h="19050"/>
+            <a:contourClr>
+              <a:srgbClr val="FFFFFF"/>
+            </a:contourClr>
+          </a:sp3d>
+          <a:extLst>
+            <a:ext uri="{53640926-AAD7-44D8-BBD7-CCE9431645EC}">
+              <a14:shadowObscured xmlns:a14="http://schemas.microsoft.com/office/drawing/2010/main"/>
+            </a:ext>
+          </a:extLst>
+        </p:spPr>
+      </p:pic>
+      <p:sp>
+        <p:nvSpPr>
+          <p:cNvPr id="16" name="Freeform: Shape 15">
+            <a:extLst>
+              <a:ext uri="{FF2B5EF4-FFF2-40B4-BE49-F238E27FC236}">
+                <a16:creationId xmlns:a16="http://schemas.microsoft.com/office/drawing/2014/main" id="{0F30CCEB-94C4-4F72-BA5A-9CEA853022DA}"/>
+              </a:ext>
+              <a:ext uri="{C183D7F6-B498-43B3-948B-1728B52AA6E4}">
+                <adec:decorative xmlns="" xmlns:adec="http://schemas.microsoft.com/office/drawing/2017/decorative" val="1"/>
+              </a:ext>
+            </a:extLst>
+          </p:cNvPr>
+          <p:cNvSpPr>
+            <a:spLocks noGrp="1" noRot="1" noChangeAspect="1" noMove="1" noResize="1" noEditPoints="1" noAdjustHandles="1" noChangeArrowheads="1" noChangeShapeType="1" noTextEdit="1"/>
+          </p:cNvSpPr>
+          <p:nvPr>
+            <p:extLst>
+              <p:ext uri="{386F3935-93C4-4BCD-93E2-E3B085C9AB24}">
+                <p16:designElem xmlns:p16="http://schemas.microsoft.com/office/powerpoint/2015/main" val="1"/>
+              </p:ext>
+            </p:extLst>
+          </p:nvPr>
+        </p:nvSpPr>
+        <p:spPr bwMode="auto">
+          <a:xfrm flipH="1" flipV="1">
+            <a:off x="434936" y="4446551"/>
+            <a:ext cx="1957171" cy="1103687"/>
+          </a:xfrm>
+          <a:custGeom>
+            <a:avLst/>
+            <a:gdLst>
+              <a:gd name="connsiteX0" fmla="*/ 2017702 w 2017702"/>
+              <a:gd name="connsiteY0" fmla="*/ 1137821 h 1137821"/>
+              <a:gd name="connsiteX1" fmla="*/ 404 w 2017702"/>
+              <a:gd name="connsiteY1" fmla="*/ 1137821 h 1137821"/>
+              <a:gd name="connsiteX2" fmla="*/ 0 w 2017702"/>
+              <a:gd name="connsiteY2" fmla="*/ 900216 h 1137821"/>
+              <a:gd name="connsiteX3" fmla="*/ 1767759 w 2017702"/>
+              <a:gd name="connsiteY3" fmla="*/ 901031 h 1137821"/>
+              <a:gd name="connsiteX4" fmla="*/ 1767759 w 2017702"/>
+              <a:gd name="connsiteY4" fmla="*/ 0 h 1137821"/>
+              <a:gd name="connsiteX5" fmla="*/ 2017702 w 2017702"/>
+              <a:gd name="connsiteY5" fmla="*/ 0 h 1137821"/>
+            </a:gdLst>
+            <a:ahLst/>
+            <a:cxnLst>
+              <a:cxn ang="0">
+                <a:pos x="connsiteX0" y="connsiteY0"/>
+              </a:cxn>
+              <a:cxn ang="0">
+                <a:pos x="connsiteX1" y="connsiteY1"/>
+              </a:cxn>
+              <a:cxn ang="0">
+                <a:pos x="connsiteX2" y="connsiteY2"/>
+              </a:cxn>
+              <a:cxn ang="0">
+                <a:pos x="connsiteX3" y="connsiteY3"/>
+              </a:cxn>
+              <a:cxn ang="0">
+                <a:pos x="connsiteX4" y="connsiteY4"/>
+              </a:cxn>
+              <a:cxn ang="0">
+                <a:pos x="connsiteX5" y="connsiteY5"/>
+              </a:cxn>
+            </a:cxnLst>
+            <a:rect l="l" t="t" r="r" b="b"/>
+            <a:pathLst>
+              <a:path w="2017702" h="1137821">
+                <a:moveTo>
+                  <a:pt x="2017702" y="1137821"/>
+                </a:moveTo>
+                <a:lnTo>
+                  <a:pt x="404" y="1137821"/>
+                </a:lnTo>
+                <a:cubicBezTo>
+                  <a:pt x="-404" y="1055814"/>
+                  <a:pt x="807" y="982224"/>
+                  <a:pt x="0" y="900216"/>
+                </a:cubicBezTo>
+                <a:lnTo>
+                  <a:pt x="1767759" y="901031"/>
+                </a:lnTo>
+                <a:lnTo>
+                  <a:pt x="1767759" y="0"/>
+                </a:lnTo>
+                <a:lnTo>
+                  <a:pt x="2017702" y="0"/>
+                </a:lnTo>
+                <a:close/>
+              </a:path>
+            </a:pathLst>
+          </a:custGeom>
+          <a:solidFill>
+            <a:schemeClr val="tx2">
+              <a:alpha val="80000"/>
+            </a:schemeClr>
+          </a:solidFill>
+          <a:ln w="0">
+            <a:noFill/>
+            <a:prstDash val="solid"/>
+            <a:round/>
+            <a:headEnd/>
+            <a:tailEnd/>
+          </a:ln>
+        </p:spPr>
+      </p:sp>
+      <p:sp>
+        <p:nvSpPr>
+          <p:cNvPr id="18" name="Freeform: Shape 17">
+            <a:extLst>
+              <a:ext uri="{FF2B5EF4-FFF2-40B4-BE49-F238E27FC236}">
+                <a16:creationId xmlns:a16="http://schemas.microsoft.com/office/drawing/2014/main" id="{0DE1A94F-CC8B-4954-97A7-ADD4F300D647}"/>
+              </a:ext>
+              <a:ext uri="{C183D7F6-B498-43B3-948B-1728B52AA6E4}">
+                <adec:decorative xmlns="" xmlns:adec="http://schemas.microsoft.com/office/drawing/2017/decorative" val="1"/>
+              </a:ext>
+            </a:extLst>
+          </p:cNvPr>
+          <p:cNvSpPr>
+            <a:spLocks noGrp="1" noRot="1" noChangeAspect="1" noMove="1" noResize="1" noEditPoints="1" noAdjustHandles="1" noChangeArrowheads="1" noChangeShapeType="1" noTextEdit="1"/>
+          </p:cNvSpPr>
+          <p:nvPr>
+            <p:extLst>
+              <p:ext uri="{386F3935-93C4-4BCD-93E2-E3B085C9AB24}">
+                <p16:designElem xmlns:p16="http://schemas.microsoft.com/office/powerpoint/2015/main" val="1"/>
+              </p:ext>
+            </p:extLst>
+          </p:nvPr>
+        </p:nvSpPr>
+        <p:spPr bwMode="auto">
+          <a:xfrm>
+            <a:off x="9796837" y="5311230"/>
+            <a:ext cx="2042265" cy="1213486"/>
+          </a:xfrm>
+          <a:custGeom>
+            <a:avLst/>
+            <a:gdLst>
+              <a:gd name="connsiteX0" fmla="*/ 1844618 w 2105428"/>
+              <a:gd name="connsiteY0" fmla="*/ 0 h 1251016"/>
+              <a:gd name="connsiteX1" fmla="*/ 2105428 w 2105428"/>
+              <a:gd name="connsiteY1" fmla="*/ 0 h 1251016"/>
+              <a:gd name="connsiteX2" fmla="*/ 2105428 w 2105428"/>
+              <a:gd name="connsiteY2" fmla="*/ 1251016 h 1251016"/>
+              <a:gd name="connsiteX3" fmla="*/ 421 w 2105428"/>
+              <a:gd name="connsiteY3" fmla="*/ 1251016 h 1251016"/>
+              <a:gd name="connsiteX4" fmla="*/ 0 w 2105428"/>
+              <a:gd name="connsiteY4" fmla="*/ 1003081 h 1251016"/>
+              <a:gd name="connsiteX5" fmla="*/ 1844618 w 2105428"/>
+              <a:gd name="connsiteY5" fmla="*/ 1003931 h 1251016"/>
+            </a:gdLst>
+            <a:ahLst/>
+            <a:cxnLst>
+              <a:cxn ang="0">
+                <a:pos x="connsiteX0" y="connsiteY0"/>
+              </a:cxn>
+              <a:cxn ang="0">
+                <a:pos x="connsiteX1" y="connsiteY1"/>
+              </a:cxn>
+              <a:cxn ang="0">
+                <a:pos x="connsiteX2" y="connsiteY2"/>
+              </a:cxn>
+              <a:cxn ang="0">
+                <a:pos x="connsiteX3" y="connsiteY3"/>
+              </a:cxn>
+              <a:cxn ang="0">
+                <a:pos x="connsiteX4" y="connsiteY4"/>
+              </a:cxn>
+              <a:cxn ang="0">
+                <a:pos x="connsiteX5" y="connsiteY5"/>
+              </a:cxn>
+            </a:cxnLst>
+            <a:rect l="l" t="t" r="r" b="b"/>
+            <a:pathLst>
+              <a:path w="2105428" h="1251016">
+                <a:moveTo>
+                  <a:pt x="1844618" y="0"/>
+                </a:moveTo>
+                <a:lnTo>
+                  <a:pt x="2105428" y="0"/>
+                </a:lnTo>
+                <a:lnTo>
+                  <a:pt x="2105428" y="1251016"/>
+                </a:lnTo>
+                <a:lnTo>
+                  <a:pt x="421" y="1251016"/>
+                </a:lnTo>
+                <a:cubicBezTo>
+                  <a:pt x="-421" y="1165443"/>
+                  <a:pt x="842" y="1088654"/>
+                  <a:pt x="0" y="1003081"/>
+                </a:cubicBezTo>
+                <a:lnTo>
+                  <a:pt x="1844618" y="1003931"/>
+                </a:lnTo>
+                <a:close/>
+              </a:path>
+            </a:pathLst>
+          </a:custGeom>
+          <a:solidFill>
+            <a:schemeClr val="tx2">
+              <a:alpha val="80000"/>
+            </a:schemeClr>
+          </a:solidFill>
+          <a:ln w="0">
+            <a:noFill/>
+            <a:prstDash val="solid"/>
+            <a:round/>
+            <a:headEnd/>
+            <a:tailEnd/>
+          </a:ln>
+        </p:spPr>
+      </p:sp>
+    </p:spTree>
+    <p:extLst>
+      <p:ext uri="{BB962C8B-B14F-4D97-AF65-F5344CB8AC3E}">
+        <p14:creationId xmlns:p14="http://schemas.microsoft.com/office/powerpoint/2010/main" val="1994121183"/>
+      </p:ext>
+    </p:extLst>
+  </p:cSld>
+  <p:clrMapOvr>
+    <a:masterClrMapping/>
+  </p:clrMapOvr>
+  <mc:AlternateContent xmlns:mc="http://schemas.openxmlformats.org/markup-compatibility/2006" xmlns:p14="http://schemas.microsoft.com/office/powerpoint/2010/main">
+    <mc:Choice Requires="p14">
+      <p:transition spd="med" p14:dur="700">
+        <p:fade/>
+      </p:transition>
+    </mc:Choice>
+    <mc:Fallback xmlns="">
+      <p:transition spd="med">
+        <p:fade/>
+      </p:transition>
+    </mc:Fallback>
+  </mc:AlternateContent>
+  <p:timing>
+    <p:tnLst>
+      <p:par>
+        <p:cTn id="1" dur="indefinite" restart="never" nodeType="tmRoot">
+          <p:childTnLst>
+            <p:seq concurrent="1" nextAc="seek">
+              <p:cTn id="2" dur="indefinite" nodeType="mainSeq">
+                <p:childTnLst>
+                  <p:par>
+                    <p:cTn id="3" fill="hold">
+                      <p:stCondLst>
+                        <p:cond delay="indefinite"/>
+                      </p:stCondLst>
+                      <p:childTnLst>
+                        <p:par>
+                          <p:cTn id="4" fill="hold">
+                            <p:stCondLst>
+                              <p:cond delay="0"/>
+                            </p:stCondLst>
+                            <p:childTnLst>
+                              <p:par>
+                                <p:cTn id="5" presetID="1" presetClass="entr" presetSubtype="0" fill="hold" nodeType="clickEffect">
+                                  <p:stCondLst>
+                                    <p:cond delay="0"/>
+                                  </p:stCondLst>
+                                  <p:childTnLst>
+                                    <p:set>
+                                      <p:cBhvr>
+                                        <p:cTn id="6" dur="1" fill="hold">
+                                          <p:stCondLst>
+                                            <p:cond delay="0"/>
+                                          </p:stCondLst>
+                                        </p:cTn>
+                                        <p:tgtEl>
+                                          <p:spTgt spid="4"/>
+                                        </p:tgtEl>
+                                        <p:attrNameLst>
+                                          <p:attrName>style.visibility</p:attrName>
+                                        </p:attrNameLst>
+                                      </p:cBhvr>
+                                      <p:to>
+                                        <p:strVal val="visible"/>
+                                      </p:to>
+                                    </p:set>
+                                  </p:childTnLst>
+                                </p:cTn>
+                              </p:par>
+                            </p:childTnLst>
+                          </p:cTn>
+                        </p:par>
+                      </p:childTnLst>
+                    </p:cTn>
+                  </p:par>
+                  <p:par>
+                    <p:cTn id="7" fill="hold">
+                      <p:stCondLst>
+                        <p:cond delay="indefinite"/>
+                      </p:stCondLst>
+                      <p:childTnLst>
+                        <p:par>
+                          <p:cTn id="8" fill="hold">
+                            <p:stCondLst>
+                              <p:cond delay="0"/>
+                            </p:stCondLst>
+                            <p:childTnLst>
+                              <p:par>
+                                <p:cTn id="9" presetID="1" presetClass="entr" presetSubtype="0" fill="hold" nodeType="clickEffect">
+                                  <p:stCondLst>
+                                    <p:cond delay="0"/>
+                                  </p:stCondLst>
+                                  <p:childTnLst>
+                                    <p:set>
+                                      <p:cBhvr>
+                                        <p:cTn id="10" dur="1" fill="hold">
+                                          <p:stCondLst>
+                                            <p:cond delay="0"/>
+                                          </p:stCondLst>
+                                        </p:cTn>
+                                        <p:tgtEl>
+                                          <p:spTgt spid="5"/>
+                                        </p:tgtEl>
+                                        <p:attrNameLst>
+                                          <p:attrName>style.visibility</p:attrName>
+                                        </p:attrNameLst>
+                                      </p:cBhvr>
+                                      <p:to>
+                                        <p:strVal val="visible"/>
+                                      </p:to>
+                                    </p:set>
+                                  </p:childTnLst>
+                                </p:cTn>
+                              </p:par>
+                            </p:childTnLst>
+                          </p:cTn>
+                        </p:par>
+                      </p:childTnLst>
+                    </p:cTn>
+                  </p:par>
+                </p:childTnLst>
+              </p:cTn>
+              <p:prevCondLst>
+                <p:cond evt="onPrev" delay="0">
+                  <p:tgtEl>
+                    <p:sldTgt/>
+                  </p:tgtEl>
+                </p:cond>
+              </p:prevCondLst>
+              <p:nextCondLst>
+                <p:cond evt="onNext" delay="0">
+                  <p:tgtEl>
+                    <p:sldTgt/>
+                  </p:tgtEl>
+                </p:cond>
+              </p:nextCondLst>
+            </p:seq>
+          </p:childTnLst>
+        </p:cTn>
+      </p:par>
+    </p:tnLst>
+  </p:timing>
+</p:sld>
+</file>
+
+<file path=ppt/slides/slide8.xml><?xml version="1.0" encoding="utf-8"?>
+<p:sld xmlns:a="http://schemas.openxmlformats.org/drawingml/2006/main" xmlns:r="http://schemas.openxmlformats.org/officeDocument/2006/relationships" xmlns:p="http://schemas.openxmlformats.org/presentationml/2006/main">
+  <p:cSld>
+    <p:spTree>
+      <p:nvGrpSpPr>
+        <p:cNvPr id="1" name=""/>
+        <p:cNvGrpSpPr/>
+        <p:nvPr/>
+      </p:nvGrpSpPr>
+      <p:grpSpPr>
+        <a:xfrm>
+          <a:off x="0" y="0"/>
+          <a:ext cx="0" cy="0"/>
+          <a:chOff x="0" y="0"/>
+          <a:chExt cx="0" cy="0"/>
+        </a:xfrm>
+      </p:grpSpPr>
+      <p:pic>
+        <p:nvPicPr>
+          <p:cNvPr id="4" name="Image 3">
+            <a:extLst>
+              <a:ext uri="{FF2B5EF4-FFF2-40B4-BE49-F238E27FC236}">
+                <a16:creationId xmlns:a16="http://schemas.microsoft.com/office/drawing/2014/main" id="{4096BDF5-3911-46C8-8D7A-5FD06C3BFE23}"/>
+              </a:ext>
+            </a:extLst>
+          </p:cNvPr>
+          <p:cNvPicPr/>
+          <p:nvPr/>
+        </p:nvPicPr>
+        <p:blipFill>
+          <a:blip r:embed="rId2"/>
+          <a:stretch>
+            <a:fillRect/>
+          </a:stretch>
+        </p:blipFill>
+        <p:spPr>
+          <a:xfrm>
+            <a:off x="971597" y="197878"/>
+            <a:ext cx="5346065" cy="4244340"/>
+          </a:xfrm>
+          <a:prstGeom prst="rect">
+            <a:avLst/>
+          </a:prstGeom>
+          <a:solidFill>
+            <a:srgbClr val="FFFFFF">
+              <a:shade val="85000"/>
+            </a:srgbClr>
+          </a:solidFill>
+          <a:ln w="88900" cap="sq">
+            <a:solidFill>
+              <a:srgbClr val="FFFFFF"/>
+            </a:solidFill>
+            <a:miter lim="800000"/>
+          </a:ln>
+          <a:effectLst>
+            <a:outerShdw blurRad="55000" dist="18000" dir="5400000" algn="tl" rotWithShape="0">
+              <a:srgbClr val="000000">
+                <a:alpha val="40000"/>
+              </a:srgbClr>
+            </a:outerShdw>
+          </a:effectLst>
+          <a:scene3d>
+            <a:camera prst="orthographicFront"/>
+            <a:lightRig rig="twoPt" dir="t">
+              <a:rot lat="0" lon="0" rev="7200000"/>
+            </a:lightRig>
+          </a:scene3d>
+          <a:sp3d>
+            <a:bevelT w="25400" h="19050"/>
+            <a:contourClr>
+              <a:srgbClr val="FFFFFF"/>
+            </a:contourClr>
+          </a:sp3d>
+        </p:spPr>
+      </p:pic>
+      <p:pic>
+        <p:nvPicPr>
+          <p:cNvPr id="5" name="Image 4">
+            <a:extLst>
+              <a:ext uri="{FF2B5EF4-FFF2-40B4-BE49-F238E27FC236}">
+                <a16:creationId xmlns:a16="http://schemas.microsoft.com/office/drawing/2014/main" id="{EA1F332A-F24C-4776-81A2-A6B873B93516}"/>
+              </a:ext>
+            </a:extLst>
+          </p:cNvPr>
+          <p:cNvPicPr/>
+          <p:nvPr/>
+        </p:nvPicPr>
+        <p:blipFill>
+          <a:blip r:embed="rId3"/>
+          <a:stretch>
+            <a:fillRect/>
+          </a:stretch>
+        </p:blipFill>
+        <p:spPr>
+          <a:xfrm>
+            <a:off x="6715935" y="2471502"/>
+            <a:ext cx="5238750" cy="4155440"/>
+          </a:xfrm>
+          <a:prstGeom prst="rect">
+            <a:avLst/>
+          </a:prstGeom>
+          <a:solidFill>
+            <a:srgbClr val="FFFFFF">
+              <a:shade val="85000"/>
+            </a:srgbClr>
+          </a:solidFill>
+          <a:ln w="88900" cap="sq">
+            <a:solidFill>
+              <a:srgbClr val="FFFFFF"/>
+            </a:solidFill>
+            <a:miter lim="800000"/>
+          </a:ln>
+          <a:effectLst>
+            <a:outerShdw blurRad="55000" dist="18000" dir="5400000" algn="tl" rotWithShape="0">
+              <a:srgbClr val="000000">
+                <a:alpha val="40000"/>
+              </a:srgbClr>
+            </a:outerShdw>
+          </a:effectLst>
+          <a:scene3d>
+            <a:camera prst="orthographicFront"/>
+            <a:lightRig rig="twoPt" dir="t">
+              <a:rot lat="0" lon="0" rev="7200000"/>
+            </a:lightRig>
+          </a:scene3d>
+          <a:sp3d>
+            <a:bevelT w="25400" h="19050"/>
+            <a:contourClr>
+              <a:srgbClr val="FFFFFF"/>
+            </a:contourClr>
+          </a:sp3d>
+        </p:spPr>
+      </p:pic>
+    </p:spTree>
+    <p:extLst>
+      <p:ext uri="{BB962C8B-B14F-4D97-AF65-F5344CB8AC3E}">
+        <p14:creationId xmlns:p14="http://schemas.microsoft.com/office/powerpoint/2010/main" val="1409767568"/>
+      </p:ext>
+    </p:extLst>
+  </p:cSld>
+  <p:clrMapOvr>
+    <a:masterClrMapping/>
+  </p:clrMapOvr>
+  <mc:AlternateContent xmlns:mc="http://schemas.openxmlformats.org/markup-compatibility/2006" xmlns:p159="http://schemas.microsoft.com/office/powerpoint/2015/09/main">
+    <mc:Choice Requires="p159">
+      <p:transition xmlns:p14="http://schemas.microsoft.com/office/powerpoint/2010/main" spd="slow" p14:dur="2000">
+        <p159:morph option="byObject"/>
+      </p:transition>
+    </mc:Choice>
+    <mc:Fallback xmlns="">
+      <p:transition spd="slow">
+        <p:fade/>
+      </p:transition>
+    </mc:Fallback>
+  </mc:AlternateContent>
+  <p:timing>
+    <p:tnLst>
+      <p:par>
+        <p:cTn id="1" dur="indefinite" restart="never" nodeType="tmRoot">
+          <p:childTnLst>
+            <p:seq concurrent="1" nextAc="seek">
+              <p:cTn id="2" dur="indefinite" nodeType="mainSeq">
+                <p:childTnLst>
+                  <p:par>
+                    <p:cTn id="3" fill="hold">
+                      <p:stCondLst>
+                        <p:cond delay="indefinite"/>
+                      </p:stCondLst>
+                      <p:childTnLst>
+                        <p:par>
+                          <p:cTn id="4" fill="hold">
+                            <p:stCondLst>
+                              <p:cond delay="0"/>
+                            </p:stCondLst>
+                            <p:childTnLst>
+                              <p:par>
+                                <p:cTn id="5" presetID="1" presetClass="entr" presetSubtype="0" fill="hold" nodeType="clickEffect">
+                                  <p:stCondLst>
+                                    <p:cond delay="0"/>
+                                  </p:stCondLst>
+                                  <p:childTnLst>
+                                    <p:set>
+                                      <p:cBhvr>
+                                        <p:cTn id="6" dur="1" fill="hold">
+                                          <p:stCondLst>
+                                            <p:cond delay="0"/>
+                                          </p:stCondLst>
+                                        </p:cTn>
+                                        <p:tgtEl>
+                                          <p:spTgt spid="4"/>
+                                        </p:tgtEl>
+                                        <p:attrNameLst>
+                                          <p:attrName>style.visibility</p:attrName>
+                                        </p:attrNameLst>
+                                      </p:cBhvr>
+                                      <p:to>
+                                        <p:strVal val="visible"/>
+                                      </p:to>
+                                    </p:set>
+                                  </p:childTnLst>
+                                </p:cTn>
+                              </p:par>
+                            </p:childTnLst>
+                          </p:cTn>
+                        </p:par>
+                      </p:childTnLst>
+                    </p:cTn>
+                  </p:par>
+                  <p:par>
+                    <p:cTn id="7" fill="hold">
+                      <p:stCondLst>
+                        <p:cond delay="indefinite"/>
+                      </p:stCondLst>
+                      <p:childTnLst>
+                        <p:par>
+                          <p:cTn id="8" fill="hold">
+                            <p:stCondLst>
+                              <p:cond delay="0"/>
+                            </p:stCondLst>
+                            <p:childTnLst>
+                              <p:par>
+                                <p:cTn id="9" presetID="1" presetClass="entr" presetSubtype="0" fill="hold" nodeType="clickEffect">
+                                  <p:stCondLst>
+                                    <p:cond delay="0"/>
+                                  </p:stCondLst>
+                                  <p:childTnLst>
+                                    <p:set>
+                                      <p:cBhvr>
+                                        <p:cTn id="10" dur="1" fill="hold">
+                                          <p:stCondLst>
+                                            <p:cond delay="0"/>
+                                          </p:stCondLst>
+                                        </p:cTn>
+                                        <p:tgtEl>
+                                          <p:spTgt spid="5"/>
+                                        </p:tgtEl>
+                                        <p:attrNameLst>
+                                          <p:attrName>style.visibility</p:attrName>
+                                        </p:attrNameLst>
+                                      </p:cBhvr>
+                                      <p:to>
+                                        <p:strVal val="visible"/>
+                                      </p:to>
+                                    </p:set>
+                                  </p:childTnLst>
+                                </p:cTn>
+                              </p:par>
+                            </p:childTnLst>
+                          </p:cTn>
+                        </p:par>
+                      </p:childTnLst>
+                    </p:cTn>
+                  </p:par>
+                </p:childTnLst>
+              </p:cTn>
+              <p:prevCondLst>
+                <p:cond evt="onPrev" delay="0">
+                  <p:tgtEl>
+                    <p:sldTgt/>
+                  </p:tgtEl>
+                </p:cond>
+              </p:prevCondLst>
+              <p:nextCondLst>
+                <p:cond evt="onNext" delay="0">
+                  <p:tgtEl>
+                    <p:sldTgt/>
+                  </p:tgtEl>
+                </p:cond>
+              </p:nextCondLst>
+            </p:seq>
+          </p:childTnLst>
+        </p:cTn>
+      </p:par>
+    </p:tnLst>
+  </p:timing>
+</p:sld>
+</file>
+
+<file path=ppt/slides/slide9.xml><?xml version="1.0" encoding="utf-8"?>
+<p:sld xmlns:a="http://schemas.openxmlformats.org/drawingml/2006/main" xmlns:r="http://schemas.openxmlformats.org/officeDocument/2006/relationships" xmlns:p="http://schemas.openxmlformats.org/presentationml/2006/main">
+  <p:cSld>
+    <p:spTree>
+      <p:nvGrpSpPr>
+        <p:cNvPr id="1" name=""/>
+        <p:cNvGrpSpPr/>
+        <p:nvPr/>
+      </p:nvGrpSpPr>
+      <p:grpSpPr>
+        <a:xfrm>
+          <a:off x="0" y="0"/>
+          <a:ext cx="0" cy="0"/>
+          <a:chOff x="0" y="0"/>
+          <a:chExt cx="0" cy="0"/>
+        </a:xfrm>
+      </p:grpSpPr>
+      <p:pic>
+        <p:nvPicPr>
+          <p:cNvPr id="4" name="Image 3">
+            <a:extLst>
+              <a:ext uri="{FF2B5EF4-FFF2-40B4-BE49-F238E27FC236}">
+                <a16:creationId xmlns:a16="http://schemas.microsoft.com/office/drawing/2014/main" id="{7726E168-E381-4359-A507-0AEC80012565}"/>
+              </a:ext>
+            </a:extLst>
+          </p:cNvPr>
+          <p:cNvPicPr/>
+          <p:nvPr/>
+        </p:nvPicPr>
+        <p:blipFill rotWithShape="1">
+          <a:blip r:embed="rId2"/>
+          <a:srcRect l="1096" t="1641" r="1304" b="2252"/>
+          <a:stretch/>
+        </p:blipFill>
+        <p:spPr bwMode="auto">
+          <a:xfrm>
+            <a:off x="1139474" y="223533"/>
+            <a:ext cx="5185410" cy="4095750"/>
+          </a:xfrm>
+          <a:prstGeom prst="rect">
+            <a:avLst/>
+          </a:prstGeom>
+          <a:solidFill>
+            <a:srgbClr val="FFFFFF">
+              <a:shade val="85000"/>
+            </a:srgbClr>
+          </a:solidFill>
+          <a:ln w="88900" cap="sq">
+            <a:solidFill>
+              <a:srgbClr val="FFFFFF"/>
+            </a:solidFill>
+            <a:miter lim="800000"/>
+          </a:ln>
+          <a:effectLst>
+            <a:outerShdw blurRad="55000" dist="18000" dir="5400000" algn="tl" rotWithShape="0">
+              <a:srgbClr val="000000">
+                <a:alpha val="40000"/>
+              </a:srgbClr>
+            </a:outerShdw>
+          </a:effectLst>
+          <a:scene3d>
+            <a:camera prst="orthographicFront"/>
+            <a:lightRig rig="twoPt" dir="t">
+              <a:rot lat="0" lon="0" rev="7200000"/>
+            </a:lightRig>
+          </a:scene3d>
+          <a:sp3d>
+            <a:bevelT w="25400" h="19050"/>
+            <a:contourClr>
+              <a:srgbClr val="FFFFFF"/>
+            </a:contourClr>
+          </a:sp3d>
+          <a:extLst>
+            <a:ext uri="{53640926-AAD7-44D8-BBD7-CCE9431645EC}">
+              <a14:shadowObscured xmlns:a14="http://schemas.microsoft.com/office/drawing/2010/main"/>
+            </a:ext>
+          </a:extLst>
+        </p:spPr>
+      </p:pic>
+      <p:pic>
+        <p:nvPicPr>
+          <p:cNvPr id="5" name="Image 4">
+            <a:extLst>
+              <a:ext uri="{FF2B5EF4-FFF2-40B4-BE49-F238E27FC236}">
+                <a16:creationId xmlns:a16="http://schemas.microsoft.com/office/drawing/2014/main" id="{1F85C3C3-AE41-489C-8F2D-001F99590787}"/>
+              </a:ext>
+            </a:extLst>
+          </p:cNvPr>
+          <p:cNvPicPr/>
+          <p:nvPr/>
+        </p:nvPicPr>
+        <p:blipFill rotWithShape="1">
+          <a:blip r:embed="rId3"/>
+          <a:srcRect l="874" t="2053" r="1656" b="1691"/>
+          <a:stretch/>
+        </p:blipFill>
+        <p:spPr bwMode="auto">
+          <a:xfrm>
+            <a:off x="6661609" y="2521483"/>
+            <a:ext cx="5191760" cy="4091305"/>
+          </a:xfrm>
+          <a:prstGeom prst="rect">
+            <a:avLst/>
+          </a:prstGeom>
+          <a:solidFill>
+            <a:srgbClr val="FFFFFF">
+              <a:shade val="85000"/>
+            </a:srgbClr>
+          </a:solidFill>
+          <a:ln w="88900" cap="sq">
+            <a:solidFill>
+              <a:srgbClr val="FFFFFF"/>
+            </a:solidFill>
+            <a:miter lim="800000"/>
+          </a:ln>
+          <a:effectLst>
+            <a:outerShdw blurRad="55000" dist="18000" dir="5400000" algn="tl" rotWithShape="0">
+              <a:srgbClr val="000000">
+                <a:alpha val="40000"/>
+              </a:srgbClr>
+            </a:outerShdw>
+          </a:effectLst>
+          <a:scene3d>
+            <a:camera prst="orthographicFront"/>
+            <a:lightRig rig="twoPt" dir="t">
+              <a:rot lat="0" lon="0" rev="7200000"/>
+            </a:lightRig>
+          </a:scene3d>
+          <a:sp3d>
+            <a:bevelT w="25400" h="19050"/>
+            <a:contourClr>
+              <a:srgbClr val="FFFFFF"/>
+            </a:contourClr>
+          </a:sp3d>
+          <a:extLst>
+            <a:ext uri="{53640926-AAD7-44D8-BBD7-CCE9431645EC}">
+              <a14:shadowObscured xmlns:a14="http://schemas.microsoft.com/office/drawing/2010/main"/>
+            </a:ext>
+          </a:extLst>
+        </p:spPr>
+      </p:pic>
+    </p:spTree>
+    <p:extLst>
+      <p:ext uri="{BB962C8B-B14F-4D97-AF65-F5344CB8AC3E}">
+        <p14:creationId xmlns:p14="http://schemas.microsoft.com/office/powerpoint/2010/main" val="3481922940"/>
+      </p:ext>
+    </p:extLst>
+  </p:cSld>
+  <p:clrMapOvr>
+    <a:masterClrMapping/>
+  </p:clrMapOvr>
+  <mc:AlternateContent xmlns:mc="http://schemas.openxmlformats.org/markup-compatibility/2006" xmlns:p159="http://schemas.microsoft.com/office/powerpoint/2015/09/main">
+    <mc:Choice Requires="p159">
+      <p:transition xmlns:p14="http://schemas.microsoft.com/office/powerpoint/2010/main" spd="slow" p14:dur="2000">
+        <p159:morph option="byObject"/>
+      </p:transition>
+    </mc:Choice>
+    <mc:Fallback xmlns="">
+      <p:transition spd="slow">
+        <p:fade/>
+      </p:transition>
+    </mc:Fallback>
+  </mc:AlternateContent>
+  <p:timing>
+    <p:tnLst>
+      <p:par>
+        <p:cTn id="1" dur="indefinite" restart="never" nodeType="tmRoot">
+          <p:childTnLst>
+            <p:seq concurrent="1" nextAc="seek">
+              <p:cTn id="2" dur="indefinite" nodeType="mainSeq">
+                <p:childTnLst>
+                  <p:par>
+                    <p:cTn id="3" fill="hold">
+                      <p:stCondLst>
+                        <p:cond delay="indefinite"/>
+                      </p:stCondLst>
+                      <p:childTnLst>
+                        <p:par>
+                          <p:cTn id="4" fill="hold">
+                            <p:stCondLst>
+                              <p:cond delay="0"/>
+                            </p:stCondLst>
+                            <p:childTnLst>
+                              <p:par>
+                                <p:cTn id="5" presetID="1" presetClass="entr" presetSubtype="0" fill="hold" nodeType="clickEffect">
+                                  <p:stCondLst>
+                                    <p:cond delay="0"/>
+                                  </p:stCondLst>
+                                  <p:childTnLst>
+                                    <p:set>
+                                      <p:cBhvr>
+                                        <p:cTn id="6" dur="1" fill="hold">
+                                          <p:stCondLst>
+                                            <p:cond delay="0"/>
+                                          </p:stCondLst>
+                                        </p:cTn>
+                                        <p:tgtEl>
+                                          <p:spTgt spid="4"/>
+                                        </p:tgtEl>
+                                        <p:attrNameLst>
+                                          <p:attrName>style.visibility</p:attrName>
+                                        </p:attrNameLst>
+                                      </p:cBhvr>
+                                      <p:to>
+                                        <p:strVal val="visible"/>
+                                      </p:to>
+                                    </p:set>
+                                  </p:childTnLst>
+                                </p:cTn>
+                              </p:par>
+                            </p:childTnLst>
+                          </p:cTn>
+                        </p:par>
+                      </p:childTnLst>
+                    </p:cTn>
+                  </p:par>
+                  <p:par>
+                    <p:cTn id="7" fill="hold">
+                      <p:stCondLst>
+                        <p:cond delay="indefinite"/>
+                      </p:stCondLst>
+                      <p:childTnLst>
+                        <p:par>
+                          <p:cTn id="8" fill="hold">
+                            <p:stCondLst>
+                              <p:cond delay="0"/>
+                            </p:stCondLst>
+                            <p:childTnLst>
+                              <p:par>
+                                <p:cTn id="9" presetID="1" presetClass="entr" presetSubtype="0" fill="hold" nodeType="clickEffect">
+                                  <p:stCondLst>
+                                    <p:cond delay="0"/>
+                                  </p:stCondLst>
+                                  <p:childTnLst>
+                                    <p:set>
+                                      <p:cBhvr>
+                                        <p:cTn id="10" dur="1" fill="hold">
+                                          <p:stCondLst>
+                                            <p:cond delay="0"/>
+                                          </p:stCondLst>
+                                        </p:cTn>
+                                        <p:tgtEl>
+                                          <p:spTgt spid="5"/>
+                                        </p:tgtEl>
+                                        <p:attrNameLst>
+                                          <p:attrName>style.visibility</p:attrName>
+                                        </p:attrNameLst>
+                                      </p:cBhvr>
+                                      <p:to>
+                                        <p:strVal val="visible"/>
+                                      </p:to>
+                                    </p:set>
+                                  </p:childTnLst>
+                                </p:cTn>
+                              </p:par>
+                            </p:childTnLst>
+                          </p:cTn>
+                        </p:par>
+                      </p:childTnLst>
+                    </p:cTn>
+                  </p:par>
+                </p:childTnLst>
+              </p:cTn>
+              <p:prevCondLst>
+                <p:cond evt="onPrev" delay="0">
+                  <p:tgtEl>
+                    <p:sldTgt/>
+                  </p:tgtEl>
+                </p:cond>
+              </p:prevCondLst>
+              <p:nextCondLst>
+                <p:cond evt="onNext" delay="0">
+                  <p:tgtEl>
+                    <p:sldTgt/>
+                  </p:tgtEl>
+                </p:cond>
+              </p:nextCondLst>
+            </p:seq>
+          </p:childTnLst>
+        </p:cTn>
+      </p:par>
+    </p:tnLst>
+  </p:timing>
+</p:sld>
+</file>
+
 <file path=ppt/theme/theme1.xml><?xml version="1.0" encoding="utf-8"?>
 <a:theme xmlns:a="http://schemas.openxmlformats.org/drawingml/2006/main" name="Cadrage">
   <a:themeElements>
